--- a/人工智慧導論期末報告 B103040012 謝承翰.pptx
+++ b/人工智慧導論期末報告 B103040012 謝承翰.pptx
@@ -43,29 +43,37 @@
     <p:sldId id="290" r:id="rId37"/>
     <p:sldId id="291" r:id="rId38"/>
     <p:sldId id="292" r:id="rId39"/>
-    <p:sldId id="303" r:id="rId40"/>
-    <p:sldId id="300" r:id="rId41"/>
-    <p:sldId id="301" r:id="rId42"/>
-    <p:sldId id="302" r:id="rId43"/>
-    <p:sldId id="304" r:id="rId44"/>
-    <p:sldId id="306" r:id="rId45"/>
-    <p:sldId id="305" r:id="rId46"/>
-    <p:sldId id="307" r:id="rId47"/>
-    <p:sldId id="308" r:id="rId48"/>
-    <p:sldId id="309" r:id="rId49"/>
-    <p:sldId id="310" r:id="rId50"/>
-    <p:sldId id="312" r:id="rId51"/>
-    <p:sldId id="313" r:id="rId52"/>
-    <p:sldId id="314" r:id="rId53"/>
-    <p:sldId id="315" r:id="rId54"/>
-    <p:sldId id="318" r:id="rId55"/>
-    <p:sldId id="319" r:id="rId56"/>
-    <p:sldId id="320" r:id="rId57"/>
-    <p:sldId id="321" r:id="rId58"/>
-    <p:sldId id="322" r:id="rId59"/>
-    <p:sldId id="323" r:id="rId60"/>
-    <p:sldId id="324" r:id="rId61"/>
-    <p:sldId id="325" r:id="rId62"/>
+    <p:sldId id="326" r:id="rId40"/>
+    <p:sldId id="327" r:id="rId41"/>
+    <p:sldId id="328" r:id="rId42"/>
+    <p:sldId id="329" r:id="rId43"/>
+    <p:sldId id="330" r:id="rId44"/>
+    <p:sldId id="333" r:id="rId45"/>
+    <p:sldId id="332" r:id="rId46"/>
+    <p:sldId id="331" r:id="rId47"/>
+    <p:sldId id="303" r:id="rId48"/>
+    <p:sldId id="300" r:id="rId49"/>
+    <p:sldId id="301" r:id="rId50"/>
+    <p:sldId id="302" r:id="rId51"/>
+    <p:sldId id="304" r:id="rId52"/>
+    <p:sldId id="306" r:id="rId53"/>
+    <p:sldId id="305" r:id="rId54"/>
+    <p:sldId id="307" r:id="rId55"/>
+    <p:sldId id="308" r:id="rId56"/>
+    <p:sldId id="309" r:id="rId57"/>
+    <p:sldId id="310" r:id="rId58"/>
+    <p:sldId id="312" r:id="rId59"/>
+    <p:sldId id="313" r:id="rId60"/>
+    <p:sldId id="314" r:id="rId61"/>
+    <p:sldId id="315" r:id="rId62"/>
+    <p:sldId id="318" r:id="rId63"/>
+    <p:sldId id="319" r:id="rId64"/>
+    <p:sldId id="320" r:id="rId65"/>
+    <p:sldId id="321" r:id="rId66"/>
+    <p:sldId id="322" r:id="rId67"/>
+    <p:sldId id="323" r:id="rId68"/>
+    <p:sldId id="324" r:id="rId69"/>
+    <p:sldId id="325" r:id="rId70"/>
   </p:sldIdLst>
   <p:sldSz cx="12192000" cy="6858000"/>
   <p:notesSz cx="6858000" cy="9144000"/>
@@ -9283,10 +9291,10 @@
       </p:sp>
       <p:pic>
         <p:nvPicPr>
-          <p:cNvPr id="5" name="圖片 4">
+          <p:cNvPr id="4" name="圖片 3">
             <a:extLst>
               <a:ext uri="{FF2B5EF4-FFF2-40B4-BE49-F238E27FC236}">
-                <a16:creationId xmlns:a16="http://schemas.microsoft.com/office/drawing/2014/main" id="{1E6F5192-4490-2DB9-12C5-C286306958C4}"/>
+                <a16:creationId xmlns:a16="http://schemas.microsoft.com/office/drawing/2014/main" id="{A16F4E22-0B70-0A53-719E-48026E80772C}"/>
               </a:ext>
             </a:extLst>
           </p:cNvPr>
@@ -9309,7 +9317,7 @@
         </p:blipFill>
         <p:spPr>
           <a:xfrm>
-            <a:off x="3169914" y="1608061"/>
+            <a:off x="3169914" y="1690688"/>
             <a:ext cx="5852172" cy="4389129"/>
           </a:xfrm>
           <a:prstGeom prst="rect">
@@ -10413,10 +10421,10 @@
       </p:sp>
       <p:pic>
         <p:nvPicPr>
-          <p:cNvPr id="10" name="圖片 9">
+          <p:cNvPr id="4" name="圖片 3">
             <a:extLst>
               <a:ext uri="{FF2B5EF4-FFF2-40B4-BE49-F238E27FC236}">
-                <a16:creationId xmlns:a16="http://schemas.microsoft.com/office/drawing/2014/main" id="{9C19B6E9-9CF0-6DEA-73B5-60BC64838A05}"/>
+                <a16:creationId xmlns:a16="http://schemas.microsoft.com/office/drawing/2014/main" id="{10B758AF-909A-1170-3C22-09DB049C92DC}"/>
               </a:ext>
             </a:extLst>
           </p:cNvPr>
@@ -10439,7 +10447,7 @@
         </p:blipFill>
         <p:spPr>
           <a:xfrm>
-            <a:off x="3169914" y="1234435"/>
+            <a:off x="3169914" y="1690688"/>
             <a:ext cx="5852172" cy="4389129"/>
           </a:xfrm>
           <a:prstGeom prst="rect">
@@ -10685,10 +10693,10 @@
       </p:sp>
       <p:pic>
         <p:nvPicPr>
-          <p:cNvPr id="7" name="圖片 6">
+          <p:cNvPr id="4" name="圖片 3">
             <a:extLst>
               <a:ext uri="{FF2B5EF4-FFF2-40B4-BE49-F238E27FC236}">
-                <a16:creationId xmlns:a16="http://schemas.microsoft.com/office/drawing/2014/main" id="{E21FA4A5-8E5F-D1B8-8CDF-57C9B4007054}"/>
+                <a16:creationId xmlns:a16="http://schemas.microsoft.com/office/drawing/2014/main" id="{2F9FBD83-86A7-75B0-EC94-3096185BDE46}"/>
               </a:ext>
             </a:extLst>
           </p:cNvPr>
@@ -10711,7 +10719,7 @@
         </p:blipFill>
         <p:spPr>
           <a:xfrm>
-            <a:off x="3169914" y="1234435"/>
+            <a:off x="3169914" y="1690688"/>
             <a:ext cx="5852172" cy="4389129"/>
           </a:xfrm>
           <a:prstGeom prst="rect">
@@ -10957,10 +10965,10 @@
       </p:sp>
       <p:pic>
         <p:nvPicPr>
-          <p:cNvPr id="7" name="圖片 6">
+          <p:cNvPr id="4" name="圖片 3">
             <a:extLst>
               <a:ext uri="{FF2B5EF4-FFF2-40B4-BE49-F238E27FC236}">
-                <a16:creationId xmlns:a16="http://schemas.microsoft.com/office/drawing/2014/main" id="{A8638588-FD23-C502-106C-625D593C29C3}"/>
+                <a16:creationId xmlns:a16="http://schemas.microsoft.com/office/drawing/2014/main" id="{E0AD3584-5458-7183-663D-90377C0E245B}"/>
               </a:ext>
             </a:extLst>
           </p:cNvPr>
@@ -10983,7 +10991,7 @@
         </p:blipFill>
         <p:spPr>
           <a:xfrm>
-            <a:off x="3169914" y="1234435"/>
+            <a:off x="3169914" y="1690688"/>
             <a:ext cx="5852172" cy="4389129"/>
           </a:xfrm>
           <a:prstGeom prst="rect">
@@ -11229,10 +11237,10 @@
       </p:sp>
       <p:pic>
         <p:nvPicPr>
-          <p:cNvPr id="7" name="圖片 6">
+          <p:cNvPr id="4" name="圖片 3">
             <a:extLst>
               <a:ext uri="{FF2B5EF4-FFF2-40B4-BE49-F238E27FC236}">
-                <a16:creationId xmlns:a16="http://schemas.microsoft.com/office/drawing/2014/main" id="{EAA58416-2F44-9AF6-CC48-CAC28E5FF867}"/>
+                <a16:creationId xmlns:a16="http://schemas.microsoft.com/office/drawing/2014/main" id="{CAFA634A-43BA-34C9-B886-D160C675FC1C}"/>
               </a:ext>
             </a:extLst>
           </p:cNvPr>
@@ -11255,7 +11263,7 @@
         </p:blipFill>
         <p:spPr>
           <a:xfrm>
-            <a:off x="3169914" y="1234435"/>
+            <a:off x="3169914" y="1690688"/>
             <a:ext cx="5852172" cy="4389129"/>
           </a:xfrm>
           <a:prstGeom prst="rect">
@@ -11676,10 +11684,10 @@
       </p:sp>
       <p:pic>
         <p:nvPicPr>
-          <p:cNvPr id="7" name="圖片 6">
+          <p:cNvPr id="4" name="圖片 3">
             <a:extLst>
               <a:ext uri="{FF2B5EF4-FFF2-40B4-BE49-F238E27FC236}">
-                <a16:creationId xmlns:a16="http://schemas.microsoft.com/office/drawing/2014/main" id="{A713D837-C86B-9904-C491-2E234F420BC4}"/>
+                <a16:creationId xmlns:a16="http://schemas.microsoft.com/office/drawing/2014/main" id="{7E6D0E6A-C70D-4D7A-9155-A9C485F3676E}"/>
               </a:ext>
             </a:extLst>
           </p:cNvPr>
@@ -11702,7 +11710,7 @@
         </p:blipFill>
         <p:spPr>
           <a:xfrm>
-            <a:off x="3169914" y="1234435"/>
+            <a:off x="3169914" y="1690688"/>
             <a:ext cx="5852172" cy="4389129"/>
           </a:xfrm>
           <a:prstGeom prst="rect">
@@ -11948,10 +11956,10 @@
       </p:sp>
       <p:pic>
         <p:nvPicPr>
-          <p:cNvPr id="7" name="圖片 6">
+          <p:cNvPr id="4" name="圖片 3">
             <a:extLst>
               <a:ext uri="{FF2B5EF4-FFF2-40B4-BE49-F238E27FC236}">
-                <a16:creationId xmlns:a16="http://schemas.microsoft.com/office/drawing/2014/main" id="{922102B1-B6AD-C561-2691-18DC3EB027C2}"/>
+                <a16:creationId xmlns:a16="http://schemas.microsoft.com/office/drawing/2014/main" id="{8614FA0D-1A69-E8C1-673C-6DDE13290832}"/>
               </a:ext>
             </a:extLst>
           </p:cNvPr>
@@ -11974,7 +11982,7 @@
         </p:blipFill>
         <p:spPr>
           <a:xfrm>
-            <a:off x="3169914" y="1234435"/>
+            <a:off x="3169914" y="1690688"/>
             <a:ext cx="5852172" cy="4389129"/>
           </a:xfrm>
           <a:prstGeom prst="rect">
@@ -12220,10 +12228,10 @@
       </p:sp>
       <p:pic>
         <p:nvPicPr>
-          <p:cNvPr id="7" name="圖片 6">
+          <p:cNvPr id="4" name="圖片 3">
             <a:extLst>
               <a:ext uri="{FF2B5EF4-FFF2-40B4-BE49-F238E27FC236}">
-                <a16:creationId xmlns:a16="http://schemas.microsoft.com/office/drawing/2014/main" id="{F05FBE3C-F974-5242-85CB-822F0527AE07}"/>
+                <a16:creationId xmlns:a16="http://schemas.microsoft.com/office/drawing/2014/main" id="{30265F9E-3784-E727-675C-353761193062}"/>
               </a:ext>
             </a:extLst>
           </p:cNvPr>
@@ -12246,7 +12254,7 @@
         </p:blipFill>
         <p:spPr>
           <a:xfrm>
-            <a:off x="3169914" y="1234435"/>
+            <a:off x="3169914" y="1690688"/>
             <a:ext cx="5852172" cy="4389129"/>
           </a:xfrm>
           <a:prstGeom prst="rect">
@@ -12492,10 +12500,10 @@
       </p:sp>
       <p:pic>
         <p:nvPicPr>
-          <p:cNvPr id="7" name="圖片 6">
+          <p:cNvPr id="4" name="圖片 3">
             <a:extLst>
               <a:ext uri="{FF2B5EF4-FFF2-40B4-BE49-F238E27FC236}">
-                <a16:creationId xmlns:a16="http://schemas.microsoft.com/office/drawing/2014/main" id="{16AF0EEB-CA8F-482B-4635-4C841C5E879D}"/>
+                <a16:creationId xmlns:a16="http://schemas.microsoft.com/office/drawing/2014/main" id="{9CDE7957-9AA2-2CD7-8476-6866CE998190}"/>
               </a:ext>
             </a:extLst>
           </p:cNvPr>
@@ -12518,7 +12526,7 @@
         </p:blipFill>
         <p:spPr>
           <a:xfrm>
-            <a:off x="3169914" y="1234435"/>
+            <a:off x="3169914" y="1690688"/>
             <a:ext cx="5852172" cy="4389129"/>
           </a:xfrm>
           <a:prstGeom prst="rect">
@@ -12764,10 +12772,10 @@
       </p:sp>
       <p:pic>
         <p:nvPicPr>
-          <p:cNvPr id="7" name="圖片 6">
+          <p:cNvPr id="4" name="圖片 3">
             <a:extLst>
               <a:ext uri="{FF2B5EF4-FFF2-40B4-BE49-F238E27FC236}">
-                <a16:creationId xmlns:a16="http://schemas.microsoft.com/office/drawing/2014/main" id="{6B7EE01B-8AD0-5F82-F6D8-70A9FABAFD87}"/>
+                <a16:creationId xmlns:a16="http://schemas.microsoft.com/office/drawing/2014/main" id="{60559ABE-5B00-2C36-49A1-7F217B8D33EC}"/>
               </a:ext>
             </a:extLst>
           </p:cNvPr>
@@ -12790,7 +12798,7 @@
         </p:blipFill>
         <p:spPr>
           <a:xfrm>
-            <a:off x="3169914" y="1234435"/>
+            <a:off x="3169914" y="1690688"/>
             <a:ext cx="5852172" cy="4389129"/>
           </a:xfrm>
           <a:prstGeom prst="rect">
@@ -12854,7 +12862,7 @@
                 <a:latin typeface="微軟正黑體" panose="020B0604030504040204" pitchFamily="34" charset="-120"/>
                 <a:ea typeface="微軟正黑體" panose="020B0604030504040204" pitchFamily="34" charset="-120"/>
               </a:rPr>
-              <a:t>結論</a:t>
+              <a:t>變化</a:t>
             </a:r>
           </a:p>
         </p:txBody>
@@ -12880,13 +12888,92 @@
           <a:bodyPr/>
           <a:lstStyle/>
           <a:p>
+            <a:pPr marL="514350" indent="-514350">
+              <a:buFont typeface="+mj-lt"/>
+              <a:buAutoNum type="arabicPeriod"/>
+            </a:pPr>
+            <a:r>
+              <a:rPr lang="en-US" altLang="zh-TW" dirty="0">
+                <a:latin typeface="Consolas" panose="020B0609020204030204" pitchFamily="49" charset="0"/>
+                <a:ea typeface="微軟正黑體" panose="020B0604030504040204" pitchFamily="34" charset="-120"/>
+              </a:rPr>
+              <a:t>L = random [10,100]</a:t>
+            </a:r>
+          </a:p>
+          <a:p>
+            <a:pPr marL="514350" indent="-514350">
+              <a:buFont typeface="+mj-lt"/>
+              <a:buAutoNum type="arabicPeriod"/>
+            </a:pPr>
+            <a:r>
+              <a:rPr lang="en-US" altLang="zh-TW" dirty="0">
+                <a:latin typeface="Consolas" panose="020B0609020204030204" pitchFamily="49" charset="0"/>
+                <a:ea typeface="微軟正黑體" panose="020B0604030504040204" pitchFamily="34" charset="-120"/>
+              </a:rPr>
+              <a:t>gene = {“A”, “D”, “H”}*</a:t>
+            </a:r>
+          </a:p>
+          <a:p>
+            <a:pPr marL="514350" indent="-514350">
+              <a:buFont typeface="+mj-lt"/>
+              <a:buAutoNum type="arabicPeriod"/>
+            </a:pPr>
+            <a:r>
+              <a:rPr lang="en-US" altLang="zh-TW" dirty="0">
+                <a:latin typeface="Consolas" panose="020B0609020204030204" pitchFamily="49" charset="0"/>
+                <a:ea typeface="微軟正黑體" panose="020B0604030504040204" pitchFamily="34" charset="-120"/>
+              </a:rPr>
+              <a:t>HP = N(“H”) + 1</a:t>
+            </a:r>
+          </a:p>
+          <a:p>
+            <a:pPr marL="514350" indent="-514350">
+              <a:buFont typeface="+mj-lt"/>
+              <a:buAutoNum type="arabicPeriod"/>
+            </a:pPr>
+            <a:r>
+              <a:rPr lang="en-US" altLang="zh-TW" dirty="0">
+                <a:latin typeface="Consolas" panose="020B0609020204030204" pitchFamily="49" charset="0"/>
+                <a:ea typeface="微軟正黑體" panose="020B0604030504040204" pitchFamily="34" charset="-120"/>
+              </a:rPr>
+              <a:t>ATK = 50N(“A”) + 1</a:t>
+            </a:r>
+          </a:p>
+          <a:p>
+            <a:pPr marL="514350" indent="-514350">
+              <a:buFont typeface="+mj-lt"/>
+              <a:buAutoNum type="arabicPeriod"/>
+            </a:pPr>
+            <a:r>
+              <a:rPr lang="en-US" altLang="zh-TW" dirty="0">
+                <a:latin typeface="Consolas" panose="020B0609020204030204" pitchFamily="49" charset="0"/>
+                <a:ea typeface="微軟正黑體" panose="020B0604030504040204" pitchFamily="34" charset="-120"/>
+              </a:rPr>
+              <a:t>DEF = N(“D”) + 1</a:t>
+            </a:r>
+          </a:p>
+          <a:p>
+            <a:pPr marL="514350" indent="-514350">
+              <a:buFont typeface="+mj-lt"/>
+              <a:buAutoNum type="arabicPeriod"/>
+            </a:pPr>
             <a:r>
               <a:rPr lang="zh-TW" altLang="en-US" dirty="0">
                 <a:latin typeface="Consolas" panose="020B0609020204030204" pitchFamily="49" charset="0"/>
                 <a:ea typeface="微軟正黑體" panose="020B0604030504040204" pitchFamily="34" charset="-120"/>
               </a:rPr>
-              <a:t>這個模型可以找到適應度較好的基因。</a:t>
-            </a:r>
+              <a:t>被殺死分裂兩個</a:t>
+            </a:r>
+            <a:endParaRPr lang="en-US" altLang="zh-TW" dirty="0">
+              <a:latin typeface="Consolas" panose="020B0609020204030204" pitchFamily="49" charset="0"/>
+              <a:ea typeface="微軟正黑體" panose="020B0604030504040204" pitchFamily="34" charset="-120"/>
+            </a:endParaRPr>
+          </a:p>
+          <a:p>
+            <a:pPr marL="514350" indent="-514350">
+              <a:buFont typeface="+mj-lt"/>
+              <a:buAutoNum type="arabicPeriod"/>
+            </a:pPr>
             <a:endParaRPr lang="en-US" altLang="zh-TW" dirty="0">
               <a:latin typeface="Consolas" panose="020B0609020204030204" pitchFamily="49" charset="0"/>
               <a:ea typeface="微軟正黑體" panose="020B0604030504040204" pitchFamily="34" charset="-120"/>
@@ -12897,7 +12984,7 @@
     </p:spTree>
     <p:extLst>
       <p:ext uri="{BB962C8B-B14F-4D97-AF65-F5344CB8AC3E}">
-        <p14:creationId xmlns:p14="http://schemas.microsoft.com/office/powerpoint/2010/main" val="167152497"/>
+        <p14:creationId xmlns:p14="http://schemas.microsoft.com/office/powerpoint/2010/main" val="402425830"/>
       </p:ext>
     </p:extLst>
   </p:cSld>
@@ -13124,72 +13211,51 @@
                 <a:latin typeface="微軟正黑體" panose="020B0604030504040204" pitchFamily="34" charset="-120"/>
                 <a:ea typeface="微軟正黑體" panose="020B0604030504040204" pitchFamily="34" charset="-120"/>
               </a:rPr>
-              <a:t>結論</a:t>
+              <a:t>變化</a:t>
             </a:r>
           </a:p>
         </p:txBody>
       </p:sp>
-      <p:sp>
-        <p:nvSpPr>
-          <p:cNvPr id="3" name="內容版面配置區 2">
+      <p:pic>
+        <p:nvPicPr>
+          <p:cNvPr id="5" name="圖片 4">
             <a:extLst>
               <a:ext uri="{FF2B5EF4-FFF2-40B4-BE49-F238E27FC236}">
-                <a16:creationId xmlns:a16="http://schemas.microsoft.com/office/drawing/2014/main" id="{2C210A96-EC86-72DC-D13A-F5E67288B66C}"/>
+                <a16:creationId xmlns:a16="http://schemas.microsoft.com/office/drawing/2014/main" id="{5D918727-91AD-E8FD-01FE-3664C5472DEA}"/>
               </a:ext>
             </a:extLst>
           </p:cNvPr>
-          <p:cNvSpPr>
-            <a:spLocks noGrp="1"/>
-          </p:cNvSpPr>
-          <p:nvPr>
-            <p:ph idx="1"/>
-          </p:nvPr>
-        </p:nvSpPr>
-        <p:spPr/>
-        <p:txBody>
-          <a:bodyPr/>
-          <a:lstStyle/>
-          <a:p>
-            <a:r>
-              <a:rPr lang="zh-TW" altLang="en-US" dirty="0">
-                <a:latin typeface="Consolas" panose="020B0609020204030204" pitchFamily="49" charset="0"/>
-                <a:ea typeface="微軟正黑體" panose="020B0604030504040204" pitchFamily="34" charset="-120"/>
-              </a:rPr>
-              <a:t>這個模型可以找到適應度較好的基因。</a:t>
-            </a:r>
-            <a:endParaRPr lang="en-US" altLang="zh-TW" dirty="0">
-              <a:latin typeface="Consolas" panose="020B0609020204030204" pitchFamily="49" charset="0"/>
-              <a:ea typeface="微軟正黑體" panose="020B0604030504040204" pitchFamily="34" charset="-120"/>
-            </a:endParaRPr>
-          </a:p>
-          <a:p>
-            <a:endParaRPr lang="en-US" altLang="zh-TW" dirty="0">
-              <a:latin typeface="Consolas" panose="020B0609020204030204" pitchFamily="49" charset="0"/>
-              <a:ea typeface="微軟正黑體" panose="020B0604030504040204" pitchFamily="34" charset="-120"/>
-            </a:endParaRPr>
-          </a:p>
-          <a:p>
-            <a:r>
-              <a:rPr lang="zh-TW" altLang="en-US" dirty="0">
-                <a:latin typeface="Consolas" panose="020B0609020204030204" pitchFamily="49" charset="0"/>
-                <a:ea typeface="微軟正黑體" panose="020B0604030504040204" pitchFamily="34" charset="-120"/>
-              </a:rPr>
-              <a:t>那我可不可以用這個模型來解決最佳化問題</a:t>
-            </a:r>
-            <a:r>
-              <a:rPr lang="en-US" altLang="zh-TW" dirty="0">
-                <a:latin typeface="Consolas" panose="020B0609020204030204" pitchFamily="49" charset="0"/>
-                <a:ea typeface="微軟正黑體" panose="020B0604030504040204" pitchFamily="34" charset="-120"/>
-              </a:rPr>
-              <a:t>?</a:t>
-            </a:r>
-          </a:p>
-        </p:txBody>
-      </p:sp>
+          <p:cNvPicPr>
+            <a:picLocks noChangeAspect="1"/>
+          </p:cNvPicPr>
+          <p:nvPr/>
+        </p:nvPicPr>
+        <p:blipFill>
+          <a:blip r:embed="rId2">
+            <a:extLst>
+              <a:ext uri="{28A0092B-C50C-407E-A947-70E740481C1C}">
+                <a14:useLocalDpi xmlns:a14="http://schemas.microsoft.com/office/drawing/2010/main" val="0"/>
+              </a:ext>
+            </a:extLst>
+          </a:blip>
+          <a:stretch>
+            <a:fillRect/>
+          </a:stretch>
+        </p:blipFill>
+        <p:spPr>
+          <a:xfrm>
+            <a:off x="3169914" y="1690688"/>
+            <a:ext cx="5852172" cy="4389129"/>
+          </a:xfrm>
+          <a:prstGeom prst="rect">
+            <a:avLst/>
+          </a:prstGeom>
+        </p:spPr>
+      </p:pic>
     </p:spTree>
     <p:extLst>
       <p:ext uri="{BB962C8B-B14F-4D97-AF65-F5344CB8AC3E}">
-        <p14:creationId xmlns:p14="http://schemas.microsoft.com/office/powerpoint/2010/main" val="4030203513"/>
+        <p14:creationId xmlns:p14="http://schemas.microsoft.com/office/powerpoint/2010/main" val="647190408"/>
       </p:ext>
     </p:extLst>
   </p:cSld>
@@ -13238,30 +13304,12 @@
           <a:lstStyle/>
           <a:p>
             <a:r>
-              <a:rPr lang="en-US" altLang="zh-TW" dirty="0">
-                <a:latin typeface="Consolas" panose="020B0609020204030204" pitchFamily="49" charset="0"/>
-                <a:ea typeface="微軟正黑體" panose="020B0604030504040204" pitchFamily="34" charset="-120"/>
-              </a:rPr>
-              <a:t>0/1</a:t>
-            </a:r>
-            <a:r>
               <a:rPr lang="zh-TW" altLang="en-US" dirty="0">
-                <a:latin typeface="Consolas" panose="020B0609020204030204" pitchFamily="49" charset="0"/>
-                <a:ea typeface="微軟正黑體" panose="020B0604030504040204" pitchFamily="34" charset="-120"/>
-              </a:rPr>
-              <a:t> </a:t>
-            </a:r>
-            <a:r>
-              <a:rPr lang="en-US" altLang="zh-TW" dirty="0">
-                <a:latin typeface="Consolas" panose="020B0609020204030204" pitchFamily="49" charset="0"/>
-                <a:ea typeface="微軟正黑體" panose="020B0604030504040204" pitchFamily="34" charset="-120"/>
-              </a:rPr>
-              <a:t>knapsack</a:t>
-            </a:r>
-            <a:endParaRPr lang="zh-TW" altLang="en-US" dirty="0">
-              <a:latin typeface="Consolas" panose="020B0609020204030204" pitchFamily="49" charset="0"/>
-              <a:ea typeface="微軟正黑體" panose="020B0604030504040204" pitchFamily="34" charset="-120"/>
-            </a:endParaRPr>
+                <a:latin typeface="微軟正黑體" panose="020B0604030504040204" pitchFamily="34" charset="-120"/>
+                <a:ea typeface="微軟正黑體" panose="020B0604030504040204" pitchFamily="34" charset="-120"/>
+              </a:rPr>
+              <a:t>變化</a:t>
+            </a:r>
           </a:p>
         </p:txBody>
       </p:sp>
@@ -13295,7 +13343,7 @@
                 <a:latin typeface="Consolas" panose="020B0609020204030204" pitchFamily="49" charset="0"/>
                 <a:ea typeface="微軟正黑體" panose="020B0604030504040204" pitchFamily="34" charset="-120"/>
               </a:rPr>
-              <a:t>L = random [Min,1000]</a:t>
+              <a:t>L = random [10,100]</a:t>
             </a:r>
           </a:p>
           <a:p>
@@ -13308,7 +13356,7 @@
                 <a:latin typeface="Consolas" panose="020B0609020204030204" pitchFamily="49" charset="0"/>
                 <a:ea typeface="微軟正黑體" panose="020B0604030504040204" pitchFamily="34" charset="-120"/>
               </a:rPr>
-              <a:t>gene = {“0”, “1”}*</a:t>
+              <a:t>gene = {“A”, “D”, “H”}*</a:t>
             </a:r>
           </a:p>
           <a:p>
@@ -13321,7 +13369,7 @@
                 <a:latin typeface="Consolas" panose="020B0609020204030204" pitchFamily="49" charset="0"/>
                 <a:ea typeface="微軟正黑體" panose="020B0604030504040204" pitchFamily="34" charset="-120"/>
               </a:rPr>
-              <a:t>HP = 100Evaluate(gene)</a:t>
+              <a:t>HP = N(“H”) + 1</a:t>
             </a:r>
           </a:p>
           <a:p>
@@ -13334,7 +13382,7 @@
                 <a:latin typeface="Consolas" panose="020B0609020204030204" pitchFamily="49" charset="0"/>
                 <a:ea typeface="微軟正黑體" panose="020B0604030504040204" pitchFamily="34" charset="-120"/>
               </a:rPr>
-              <a:t>ATK = 2Evaluate(gene)</a:t>
+              <a:t>ATK = 200N(“A”) + 1</a:t>
             </a:r>
           </a:p>
           <a:p>
@@ -13347,7 +13395,7 @@
                 <a:latin typeface="Consolas" panose="020B0609020204030204" pitchFamily="49" charset="0"/>
                 <a:ea typeface="微軟正黑體" panose="020B0604030504040204" pitchFamily="34" charset="-120"/>
               </a:rPr>
-              <a:t>DEF = Evaluate(gene)</a:t>
+              <a:t>DEF = N(“D”) + 1</a:t>
             </a:r>
           </a:p>
           <a:p>
@@ -13368,76 +13416,21 @@
             </a:endParaRPr>
           </a:p>
           <a:p>
+            <a:pPr marL="514350" indent="-514350">
+              <a:buFont typeface="+mj-lt"/>
+              <a:buAutoNum type="arabicPeriod"/>
+            </a:pPr>
             <a:endParaRPr lang="en-US" altLang="zh-TW" dirty="0">
               <a:latin typeface="Consolas" panose="020B0609020204030204" pitchFamily="49" charset="0"/>
               <a:ea typeface="微軟正黑體" panose="020B0604030504040204" pitchFamily="34" charset="-120"/>
             </a:endParaRPr>
-          </a:p>
-        </p:txBody>
-      </p:sp>
-      <p:sp>
-        <p:nvSpPr>
-          <p:cNvPr id="5" name="文字方塊 4">
-            <a:extLst>
-              <a:ext uri="{FF2B5EF4-FFF2-40B4-BE49-F238E27FC236}">
-                <a16:creationId xmlns:a16="http://schemas.microsoft.com/office/drawing/2014/main" id="{7577DB7D-8ECB-5DCC-5876-8CFDAFEAE0A4}"/>
-              </a:ext>
-            </a:extLst>
-          </p:cNvPr>
-          <p:cNvSpPr txBox="1"/>
-          <p:nvPr/>
-        </p:nvSpPr>
-        <p:spPr>
-          <a:xfrm>
-            <a:off x="838200" y="5911790"/>
-            <a:ext cx="8229600" cy="400110"/>
-          </a:xfrm>
-          <a:prstGeom prst="rect">
-            <a:avLst/>
-          </a:prstGeom>
-          <a:noFill/>
-        </p:spPr>
-        <p:txBody>
-          <a:bodyPr wrap="square" rtlCol="0">
-            <a:spAutoFit/>
-          </a:bodyPr>
-          <a:lstStyle/>
-          <a:p>
-            <a:r>
-              <a:rPr lang="en-US" altLang="zh-TW" sz="2000" dirty="0">
-                <a:latin typeface="Consolas" panose="020B0609020204030204" pitchFamily="49" charset="0"/>
-                <a:ea typeface="微軟正黑體" panose="020B0604030504040204" pitchFamily="34" charset="-120"/>
-              </a:rPr>
-              <a:t>Evaluate(gene) = </a:t>
-            </a:r>
-            <a:r>
-              <a:rPr lang="zh-TW" altLang="en-US" sz="2000" dirty="0">
-                <a:latin typeface="Consolas" panose="020B0609020204030204" pitchFamily="49" charset="0"/>
-                <a:ea typeface="微軟正黑體" panose="020B0604030504040204" pitchFamily="34" charset="-120"/>
-              </a:rPr>
-              <a:t>選取物品的價值</a:t>
-            </a:r>
-            <a:r>
-              <a:rPr lang="en-US" altLang="zh-TW" sz="2000" dirty="0">
-                <a:latin typeface="Consolas" panose="020B0609020204030204" pitchFamily="49" charset="0"/>
-                <a:ea typeface="微軟正黑體" panose="020B0604030504040204" pitchFamily="34" charset="-120"/>
-              </a:rPr>
-              <a:t>-</a:t>
-            </a:r>
-            <a:r>
-              <a:rPr lang="zh-TW" altLang="en-US" sz="2000" dirty="0">
-                <a:latin typeface="Consolas" panose="020B0609020204030204" pitchFamily="49" charset="0"/>
-                <a:ea typeface="微軟正黑體" panose="020B0604030504040204" pitchFamily="34" charset="-120"/>
-              </a:rPr>
-              <a:t>超過的重量</a:t>
-            </a:r>
           </a:p>
         </p:txBody>
       </p:sp>
     </p:spTree>
     <p:extLst>
       <p:ext uri="{BB962C8B-B14F-4D97-AF65-F5344CB8AC3E}">
-        <p14:creationId xmlns:p14="http://schemas.microsoft.com/office/powerpoint/2010/main" val="3922956730"/>
+        <p14:creationId xmlns:p14="http://schemas.microsoft.com/office/powerpoint/2010/main" val="1104868851"/>
       </p:ext>
     </p:extLst>
   </p:cSld>
@@ -13486,6 +13479,2076 @@
           <a:lstStyle/>
           <a:p>
             <a:r>
+              <a:rPr lang="zh-TW" altLang="en-US" dirty="0">
+                <a:latin typeface="微軟正黑體" panose="020B0604030504040204" pitchFamily="34" charset="-120"/>
+                <a:ea typeface="微軟正黑體" panose="020B0604030504040204" pitchFamily="34" charset="-120"/>
+              </a:rPr>
+              <a:t>變化</a:t>
+            </a:r>
+          </a:p>
+        </p:txBody>
+      </p:sp>
+      <p:pic>
+        <p:nvPicPr>
+          <p:cNvPr id="4" name="圖片 3">
+            <a:extLst>
+              <a:ext uri="{FF2B5EF4-FFF2-40B4-BE49-F238E27FC236}">
+                <a16:creationId xmlns:a16="http://schemas.microsoft.com/office/drawing/2014/main" id="{F6CA3917-4CB1-40E0-9D41-13A0E06B4F68}"/>
+              </a:ext>
+            </a:extLst>
+          </p:cNvPr>
+          <p:cNvPicPr>
+            <a:picLocks noChangeAspect="1"/>
+          </p:cNvPicPr>
+          <p:nvPr/>
+        </p:nvPicPr>
+        <p:blipFill>
+          <a:blip r:embed="rId2">
+            <a:extLst>
+              <a:ext uri="{28A0092B-C50C-407E-A947-70E740481C1C}">
+                <a14:useLocalDpi xmlns:a14="http://schemas.microsoft.com/office/drawing/2010/main" val="0"/>
+              </a:ext>
+            </a:extLst>
+          </a:blip>
+          <a:stretch>
+            <a:fillRect/>
+          </a:stretch>
+        </p:blipFill>
+        <p:spPr>
+          <a:xfrm>
+            <a:off x="3169914" y="1690688"/>
+            <a:ext cx="5852172" cy="4389129"/>
+          </a:xfrm>
+          <a:prstGeom prst="rect">
+            <a:avLst/>
+          </a:prstGeom>
+        </p:spPr>
+      </p:pic>
+    </p:spTree>
+    <p:extLst>
+      <p:ext uri="{BB962C8B-B14F-4D97-AF65-F5344CB8AC3E}">
+        <p14:creationId xmlns:p14="http://schemas.microsoft.com/office/powerpoint/2010/main" val="1055736561"/>
+      </p:ext>
+    </p:extLst>
+  </p:cSld>
+  <p:clrMapOvr>
+    <a:masterClrMapping/>
+  </p:clrMapOvr>
+</p:sld>
+</file>
+
+<file path=ppt/slides/slide43.xml><?xml version="1.0" encoding="utf-8"?>
+<p:sld xmlns:a="http://schemas.openxmlformats.org/drawingml/2006/main" xmlns:r="http://schemas.openxmlformats.org/officeDocument/2006/relationships" xmlns:p="http://schemas.openxmlformats.org/presentationml/2006/main">
+  <p:cSld>
+    <p:spTree>
+      <p:nvGrpSpPr>
+        <p:cNvPr id="1" name=""/>
+        <p:cNvGrpSpPr/>
+        <p:nvPr/>
+      </p:nvGrpSpPr>
+      <p:grpSpPr>
+        <a:xfrm>
+          <a:off x="0" y="0"/>
+          <a:ext cx="0" cy="0"/>
+          <a:chOff x="0" y="0"/>
+          <a:chExt cx="0" cy="0"/>
+        </a:xfrm>
+      </p:grpSpPr>
+      <p:sp>
+        <p:nvSpPr>
+          <p:cNvPr id="2" name="標題 1">
+            <a:extLst>
+              <a:ext uri="{FF2B5EF4-FFF2-40B4-BE49-F238E27FC236}">
+                <a16:creationId xmlns:a16="http://schemas.microsoft.com/office/drawing/2014/main" id="{B34D58BC-D44A-98ED-2561-BBB54A60864E}"/>
+              </a:ext>
+            </a:extLst>
+          </p:cNvPr>
+          <p:cNvSpPr>
+            <a:spLocks noGrp="1"/>
+          </p:cNvSpPr>
+          <p:nvPr>
+            <p:ph type="title"/>
+          </p:nvPr>
+        </p:nvSpPr>
+        <p:spPr/>
+        <p:txBody>
+          <a:bodyPr/>
+          <a:lstStyle/>
+          <a:p>
+            <a:r>
+              <a:rPr lang="zh-TW" altLang="en-US" dirty="0">
+                <a:latin typeface="微軟正黑體" panose="020B0604030504040204" pitchFamily="34" charset="-120"/>
+                <a:ea typeface="微軟正黑體" panose="020B0604030504040204" pitchFamily="34" charset="-120"/>
+              </a:rPr>
+              <a:t>變化</a:t>
+            </a:r>
+          </a:p>
+        </p:txBody>
+      </p:sp>
+      <p:sp>
+        <p:nvSpPr>
+          <p:cNvPr id="3" name="內容版面配置區 2">
+            <a:extLst>
+              <a:ext uri="{FF2B5EF4-FFF2-40B4-BE49-F238E27FC236}">
+                <a16:creationId xmlns:a16="http://schemas.microsoft.com/office/drawing/2014/main" id="{2C210A96-EC86-72DC-D13A-F5E67288B66C}"/>
+              </a:ext>
+            </a:extLst>
+          </p:cNvPr>
+          <p:cNvSpPr>
+            <a:spLocks noGrp="1"/>
+          </p:cNvSpPr>
+          <p:nvPr>
+            <p:ph idx="1"/>
+          </p:nvPr>
+        </p:nvSpPr>
+        <p:spPr/>
+        <p:txBody>
+          <a:bodyPr/>
+          <a:lstStyle/>
+          <a:p>
+            <a:r>
+              <a:rPr lang="zh-TW" altLang="en-US" dirty="0">
+                <a:latin typeface="Consolas" panose="020B0609020204030204" pitchFamily="49" charset="0"/>
+                <a:ea typeface="微軟正黑體" panose="020B0604030504040204" pitchFamily="34" charset="-120"/>
+              </a:rPr>
+              <a:t>血量佔的優勢真的太大了。</a:t>
+            </a:r>
+            <a:endParaRPr lang="en-US" altLang="zh-TW" dirty="0">
+              <a:latin typeface="Consolas" panose="020B0609020204030204" pitchFamily="49" charset="0"/>
+              <a:ea typeface="微軟正黑體" panose="020B0604030504040204" pitchFamily="34" charset="-120"/>
+            </a:endParaRPr>
+          </a:p>
+          <a:p>
+            <a:endParaRPr lang="en-US" altLang="zh-TW" dirty="0">
+              <a:latin typeface="Consolas" panose="020B0609020204030204" pitchFamily="49" charset="0"/>
+              <a:ea typeface="微軟正黑體" panose="020B0604030504040204" pitchFamily="34" charset="-120"/>
+            </a:endParaRPr>
+          </a:p>
+          <a:p>
+            <a:r>
+              <a:rPr lang="zh-TW" altLang="en-US" dirty="0">
+                <a:latin typeface="Consolas" panose="020B0609020204030204" pitchFamily="49" charset="0"/>
+                <a:ea typeface="微軟正黑體" panose="020B0604030504040204" pitchFamily="34" charset="-120"/>
+              </a:rPr>
+              <a:t>要怎麼把</a:t>
+            </a:r>
+            <a:r>
+              <a:rPr lang="en-US" altLang="zh-TW" dirty="0">
+                <a:latin typeface="Consolas" panose="020B0609020204030204" pitchFamily="49" charset="0"/>
+                <a:ea typeface="微軟正黑體" panose="020B0604030504040204" pitchFamily="34" charset="-120"/>
+              </a:rPr>
+              <a:t>H</a:t>
+            </a:r>
+            <a:r>
+              <a:rPr lang="zh-TW" altLang="en-US" dirty="0">
+                <a:latin typeface="Consolas" panose="020B0609020204030204" pitchFamily="49" charset="0"/>
+                <a:ea typeface="微軟正黑體" panose="020B0604030504040204" pitchFamily="34" charset="-120"/>
+              </a:rPr>
+              <a:t>壓下來</a:t>
+            </a:r>
+            <a:r>
+              <a:rPr lang="en-US" altLang="zh-TW" dirty="0">
+                <a:latin typeface="Consolas" panose="020B0609020204030204" pitchFamily="49" charset="0"/>
+                <a:ea typeface="微軟正黑體" panose="020B0604030504040204" pitchFamily="34" charset="-120"/>
+              </a:rPr>
+              <a:t>?</a:t>
+            </a:r>
+          </a:p>
+        </p:txBody>
+      </p:sp>
+    </p:spTree>
+    <p:extLst>
+      <p:ext uri="{BB962C8B-B14F-4D97-AF65-F5344CB8AC3E}">
+        <p14:creationId xmlns:p14="http://schemas.microsoft.com/office/powerpoint/2010/main" val="3785977779"/>
+      </p:ext>
+    </p:extLst>
+  </p:cSld>
+  <p:clrMapOvr>
+    <a:masterClrMapping/>
+  </p:clrMapOvr>
+</p:sld>
+</file>
+
+<file path=ppt/slides/slide44.xml><?xml version="1.0" encoding="utf-8"?>
+<p:sld xmlns:a="http://schemas.openxmlformats.org/drawingml/2006/main" xmlns:r="http://schemas.openxmlformats.org/officeDocument/2006/relationships" xmlns:p="http://schemas.openxmlformats.org/presentationml/2006/main">
+  <p:cSld>
+    <p:spTree>
+      <p:nvGrpSpPr>
+        <p:cNvPr id="1" name=""/>
+        <p:cNvGrpSpPr/>
+        <p:nvPr/>
+      </p:nvGrpSpPr>
+      <p:grpSpPr>
+        <a:xfrm>
+          <a:off x="0" y="0"/>
+          <a:ext cx="0" cy="0"/>
+          <a:chOff x="0" y="0"/>
+          <a:chExt cx="0" cy="0"/>
+        </a:xfrm>
+      </p:grpSpPr>
+      <p:sp>
+        <p:nvSpPr>
+          <p:cNvPr id="2" name="標題 1">
+            <a:extLst>
+              <a:ext uri="{FF2B5EF4-FFF2-40B4-BE49-F238E27FC236}">
+                <a16:creationId xmlns:a16="http://schemas.microsoft.com/office/drawing/2014/main" id="{B34D58BC-D44A-98ED-2561-BBB54A60864E}"/>
+              </a:ext>
+            </a:extLst>
+          </p:cNvPr>
+          <p:cNvSpPr>
+            <a:spLocks noGrp="1"/>
+          </p:cNvSpPr>
+          <p:nvPr>
+            <p:ph type="title"/>
+          </p:nvPr>
+        </p:nvSpPr>
+        <p:spPr/>
+        <p:txBody>
+          <a:bodyPr/>
+          <a:lstStyle/>
+          <a:p>
+            <a:r>
+              <a:rPr lang="zh-TW" altLang="en-US" dirty="0">
+                <a:latin typeface="微軟正黑體" panose="020B0604030504040204" pitchFamily="34" charset="-120"/>
+                <a:ea typeface="微軟正黑體" panose="020B0604030504040204" pitchFamily="34" charset="-120"/>
+              </a:rPr>
+              <a:t>變化</a:t>
+            </a:r>
+          </a:p>
+        </p:txBody>
+      </p:sp>
+      <p:sp>
+        <p:nvSpPr>
+          <p:cNvPr id="3" name="內容版面配置區 2">
+            <a:extLst>
+              <a:ext uri="{FF2B5EF4-FFF2-40B4-BE49-F238E27FC236}">
+                <a16:creationId xmlns:a16="http://schemas.microsoft.com/office/drawing/2014/main" id="{2C210A96-EC86-72DC-D13A-F5E67288B66C}"/>
+              </a:ext>
+            </a:extLst>
+          </p:cNvPr>
+          <p:cNvSpPr>
+            <a:spLocks noGrp="1"/>
+          </p:cNvSpPr>
+          <p:nvPr>
+            <p:ph idx="1"/>
+          </p:nvPr>
+        </p:nvSpPr>
+        <p:spPr/>
+        <p:txBody>
+          <a:bodyPr/>
+          <a:lstStyle/>
+          <a:p>
+            <a:r>
+              <a:rPr lang="zh-TW" altLang="en-US" dirty="0">
+                <a:latin typeface="Consolas" panose="020B0609020204030204" pitchFamily="49" charset="0"/>
+                <a:ea typeface="微軟正黑體" panose="020B0604030504040204" pitchFamily="34" charset="-120"/>
+              </a:rPr>
+              <a:t>血量佔的優勢真的太大了。</a:t>
+            </a:r>
+            <a:endParaRPr lang="en-US" altLang="zh-TW" dirty="0">
+              <a:latin typeface="Consolas" panose="020B0609020204030204" pitchFamily="49" charset="0"/>
+              <a:ea typeface="微軟正黑體" panose="020B0604030504040204" pitchFamily="34" charset="-120"/>
+            </a:endParaRPr>
+          </a:p>
+          <a:p>
+            <a:endParaRPr lang="en-US" altLang="zh-TW" dirty="0">
+              <a:latin typeface="Consolas" panose="020B0609020204030204" pitchFamily="49" charset="0"/>
+              <a:ea typeface="微軟正黑體" panose="020B0604030504040204" pitchFamily="34" charset="-120"/>
+            </a:endParaRPr>
+          </a:p>
+          <a:p>
+            <a:r>
+              <a:rPr lang="zh-TW" altLang="en-US" dirty="0">
+                <a:latin typeface="Consolas" panose="020B0609020204030204" pitchFamily="49" charset="0"/>
+                <a:ea typeface="微軟正黑體" panose="020B0604030504040204" pitchFamily="34" charset="-120"/>
+              </a:rPr>
+              <a:t>要怎麼把</a:t>
+            </a:r>
+            <a:r>
+              <a:rPr lang="en-US" altLang="zh-TW" dirty="0">
+                <a:latin typeface="Consolas" panose="020B0609020204030204" pitchFamily="49" charset="0"/>
+                <a:ea typeface="微軟正黑體" panose="020B0604030504040204" pitchFamily="34" charset="-120"/>
+              </a:rPr>
+              <a:t>H</a:t>
+            </a:r>
+            <a:r>
+              <a:rPr lang="zh-TW" altLang="en-US" dirty="0">
+                <a:latin typeface="Consolas" panose="020B0609020204030204" pitchFamily="49" charset="0"/>
+                <a:ea typeface="微軟正黑體" panose="020B0604030504040204" pitchFamily="34" charset="-120"/>
+              </a:rPr>
+              <a:t>壓下來</a:t>
+            </a:r>
+            <a:r>
+              <a:rPr lang="en-US" altLang="zh-TW" dirty="0">
+                <a:latin typeface="Consolas" panose="020B0609020204030204" pitchFamily="49" charset="0"/>
+                <a:ea typeface="微軟正黑體" panose="020B0604030504040204" pitchFamily="34" charset="-120"/>
+              </a:rPr>
+              <a:t>?</a:t>
+            </a:r>
+          </a:p>
+          <a:p>
+            <a:r>
+              <a:rPr lang="zh-TW" altLang="en-US" dirty="0">
+                <a:latin typeface="Consolas" panose="020B0609020204030204" pitchFamily="49" charset="0"/>
+                <a:ea typeface="微軟正黑體" panose="020B0604030504040204" pitchFamily="34" charset="-120"/>
+              </a:rPr>
+              <a:t>額外造成</a:t>
+            </a:r>
+            <a:r>
+              <a:rPr lang="en-US" altLang="zh-TW" dirty="0">
+                <a:latin typeface="Consolas" panose="020B0609020204030204" pitchFamily="49" charset="0"/>
+                <a:ea typeface="微軟正黑體" panose="020B0604030504040204" pitchFamily="34" charset="-120"/>
+              </a:rPr>
+              <a:t>“</a:t>
+            </a:r>
+            <a:r>
+              <a:rPr lang="zh-TW" altLang="en-US" dirty="0">
+                <a:latin typeface="Consolas" panose="020B0609020204030204" pitchFamily="49" charset="0"/>
+                <a:ea typeface="微軟正黑體" panose="020B0604030504040204" pitchFamily="34" charset="-120"/>
+              </a:rPr>
+              <a:t>最大生命比傷害</a:t>
+            </a:r>
+            <a:r>
+              <a:rPr lang="en-US" altLang="zh-TW" dirty="0">
+                <a:latin typeface="Consolas" panose="020B0609020204030204" pitchFamily="49" charset="0"/>
+                <a:ea typeface="微軟正黑體" panose="020B0604030504040204" pitchFamily="34" charset="-120"/>
+              </a:rPr>
+              <a:t>”</a:t>
+            </a:r>
+          </a:p>
+        </p:txBody>
+      </p:sp>
+      <p:sp>
+        <p:nvSpPr>
+          <p:cNvPr id="4" name="文字方塊 3">
+            <a:extLst>
+              <a:ext uri="{FF2B5EF4-FFF2-40B4-BE49-F238E27FC236}">
+                <a16:creationId xmlns:a16="http://schemas.microsoft.com/office/drawing/2014/main" id="{9BABCAA2-8235-2729-94D7-EE498451DD40}"/>
+              </a:ext>
+            </a:extLst>
+          </p:cNvPr>
+          <p:cNvSpPr txBox="1"/>
+          <p:nvPr/>
+        </p:nvSpPr>
+        <p:spPr>
+          <a:xfrm>
+            <a:off x="739876" y="4601036"/>
+            <a:ext cx="11540613" cy="923330"/>
+          </a:xfrm>
+          <a:prstGeom prst="rect">
+            <a:avLst/>
+          </a:prstGeom>
+          <a:noFill/>
+        </p:spPr>
+        <p:txBody>
+          <a:bodyPr wrap="square">
+            <a:spAutoFit/>
+          </a:bodyPr>
+          <a:lstStyle/>
+          <a:p>
+            <a:r>
+              <a:rPr lang="en-US" altLang="zh-TW" sz="1800" dirty="0">
+                <a:solidFill>
+                  <a:srgbClr val="DCDCCC"/>
+                </a:solidFill>
+                <a:latin typeface="Consolas" panose="020B0609020204030204" pitchFamily="49" charset="0"/>
+              </a:rPr>
+              <a:t>	</a:t>
+            </a:r>
+            <a:r>
+              <a:rPr lang="en-US" altLang="zh-TW" sz="1800" b="1" dirty="0">
+                <a:solidFill>
+                  <a:srgbClr val="DFC47D"/>
+                </a:solidFill>
+                <a:latin typeface="Consolas" panose="020B0609020204030204" pitchFamily="49" charset="0"/>
+              </a:rPr>
+              <a:t>def</a:t>
+            </a:r>
+            <a:r>
+              <a:rPr lang="en-US" altLang="zh-TW" sz="1800" b="0" dirty="0">
+                <a:solidFill>
+                  <a:srgbClr val="DCDCCC"/>
+                </a:solidFill>
+                <a:latin typeface="Consolas" panose="020B0609020204030204" pitchFamily="49" charset="0"/>
+              </a:rPr>
+              <a:t> </a:t>
+            </a:r>
+            <a:r>
+              <a:rPr lang="en-US" altLang="zh-TW" sz="1800" b="0" dirty="0">
+                <a:solidFill>
+                  <a:srgbClr val="CEDF99"/>
+                </a:solidFill>
+                <a:latin typeface="Consolas" panose="020B0609020204030204" pitchFamily="49" charset="0"/>
+              </a:rPr>
+              <a:t>attack</a:t>
+            </a:r>
+            <a:r>
+              <a:rPr lang="en-US" altLang="zh-TW" sz="1800" b="1" dirty="0">
+                <a:solidFill>
+                  <a:srgbClr val="9F9D6D"/>
+                </a:solidFill>
+                <a:latin typeface="Consolas" panose="020B0609020204030204" pitchFamily="49" charset="0"/>
+              </a:rPr>
+              <a:t>(</a:t>
+            </a:r>
+            <a:r>
+              <a:rPr lang="en-US" altLang="zh-TW" sz="1800" b="0" dirty="0">
+                <a:solidFill>
+                  <a:srgbClr val="DCDCCC"/>
+                </a:solidFill>
+                <a:latin typeface="Consolas" panose="020B0609020204030204" pitchFamily="49" charset="0"/>
+              </a:rPr>
+              <a:t>self</a:t>
+            </a:r>
+            <a:r>
+              <a:rPr lang="en-US" altLang="zh-TW" sz="1800" b="1" dirty="0">
+                <a:solidFill>
+                  <a:srgbClr val="9F9D6D"/>
+                </a:solidFill>
+                <a:latin typeface="Consolas" panose="020B0609020204030204" pitchFamily="49" charset="0"/>
+              </a:rPr>
+              <a:t>,</a:t>
+            </a:r>
+            <a:r>
+              <a:rPr lang="en-US" altLang="zh-TW" sz="1800" b="0" dirty="0">
+                <a:solidFill>
+                  <a:srgbClr val="DCDCCC"/>
+                </a:solidFill>
+                <a:latin typeface="Consolas" panose="020B0609020204030204" pitchFamily="49" charset="0"/>
+              </a:rPr>
+              <a:t> other</a:t>
+            </a:r>
+            <a:r>
+              <a:rPr lang="en-US" altLang="zh-TW" sz="1800" b="1" dirty="0">
+                <a:solidFill>
+                  <a:srgbClr val="9F9D6D"/>
+                </a:solidFill>
+                <a:latin typeface="Consolas" panose="020B0609020204030204" pitchFamily="49" charset="0"/>
+              </a:rPr>
+              <a:t>):</a:t>
+            </a:r>
+            <a:endParaRPr lang="en-US" altLang="zh-TW" sz="1800" b="0" dirty="0">
+              <a:solidFill>
+                <a:srgbClr val="DCDCCC"/>
+              </a:solidFill>
+              <a:latin typeface="Consolas" panose="020B0609020204030204" pitchFamily="49" charset="0"/>
+            </a:endParaRPr>
+          </a:p>
+          <a:p>
+            <a:r>
+              <a:rPr lang="en-US" altLang="zh-TW" sz="1800" b="0" dirty="0">
+                <a:solidFill>
+                  <a:srgbClr val="DCDCCC"/>
+                </a:solidFill>
+                <a:latin typeface="Consolas" panose="020B0609020204030204" pitchFamily="49" charset="0"/>
+              </a:rPr>
+              <a:t>		</a:t>
+            </a:r>
+            <a:r>
+              <a:rPr lang="en-US" altLang="zh-TW" sz="1800" b="0" dirty="0" err="1">
+                <a:solidFill>
+                  <a:srgbClr val="DCDCCC"/>
+                </a:solidFill>
+                <a:latin typeface="Consolas" panose="020B0609020204030204" pitchFamily="49" charset="0"/>
+              </a:rPr>
+              <a:t>other</a:t>
+            </a:r>
+            <a:r>
+              <a:rPr lang="en-US" altLang="zh-TW" sz="1800" b="1" dirty="0" err="1">
+                <a:solidFill>
+                  <a:srgbClr val="9F9D6D"/>
+                </a:solidFill>
+                <a:latin typeface="Consolas" panose="020B0609020204030204" pitchFamily="49" charset="0"/>
+              </a:rPr>
+              <a:t>.</a:t>
+            </a:r>
+            <a:r>
+              <a:rPr lang="en-US" altLang="zh-TW" sz="1800" b="0" dirty="0" err="1">
+                <a:solidFill>
+                  <a:srgbClr val="DCDCCC"/>
+                </a:solidFill>
+                <a:latin typeface="Consolas" panose="020B0609020204030204" pitchFamily="49" charset="0"/>
+              </a:rPr>
+              <a:t>hp</a:t>
+            </a:r>
+            <a:r>
+              <a:rPr lang="en-US" altLang="zh-TW" sz="1800" b="0" dirty="0">
+                <a:solidFill>
+                  <a:srgbClr val="DCDCCC"/>
+                </a:solidFill>
+                <a:latin typeface="Consolas" panose="020B0609020204030204" pitchFamily="49" charset="0"/>
+              </a:rPr>
+              <a:t> </a:t>
+            </a:r>
+            <a:r>
+              <a:rPr lang="en-US" altLang="zh-TW" sz="1800" b="1" dirty="0">
+                <a:solidFill>
+                  <a:srgbClr val="9F9D6D"/>
+                </a:solidFill>
+                <a:latin typeface="Consolas" panose="020B0609020204030204" pitchFamily="49" charset="0"/>
+              </a:rPr>
+              <a:t>-=</a:t>
+            </a:r>
+            <a:r>
+              <a:rPr lang="en-US" altLang="zh-TW" sz="1800" b="0" dirty="0">
+                <a:solidFill>
+                  <a:srgbClr val="DCDCCC"/>
+                </a:solidFill>
+                <a:latin typeface="Consolas" panose="020B0609020204030204" pitchFamily="49" charset="0"/>
+              </a:rPr>
+              <a:t> </a:t>
+            </a:r>
+            <a:r>
+              <a:rPr lang="en-US" altLang="zh-TW" sz="1800" b="1" dirty="0">
+                <a:solidFill>
+                  <a:srgbClr val="9F9D6D"/>
+                </a:solidFill>
+                <a:latin typeface="Consolas" panose="020B0609020204030204" pitchFamily="49" charset="0"/>
+              </a:rPr>
+              <a:t>(</a:t>
+            </a:r>
+            <a:r>
+              <a:rPr lang="en-US" altLang="zh-TW" sz="1800" b="0" dirty="0" err="1">
+                <a:solidFill>
+                  <a:srgbClr val="DCDCCC"/>
+                </a:solidFill>
+                <a:latin typeface="Consolas" panose="020B0609020204030204" pitchFamily="49" charset="0"/>
+              </a:rPr>
+              <a:t>self</a:t>
+            </a:r>
+            <a:r>
+              <a:rPr lang="en-US" altLang="zh-TW" sz="1800" b="1" dirty="0" err="1">
+                <a:solidFill>
+                  <a:srgbClr val="9F9D6D"/>
+                </a:solidFill>
+                <a:latin typeface="Consolas" panose="020B0609020204030204" pitchFamily="49" charset="0"/>
+              </a:rPr>
+              <a:t>.</a:t>
+            </a:r>
+            <a:r>
+              <a:rPr lang="en-US" altLang="zh-TW" sz="1800" b="0" dirty="0" err="1">
+                <a:solidFill>
+                  <a:srgbClr val="DCDCCC"/>
+                </a:solidFill>
+                <a:latin typeface="Consolas" panose="020B0609020204030204" pitchFamily="49" charset="0"/>
+              </a:rPr>
+              <a:t>atk</a:t>
+            </a:r>
+            <a:r>
+              <a:rPr lang="en-US" altLang="zh-TW" sz="1800" b="0" dirty="0">
+                <a:solidFill>
+                  <a:srgbClr val="DCDCCC"/>
+                </a:solidFill>
+                <a:latin typeface="Consolas" panose="020B0609020204030204" pitchFamily="49" charset="0"/>
+              </a:rPr>
+              <a:t> </a:t>
+            </a:r>
+            <a:r>
+              <a:rPr lang="en-US" altLang="zh-TW" sz="1800" b="1" dirty="0">
+                <a:solidFill>
+                  <a:srgbClr val="9F9D6D"/>
+                </a:solidFill>
+                <a:latin typeface="Consolas" panose="020B0609020204030204" pitchFamily="49" charset="0"/>
+              </a:rPr>
+              <a:t>+</a:t>
+            </a:r>
+            <a:r>
+              <a:rPr lang="en-US" altLang="zh-TW" sz="1800" b="0" dirty="0">
+                <a:solidFill>
+                  <a:srgbClr val="DCDCCC"/>
+                </a:solidFill>
+                <a:latin typeface="Consolas" panose="020B0609020204030204" pitchFamily="49" charset="0"/>
+              </a:rPr>
+              <a:t> </a:t>
+            </a:r>
+            <a:r>
+              <a:rPr lang="en-US" altLang="zh-TW" sz="1800" b="0" dirty="0" err="1">
+                <a:solidFill>
+                  <a:srgbClr val="DCDCCC"/>
+                </a:solidFill>
+                <a:latin typeface="Consolas" panose="020B0609020204030204" pitchFamily="49" charset="0"/>
+              </a:rPr>
+              <a:t>other</a:t>
+            </a:r>
+            <a:r>
+              <a:rPr lang="en-US" altLang="zh-TW" sz="1800" b="1" dirty="0" err="1">
+                <a:solidFill>
+                  <a:srgbClr val="9F9D6D"/>
+                </a:solidFill>
+                <a:latin typeface="Consolas" panose="020B0609020204030204" pitchFamily="49" charset="0"/>
+              </a:rPr>
+              <a:t>.</a:t>
+            </a:r>
+            <a:r>
+              <a:rPr lang="en-US" altLang="zh-TW" sz="1800" b="0" dirty="0" err="1">
+                <a:solidFill>
+                  <a:srgbClr val="DCDCCC"/>
+                </a:solidFill>
+                <a:latin typeface="Consolas" panose="020B0609020204030204" pitchFamily="49" charset="0"/>
+              </a:rPr>
+              <a:t>gene</a:t>
+            </a:r>
+            <a:r>
+              <a:rPr lang="en-US" altLang="zh-TW" sz="1800" b="1" dirty="0" err="1">
+                <a:solidFill>
+                  <a:srgbClr val="9F9D6D"/>
+                </a:solidFill>
+                <a:latin typeface="Consolas" panose="020B0609020204030204" pitchFamily="49" charset="0"/>
+              </a:rPr>
+              <a:t>.</a:t>
+            </a:r>
+            <a:r>
+              <a:rPr lang="en-US" altLang="zh-TW" sz="1800" b="0" dirty="0" err="1">
+                <a:solidFill>
+                  <a:srgbClr val="DCDCCC"/>
+                </a:solidFill>
+                <a:latin typeface="Consolas" panose="020B0609020204030204" pitchFamily="49" charset="0"/>
+              </a:rPr>
+              <a:t>count</a:t>
+            </a:r>
+            <a:r>
+              <a:rPr lang="en-US" altLang="zh-TW" sz="1800" b="1" dirty="0">
+                <a:solidFill>
+                  <a:srgbClr val="9F9D6D"/>
+                </a:solidFill>
+                <a:latin typeface="Consolas" panose="020B0609020204030204" pitchFamily="49" charset="0"/>
+              </a:rPr>
+              <a:t>(</a:t>
+            </a:r>
+            <a:r>
+              <a:rPr lang="en-US" altLang="zh-TW" sz="1800" b="0" dirty="0">
+                <a:solidFill>
+                  <a:srgbClr val="DCA3A3"/>
+                </a:solidFill>
+                <a:latin typeface="Consolas" panose="020B0609020204030204" pitchFamily="49" charset="0"/>
+              </a:rPr>
+              <a:t>'H'</a:t>
+            </a:r>
+            <a:r>
+              <a:rPr lang="en-US" altLang="zh-TW" sz="1800" b="1" dirty="0">
+                <a:solidFill>
+                  <a:srgbClr val="9F9D6D"/>
+                </a:solidFill>
+                <a:latin typeface="Consolas" panose="020B0609020204030204" pitchFamily="49" charset="0"/>
+              </a:rPr>
+              <a:t>)</a:t>
+            </a:r>
+            <a:r>
+              <a:rPr lang="en-US" altLang="zh-TW" sz="1800" b="0" dirty="0">
+                <a:solidFill>
+                  <a:srgbClr val="DCDCCC"/>
+                </a:solidFill>
+                <a:latin typeface="Consolas" panose="020B0609020204030204" pitchFamily="49" charset="0"/>
+              </a:rPr>
+              <a:t> </a:t>
+            </a:r>
+            <a:r>
+              <a:rPr lang="en-US" altLang="zh-TW" sz="1800" b="1" dirty="0">
+                <a:solidFill>
+                  <a:srgbClr val="9F9D6D"/>
+                </a:solidFill>
+                <a:latin typeface="Consolas" panose="020B0609020204030204" pitchFamily="49" charset="0"/>
+              </a:rPr>
+              <a:t>*</a:t>
+            </a:r>
+            <a:r>
+              <a:rPr lang="en-US" altLang="zh-TW" sz="1800" b="0" dirty="0">
+                <a:solidFill>
+                  <a:srgbClr val="DCDCCC"/>
+                </a:solidFill>
+                <a:latin typeface="Consolas" panose="020B0609020204030204" pitchFamily="49" charset="0"/>
+              </a:rPr>
+              <a:t> </a:t>
+            </a:r>
+            <a:r>
+              <a:rPr lang="en-US" altLang="zh-TW" sz="1800" b="0" dirty="0">
+                <a:solidFill>
+                  <a:srgbClr val="8CD0D3"/>
+                </a:solidFill>
+                <a:latin typeface="Consolas" panose="020B0609020204030204" pitchFamily="49" charset="0"/>
+              </a:rPr>
+              <a:t>0.15</a:t>
+            </a:r>
+            <a:r>
+              <a:rPr lang="en-US" altLang="zh-TW" sz="1800" b="1" dirty="0">
+                <a:solidFill>
+                  <a:srgbClr val="9F9D6D"/>
+                </a:solidFill>
+                <a:latin typeface="Consolas" panose="020B0609020204030204" pitchFamily="49" charset="0"/>
+              </a:rPr>
+              <a:t>)</a:t>
+            </a:r>
+            <a:r>
+              <a:rPr lang="en-US" altLang="zh-TW" sz="1800" b="0" dirty="0">
+                <a:solidFill>
+                  <a:srgbClr val="DCDCCC"/>
+                </a:solidFill>
+                <a:latin typeface="Consolas" panose="020B0609020204030204" pitchFamily="49" charset="0"/>
+              </a:rPr>
+              <a:t> </a:t>
+            </a:r>
+            <a:r>
+              <a:rPr lang="en-US" altLang="zh-TW" sz="1800" b="1" dirty="0">
+                <a:solidFill>
+                  <a:srgbClr val="9F9D6D"/>
+                </a:solidFill>
+                <a:latin typeface="Consolas" panose="020B0609020204030204" pitchFamily="49" charset="0"/>
+              </a:rPr>
+              <a:t>*</a:t>
+            </a:r>
+            <a:r>
+              <a:rPr lang="en-US" altLang="zh-TW" sz="1800" b="0" dirty="0">
+                <a:solidFill>
+                  <a:srgbClr val="DCDCCC"/>
+                </a:solidFill>
+                <a:latin typeface="Consolas" panose="020B0609020204030204" pitchFamily="49" charset="0"/>
+              </a:rPr>
+              <a:t> </a:t>
+            </a:r>
+            <a:r>
+              <a:rPr lang="en-US" altLang="zh-TW" sz="1800" b="1" dirty="0">
+                <a:solidFill>
+                  <a:srgbClr val="9F9D6D"/>
+                </a:solidFill>
+                <a:latin typeface="Consolas" panose="020B0609020204030204" pitchFamily="49" charset="0"/>
+              </a:rPr>
+              <a:t>(</a:t>
+            </a:r>
+            <a:r>
+              <a:rPr lang="en-US" altLang="zh-TW" sz="1800" b="0" dirty="0" err="1">
+                <a:solidFill>
+                  <a:srgbClr val="DCDCCC"/>
+                </a:solidFill>
+                <a:latin typeface="Consolas" panose="020B0609020204030204" pitchFamily="49" charset="0"/>
+              </a:rPr>
+              <a:t>other</a:t>
+            </a:r>
+            <a:r>
+              <a:rPr lang="en-US" altLang="zh-TW" sz="1800" b="1" dirty="0" err="1">
+                <a:solidFill>
+                  <a:srgbClr val="9F9D6D"/>
+                </a:solidFill>
+                <a:latin typeface="Consolas" panose="020B0609020204030204" pitchFamily="49" charset="0"/>
+              </a:rPr>
+              <a:t>.</a:t>
+            </a:r>
+            <a:r>
+              <a:rPr lang="en-US" altLang="zh-TW" sz="1800" b="0" dirty="0" err="1">
+                <a:solidFill>
+                  <a:srgbClr val="DCDCCC"/>
+                </a:solidFill>
+                <a:latin typeface="Consolas" panose="020B0609020204030204" pitchFamily="49" charset="0"/>
+              </a:rPr>
+              <a:t>defen</a:t>
+            </a:r>
+            <a:r>
+              <a:rPr lang="en-US" altLang="zh-TW" sz="1800" b="0" dirty="0">
+                <a:solidFill>
+                  <a:srgbClr val="DCDCCC"/>
+                </a:solidFill>
+                <a:latin typeface="Consolas" panose="020B0609020204030204" pitchFamily="49" charset="0"/>
+              </a:rPr>
+              <a:t> </a:t>
+            </a:r>
+            <a:r>
+              <a:rPr lang="en-US" altLang="zh-TW" sz="1800" b="1" dirty="0">
+                <a:solidFill>
+                  <a:srgbClr val="9F9D6D"/>
+                </a:solidFill>
+                <a:latin typeface="Consolas" panose="020B0609020204030204" pitchFamily="49" charset="0"/>
+              </a:rPr>
+              <a:t>/</a:t>
+            </a:r>
+            <a:r>
+              <a:rPr lang="en-US" altLang="zh-TW" sz="1800" b="0" dirty="0">
+                <a:solidFill>
+                  <a:srgbClr val="DCDCCC"/>
+                </a:solidFill>
+                <a:latin typeface="Consolas" panose="020B0609020204030204" pitchFamily="49" charset="0"/>
+              </a:rPr>
+              <a:t> </a:t>
+            </a:r>
+            <a:r>
+              <a:rPr lang="en-US" altLang="zh-TW" sz="1800" b="1" dirty="0">
+                <a:solidFill>
+                  <a:srgbClr val="9F9D6D"/>
+                </a:solidFill>
+                <a:latin typeface="Consolas" panose="020B0609020204030204" pitchFamily="49" charset="0"/>
+              </a:rPr>
+              <a:t>(</a:t>
+            </a:r>
+            <a:r>
+              <a:rPr lang="en-US" altLang="zh-TW" sz="1800" b="0" dirty="0">
+                <a:solidFill>
+                  <a:srgbClr val="DCDCCC"/>
+                </a:solidFill>
+                <a:latin typeface="Consolas" panose="020B0609020204030204" pitchFamily="49" charset="0"/>
+              </a:rPr>
+              <a:t>other</a:t>
+            </a:r>
+            <a:r>
+              <a:rPr lang="en-US" altLang="zh-TW" sz="1800" b="1" dirty="0">
+                <a:solidFill>
+                  <a:srgbClr val="9F9D6D"/>
+                </a:solidFill>
+                <a:latin typeface="Consolas" panose="020B0609020204030204" pitchFamily="49" charset="0"/>
+              </a:rPr>
+              <a:t>.</a:t>
+            </a:r>
+            <a:r>
+              <a:rPr lang="en-US" altLang="zh-TW" sz="1800" b="0" dirty="0">
+                <a:solidFill>
+                  <a:srgbClr val="DCDCCC"/>
+                </a:solidFill>
+                <a:latin typeface="Consolas" panose="020B0609020204030204" pitchFamily="49" charset="0"/>
+              </a:rPr>
+              <a:t>defen</a:t>
+            </a:r>
+            <a:r>
+              <a:rPr lang="en-US" altLang="zh-TW" sz="1800" b="1" dirty="0">
+                <a:solidFill>
+                  <a:srgbClr val="9F9D6D"/>
+                </a:solidFill>
+                <a:latin typeface="Consolas" panose="020B0609020204030204" pitchFamily="49" charset="0"/>
+              </a:rPr>
+              <a:t>+</a:t>
+            </a:r>
+            <a:r>
+              <a:rPr lang="en-US" altLang="zh-TW" sz="1800" b="0" dirty="0">
+                <a:solidFill>
+                  <a:srgbClr val="8CD0D3"/>
+                </a:solidFill>
+                <a:latin typeface="Consolas" panose="020B0609020204030204" pitchFamily="49" charset="0"/>
+              </a:rPr>
+              <a:t>100</a:t>
+            </a:r>
+            <a:r>
+              <a:rPr lang="en-US" altLang="zh-TW" sz="1800" b="1" dirty="0">
+                <a:solidFill>
+                  <a:srgbClr val="9F9D6D"/>
+                </a:solidFill>
+                <a:latin typeface="Consolas" panose="020B0609020204030204" pitchFamily="49" charset="0"/>
+              </a:rPr>
+              <a:t>))</a:t>
+            </a:r>
+            <a:endParaRPr lang="en-US" altLang="zh-TW" sz="1800" b="0" dirty="0">
+              <a:solidFill>
+                <a:srgbClr val="DCDCCC"/>
+              </a:solidFill>
+              <a:latin typeface="Consolas" panose="020B0609020204030204" pitchFamily="49" charset="0"/>
+            </a:endParaRPr>
+          </a:p>
+        </p:txBody>
+      </p:sp>
+    </p:spTree>
+    <p:extLst>
+      <p:ext uri="{BB962C8B-B14F-4D97-AF65-F5344CB8AC3E}">
+        <p14:creationId xmlns:p14="http://schemas.microsoft.com/office/powerpoint/2010/main" val="1534056516"/>
+      </p:ext>
+    </p:extLst>
+  </p:cSld>
+  <p:clrMapOvr>
+    <a:masterClrMapping/>
+  </p:clrMapOvr>
+</p:sld>
+</file>
+
+<file path=ppt/slides/slide45.xml><?xml version="1.0" encoding="utf-8"?>
+<p:sld xmlns:a="http://schemas.openxmlformats.org/drawingml/2006/main" xmlns:r="http://schemas.openxmlformats.org/officeDocument/2006/relationships" xmlns:p="http://schemas.openxmlformats.org/presentationml/2006/main">
+  <p:cSld>
+    <p:spTree>
+      <p:nvGrpSpPr>
+        <p:cNvPr id="1" name=""/>
+        <p:cNvGrpSpPr/>
+        <p:nvPr/>
+      </p:nvGrpSpPr>
+      <p:grpSpPr>
+        <a:xfrm>
+          <a:off x="0" y="0"/>
+          <a:ext cx="0" cy="0"/>
+          <a:chOff x="0" y="0"/>
+          <a:chExt cx="0" cy="0"/>
+        </a:xfrm>
+      </p:grpSpPr>
+      <p:sp>
+        <p:nvSpPr>
+          <p:cNvPr id="2" name="標題 1">
+            <a:extLst>
+              <a:ext uri="{FF2B5EF4-FFF2-40B4-BE49-F238E27FC236}">
+                <a16:creationId xmlns:a16="http://schemas.microsoft.com/office/drawing/2014/main" id="{B34D58BC-D44A-98ED-2561-BBB54A60864E}"/>
+              </a:ext>
+            </a:extLst>
+          </p:cNvPr>
+          <p:cNvSpPr>
+            <a:spLocks noGrp="1"/>
+          </p:cNvSpPr>
+          <p:nvPr>
+            <p:ph type="title"/>
+          </p:nvPr>
+        </p:nvSpPr>
+        <p:spPr/>
+        <p:txBody>
+          <a:bodyPr/>
+          <a:lstStyle/>
+          <a:p>
+            <a:r>
+              <a:rPr lang="zh-TW" altLang="en-US" dirty="0">
+                <a:latin typeface="微軟正黑體" panose="020B0604030504040204" pitchFamily="34" charset="-120"/>
+                <a:ea typeface="微軟正黑體" panose="020B0604030504040204" pitchFamily="34" charset="-120"/>
+              </a:rPr>
+              <a:t>變化</a:t>
+            </a:r>
+          </a:p>
+        </p:txBody>
+      </p:sp>
+      <p:sp>
+        <p:nvSpPr>
+          <p:cNvPr id="3" name="內容版面配置區 2">
+            <a:extLst>
+              <a:ext uri="{FF2B5EF4-FFF2-40B4-BE49-F238E27FC236}">
+                <a16:creationId xmlns:a16="http://schemas.microsoft.com/office/drawing/2014/main" id="{2C210A96-EC86-72DC-D13A-F5E67288B66C}"/>
+              </a:ext>
+            </a:extLst>
+          </p:cNvPr>
+          <p:cNvSpPr>
+            <a:spLocks noGrp="1"/>
+          </p:cNvSpPr>
+          <p:nvPr>
+            <p:ph idx="1"/>
+          </p:nvPr>
+        </p:nvSpPr>
+        <p:spPr/>
+        <p:txBody>
+          <a:bodyPr/>
+          <a:lstStyle/>
+          <a:p>
+            <a:pPr marL="514350" indent="-514350">
+              <a:buFont typeface="+mj-lt"/>
+              <a:buAutoNum type="arabicPeriod"/>
+            </a:pPr>
+            <a:r>
+              <a:rPr lang="en-US" altLang="zh-TW" dirty="0">
+                <a:latin typeface="Consolas" panose="020B0609020204030204" pitchFamily="49" charset="0"/>
+                <a:ea typeface="微軟正黑體" panose="020B0604030504040204" pitchFamily="34" charset="-120"/>
+              </a:rPr>
+              <a:t>L = random [10,100]</a:t>
+            </a:r>
+          </a:p>
+          <a:p>
+            <a:pPr marL="514350" indent="-514350">
+              <a:buFont typeface="+mj-lt"/>
+              <a:buAutoNum type="arabicPeriod"/>
+            </a:pPr>
+            <a:r>
+              <a:rPr lang="en-US" altLang="zh-TW" dirty="0">
+                <a:latin typeface="Consolas" panose="020B0609020204030204" pitchFamily="49" charset="0"/>
+                <a:ea typeface="微軟正黑體" panose="020B0604030504040204" pitchFamily="34" charset="-120"/>
+              </a:rPr>
+              <a:t>gene = {“A”, “D”, “H”}*</a:t>
+            </a:r>
+          </a:p>
+          <a:p>
+            <a:pPr marL="514350" indent="-514350">
+              <a:buFont typeface="+mj-lt"/>
+              <a:buAutoNum type="arabicPeriod"/>
+            </a:pPr>
+            <a:r>
+              <a:rPr lang="en-US" altLang="zh-TW" dirty="0">
+                <a:latin typeface="Consolas" panose="020B0609020204030204" pitchFamily="49" charset="0"/>
+                <a:ea typeface="微軟正黑體" panose="020B0604030504040204" pitchFamily="34" charset="-120"/>
+              </a:rPr>
+              <a:t>HP = N(“H”) + 1</a:t>
+            </a:r>
+          </a:p>
+          <a:p>
+            <a:pPr marL="514350" indent="-514350">
+              <a:buFont typeface="+mj-lt"/>
+              <a:buAutoNum type="arabicPeriod"/>
+            </a:pPr>
+            <a:r>
+              <a:rPr lang="en-US" altLang="zh-TW" dirty="0">
+                <a:latin typeface="Consolas" panose="020B0609020204030204" pitchFamily="49" charset="0"/>
+                <a:ea typeface="微軟正黑體" panose="020B0604030504040204" pitchFamily="34" charset="-120"/>
+              </a:rPr>
+              <a:t>ATK = N(“A”) + 1</a:t>
+            </a:r>
+          </a:p>
+          <a:p>
+            <a:pPr marL="514350" indent="-514350">
+              <a:buFont typeface="+mj-lt"/>
+              <a:buAutoNum type="arabicPeriod"/>
+            </a:pPr>
+            <a:r>
+              <a:rPr lang="en-US" altLang="zh-TW" dirty="0">
+                <a:latin typeface="Consolas" panose="020B0609020204030204" pitchFamily="49" charset="0"/>
+                <a:ea typeface="微軟正黑體" panose="020B0604030504040204" pitchFamily="34" charset="-120"/>
+              </a:rPr>
+              <a:t>DEF = N(“D”) + 1</a:t>
+            </a:r>
+          </a:p>
+          <a:p>
+            <a:pPr marL="514350" indent="-514350">
+              <a:buFont typeface="+mj-lt"/>
+              <a:buAutoNum type="arabicPeriod"/>
+            </a:pPr>
+            <a:r>
+              <a:rPr lang="zh-TW" altLang="en-US" dirty="0">
+                <a:latin typeface="Consolas" panose="020B0609020204030204" pitchFamily="49" charset="0"/>
+                <a:ea typeface="微軟正黑體" panose="020B0604030504040204" pitchFamily="34" charset="-120"/>
+              </a:rPr>
+              <a:t>被殺死分裂兩個</a:t>
+            </a:r>
+            <a:endParaRPr lang="en-US" altLang="zh-TW" dirty="0">
+              <a:latin typeface="Consolas" panose="020B0609020204030204" pitchFamily="49" charset="0"/>
+              <a:ea typeface="微軟正黑體" panose="020B0604030504040204" pitchFamily="34" charset="-120"/>
+            </a:endParaRPr>
+          </a:p>
+          <a:p>
+            <a:pPr marL="514350" indent="-514350">
+              <a:buFont typeface="+mj-lt"/>
+              <a:buAutoNum type="arabicPeriod"/>
+            </a:pPr>
+            <a:endParaRPr lang="en-US" altLang="zh-TW" dirty="0">
+              <a:latin typeface="Consolas" panose="020B0609020204030204" pitchFamily="49" charset="0"/>
+              <a:ea typeface="微軟正黑體" panose="020B0604030504040204" pitchFamily="34" charset="-120"/>
+            </a:endParaRPr>
+          </a:p>
+        </p:txBody>
+      </p:sp>
+    </p:spTree>
+    <p:extLst>
+      <p:ext uri="{BB962C8B-B14F-4D97-AF65-F5344CB8AC3E}">
+        <p14:creationId xmlns:p14="http://schemas.microsoft.com/office/powerpoint/2010/main" val="2471415294"/>
+      </p:ext>
+    </p:extLst>
+  </p:cSld>
+  <p:clrMapOvr>
+    <a:masterClrMapping/>
+  </p:clrMapOvr>
+</p:sld>
+</file>
+
+<file path=ppt/slides/slide46.xml><?xml version="1.0" encoding="utf-8"?>
+<p:sld xmlns:a="http://schemas.openxmlformats.org/drawingml/2006/main" xmlns:r="http://schemas.openxmlformats.org/officeDocument/2006/relationships" xmlns:p="http://schemas.openxmlformats.org/presentationml/2006/main">
+  <p:cSld>
+    <p:spTree>
+      <p:nvGrpSpPr>
+        <p:cNvPr id="1" name=""/>
+        <p:cNvGrpSpPr/>
+        <p:nvPr/>
+      </p:nvGrpSpPr>
+      <p:grpSpPr>
+        <a:xfrm>
+          <a:off x="0" y="0"/>
+          <a:ext cx="0" cy="0"/>
+          <a:chOff x="0" y="0"/>
+          <a:chExt cx="0" cy="0"/>
+        </a:xfrm>
+      </p:grpSpPr>
+      <p:sp>
+        <p:nvSpPr>
+          <p:cNvPr id="2" name="標題 1">
+            <a:extLst>
+              <a:ext uri="{FF2B5EF4-FFF2-40B4-BE49-F238E27FC236}">
+                <a16:creationId xmlns:a16="http://schemas.microsoft.com/office/drawing/2014/main" id="{B34D58BC-D44A-98ED-2561-BBB54A60864E}"/>
+              </a:ext>
+            </a:extLst>
+          </p:cNvPr>
+          <p:cNvSpPr>
+            <a:spLocks noGrp="1"/>
+          </p:cNvSpPr>
+          <p:nvPr>
+            <p:ph type="title"/>
+          </p:nvPr>
+        </p:nvSpPr>
+        <p:spPr/>
+        <p:txBody>
+          <a:bodyPr/>
+          <a:lstStyle/>
+          <a:p>
+            <a:r>
+              <a:rPr lang="zh-TW" altLang="en-US" dirty="0">
+                <a:latin typeface="微軟正黑體" panose="020B0604030504040204" pitchFamily="34" charset="-120"/>
+                <a:ea typeface="微軟正黑體" panose="020B0604030504040204" pitchFamily="34" charset="-120"/>
+              </a:rPr>
+              <a:t>變化</a:t>
+            </a:r>
+          </a:p>
+        </p:txBody>
+      </p:sp>
+      <p:pic>
+        <p:nvPicPr>
+          <p:cNvPr id="5" name="圖片 4">
+            <a:extLst>
+              <a:ext uri="{FF2B5EF4-FFF2-40B4-BE49-F238E27FC236}">
+                <a16:creationId xmlns:a16="http://schemas.microsoft.com/office/drawing/2014/main" id="{3824105E-498C-05FD-0023-E0A11BCD4538}"/>
+              </a:ext>
+            </a:extLst>
+          </p:cNvPr>
+          <p:cNvPicPr>
+            <a:picLocks noChangeAspect="1"/>
+          </p:cNvPicPr>
+          <p:nvPr/>
+        </p:nvPicPr>
+        <p:blipFill>
+          <a:blip r:embed="rId2">
+            <a:extLst>
+              <a:ext uri="{28A0092B-C50C-407E-A947-70E740481C1C}">
+                <a14:useLocalDpi xmlns:a14="http://schemas.microsoft.com/office/drawing/2010/main" val="0"/>
+              </a:ext>
+            </a:extLst>
+          </a:blip>
+          <a:stretch>
+            <a:fillRect/>
+          </a:stretch>
+        </p:blipFill>
+        <p:spPr>
+          <a:xfrm>
+            <a:off x="3169914" y="1690688"/>
+            <a:ext cx="5852172" cy="4389129"/>
+          </a:xfrm>
+          <a:prstGeom prst="rect">
+            <a:avLst/>
+          </a:prstGeom>
+        </p:spPr>
+      </p:pic>
+    </p:spTree>
+    <p:extLst>
+      <p:ext uri="{BB962C8B-B14F-4D97-AF65-F5344CB8AC3E}">
+        <p14:creationId xmlns:p14="http://schemas.microsoft.com/office/powerpoint/2010/main" val="1015283094"/>
+      </p:ext>
+    </p:extLst>
+  </p:cSld>
+  <p:clrMapOvr>
+    <a:masterClrMapping/>
+  </p:clrMapOvr>
+</p:sld>
+</file>
+
+<file path=ppt/slides/slide47.xml><?xml version="1.0" encoding="utf-8"?>
+<p:sld xmlns:a="http://schemas.openxmlformats.org/drawingml/2006/main" xmlns:r="http://schemas.openxmlformats.org/officeDocument/2006/relationships" xmlns:p="http://schemas.openxmlformats.org/presentationml/2006/main">
+  <p:cSld>
+    <p:spTree>
+      <p:nvGrpSpPr>
+        <p:cNvPr id="1" name=""/>
+        <p:cNvGrpSpPr/>
+        <p:nvPr/>
+      </p:nvGrpSpPr>
+      <p:grpSpPr>
+        <a:xfrm>
+          <a:off x="0" y="0"/>
+          <a:ext cx="0" cy="0"/>
+          <a:chOff x="0" y="0"/>
+          <a:chExt cx="0" cy="0"/>
+        </a:xfrm>
+      </p:grpSpPr>
+      <p:sp>
+        <p:nvSpPr>
+          <p:cNvPr id="2" name="標題 1">
+            <a:extLst>
+              <a:ext uri="{FF2B5EF4-FFF2-40B4-BE49-F238E27FC236}">
+                <a16:creationId xmlns:a16="http://schemas.microsoft.com/office/drawing/2014/main" id="{B34D58BC-D44A-98ED-2561-BBB54A60864E}"/>
+              </a:ext>
+            </a:extLst>
+          </p:cNvPr>
+          <p:cNvSpPr>
+            <a:spLocks noGrp="1"/>
+          </p:cNvSpPr>
+          <p:nvPr>
+            <p:ph type="title"/>
+          </p:nvPr>
+        </p:nvSpPr>
+        <p:spPr/>
+        <p:txBody>
+          <a:bodyPr/>
+          <a:lstStyle/>
+          <a:p>
+            <a:r>
+              <a:rPr lang="zh-TW" altLang="en-US" dirty="0">
+                <a:latin typeface="微軟正黑體" panose="020B0604030504040204" pitchFamily="34" charset="-120"/>
+                <a:ea typeface="微軟正黑體" panose="020B0604030504040204" pitchFamily="34" charset="-120"/>
+              </a:rPr>
+              <a:t>結論</a:t>
+            </a:r>
+          </a:p>
+        </p:txBody>
+      </p:sp>
+      <p:sp>
+        <p:nvSpPr>
+          <p:cNvPr id="3" name="內容版面配置區 2">
+            <a:extLst>
+              <a:ext uri="{FF2B5EF4-FFF2-40B4-BE49-F238E27FC236}">
+                <a16:creationId xmlns:a16="http://schemas.microsoft.com/office/drawing/2014/main" id="{2C210A96-EC86-72DC-D13A-F5E67288B66C}"/>
+              </a:ext>
+            </a:extLst>
+          </p:cNvPr>
+          <p:cNvSpPr>
+            <a:spLocks noGrp="1"/>
+          </p:cNvSpPr>
+          <p:nvPr>
+            <p:ph idx="1"/>
+          </p:nvPr>
+        </p:nvSpPr>
+        <p:spPr/>
+        <p:txBody>
+          <a:bodyPr/>
+          <a:lstStyle/>
+          <a:p>
+            <a:r>
+              <a:rPr lang="zh-TW" altLang="en-US" dirty="0">
+                <a:latin typeface="Consolas" panose="020B0609020204030204" pitchFamily="49" charset="0"/>
+                <a:ea typeface="微軟正黑體" panose="020B0604030504040204" pitchFamily="34" charset="-120"/>
+              </a:rPr>
+              <a:t>這個模型可以找到適應度較好的基因。</a:t>
+            </a:r>
+            <a:endParaRPr lang="en-US" altLang="zh-TW" dirty="0">
+              <a:latin typeface="Consolas" panose="020B0609020204030204" pitchFamily="49" charset="0"/>
+              <a:ea typeface="微軟正黑體" panose="020B0604030504040204" pitchFamily="34" charset="-120"/>
+            </a:endParaRPr>
+          </a:p>
+        </p:txBody>
+      </p:sp>
+    </p:spTree>
+    <p:extLst>
+      <p:ext uri="{BB962C8B-B14F-4D97-AF65-F5344CB8AC3E}">
+        <p14:creationId xmlns:p14="http://schemas.microsoft.com/office/powerpoint/2010/main" val="167152497"/>
+      </p:ext>
+    </p:extLst>
+  </p:cSld>
+  <p:clrMapOvr>
+    <a:masterClrMapping/>
+  </p:clrMapOvr>
+</p:sld>
+</file>
+
+<file path=ppt/slides/slide48.xml><?xml version="1.0" encoding="utf-8"?>
+<p:sld xmlns:a="http://schemas.openxmlformats.org/drawingml/2006/main" xmlns:r="http://schemas.openxmlformats.org/officeDocument/2006/relationships" xmlns:p="http://schemas.openxmlformats.org/presentationml/2006/main">
+  <p:cSld>
+    <p:spTree>
+      <p:nvGrpSpPr>
+        <p:cNvPr id="1" name=""/>
+        <p:cNvGrpSpPr/>
+        <p:nvPr/>
+      </p:nvGrpSpPr>
+      <p:grpSpPr>
+        <a:xfrm>
+          <a:off x="0" y="0"/>
+          <a:ext cx="0" cy="0"/>
+          <a:chOff x="0" y="0"/>
+          <a:chExt cx="0" cy="0"/>
+        </a:xfrm>
+      </p:grpSpPr>
+      <p:sp>
+        <p:nvSpPr>
+          <p:cNvPr id="2" name="標題 1">
+            <a:extLst>
+              <a:ext uri="{FF2B5EF4-FFF2-40B4-BE49-F238E27FC236}">
+                <a16:creationId xmlns:a16="http://schemas.microsoft.com/office/drawing/2014/main" id="{B34D58BC-D44A-98ED-2561-BBB54A60864E}"/>
+              </a:ext>
+            </a:extLst>
+          </p:cNvPr>
+          <p:cNvSpPr>
+            <a:spLocks noGrp="1"/>
+          </p:cNvSpPr>
+          <p:nvPr>
+            <p:ph type="title"/>
+          </p:nvPr>
+        </p:nvSpPr>
+        <p:spPr/>
+        <p:txBody>
+          <a:bodyPr/>
+          <a:lstStyle/>
+          <a:p>
+            <a:r>
+              <a:rPr lang="zh-TW" altLang="en-US" dirty="0">
+                <a:latin typeface="微軟正黑體" panose="020B0604030504040204" pitchFamily="34" charset="-120"/>
+                <a:ea typeface="微軟正黑體" panose="020B0604030504040204" pitchFamily="34" charset="-120"/>
+              </a:rPr>
+              <a:t>結論</a:t>
+            </a:r>
+          </a:p>
+        </p:txBody>
+      </p:sp>
+      <p:sp>
+        <p:nvSpPr>
+          <p:cNvPr id="3" name="內容版面配置區 2">
+            <a:extLst>
+              <a:ext uri="{FF2B5EF4-FFF2-40B4-BE49-F238E27FC236}">
+                <a16:creationId xmlns:a16="http://schemas.microsoft.com/office/drawing/2014/main" id="{2C210A96-EC86-72DC-D13A-F5E67288B66C}"/>
+              </a:ext>
+            </a:extLst>
+          </p:cNvPr>
+          <p:cNvSpPr>
+            <a:spLocks noGrp="1"/>
+          </p:cNvSpPr>
+          <p:nvPr>
+            <p:ph idx="1"/>
+          </p:nvPr>
+        </p:nvSpPr>
+        <p:spPr/>
+        <p:txBody>
+          <a:bodyPr/>
+          <a:lstStyle/>
+          <a:p>
+            <a:r>
+              <a:rPr lang="zh-TW" altLang="en-US" dirty="0">
+                <a:latin typeface="Consolas" panose="020B0609020204030204" pitchFamily="49" charset="0"/>
+                <a:ea typeface="微軟正黑體" panose="020B0604030504040204" pitchFamily="34" charset="-120"/>
+              </a:rPr>
+              <a:t>這個模型可以找到適應度較好的基因。</a:t>
+            </a:r>
+            <a:endParaRPr lang="en-US" altLang="zh-TW" dirty="0">
+              <a:latin typeface="Consolas" panose="020B0609020204030204" pitchFamily="49" charset="0"/>
+              <a:ea typeface="微軟正黑體" panose="020B0604030504040204" pitchFamily="34" charset="-120"/>
+            </a:endParaRPr>
+          </a:p>
+          <a:p>
+            <a:endParaRPr lang="en-US" altLang="zh-TW" dirty="0">
+              <a:latin typeface="Consolas" panose="020B0609020204030204" pitchFamily="49" charset="0"/>
+              <a:ea typeface="微軟正黑體" panose="020B0604030504040204" pitchFamily="34" charset="-120"/>
+            </a:endParaRPr>
+          </a:p>
+          <a:p>
+            <a:r>
+              <a:rPr lang="zh-TW" altLang="en-US" dirty="0">
+                <a:latin typeface="Consolas" panose="020B0609020204030204" pitchFamily="49" charset="0"/>
+                <a:ea typeface="微軟正黑體" panose="020B0604030504040204" pitchFamily="34" charset="-120"/>
+              </a:rPr>
+              <a:t>那我可不可以用這個模型來解決最佳化問題</a:t>
+            </a:r>
+            <a:r>
+              <a:rPr lang="en-US" altLang="zh-TW" dirty="0">
+                <a:latin typeface="Consolas" panose="020B0609020204030204" pitchFamily="49" charset="0"/>
+                <a:ea typeface="微軟正黑體" panose="020B0604030504040204" pitchFamily="34" charset="-120"/>
+              </a:rPr>
+              <a:t>?</a:t>
+            </a:r>
+          </a:p>
+        </p:txBody>
+      </p:sp>
+    </p:spTree>
+    <p:extLst>
+      <p:ext uri="{BB962C8B-B14F-4D97-AF65-F5344CB8AC3E}">
+        <p14:creationId xmlns:p14="http://schemas.microsoft.com/office/powerpoint/2010/main" val="4030203513"/>
+      </p:ext>
+    </p:extLst>
+  </p:cSld>
+  <p:clrMapOvr>
+    <a:masterClrMapping/>
+  </p:clrMapOvr>
+</p:sld>
+</file>
+
+<file path=ppt/slides/slide49.xml><?xml version="1.0" encoding="utf-8"?>
+<p:sld xmlns:a="http://schemas.openxmlformats.org/drawingml/2006/main" xmlns:r="http://schemas.openxmlformats.org/officeDocument/2006/relationships" xmlns:p="http://schemas.openxmlformats.org/presentationml/2006/main">
+  <p:cSld>
+    <p:spTree>
+      <p:nvGrpSpPr>
+        <p:cNvPr id="1" name=""/>
+        <p:cNvGrpSpPr/>
+        <p:nvPr/>
+      </p:nvGrpSpPr>
+      <p:grpSpPr>
+        <a:xfrm>
+          <a:off x="0" y="0"/>
+          <a:ext cx="0" cy="0"/>
+          <a:chOff x="0" y="0"/>
+          <a:chExt cx="0" cy="0"/>
+        </a:xfrm>
+      </p:grpSpPr>
+      <p:sp>
+        <p:nvSpPr>
+          <p:cNvPr id="2" name="標題 1">
+            <a:extLst>
+              <a:ext uri="{FF2B5EF4-FFF2-40B4-BE49-F238E27FC236}">
+                <a16:creationId xmlns:a16="http://schemas.microsoft.com/office/drawing/2014/main" id="{B34D58BC-D44A-98ED-2561-BBB54A60864E}"/>
+              </a:ext>
+            </a:extLst>
+          </p:cNvPr>
+          <p:cNvSpPr>
+            <a:spLocks noGrp="1"/>
+          </p:cNvSpPr>
+          <p:nvPr>
+            <p:ph type="title"/>
+          </p:nvPr>
+        </p:nvSpPr>
+        <p:spPr/>
+        <p:txBody>
+          <a:bodyPr/>
+          <a:lstStyle/>
+          <a:p>
+            <a:r>
+              <a:rPr lang="en-US" altLang="zh-TW" dirty="0">
+                <a:latin typeface="Consolas" panose="020B0609020204030204" pitchFamily="49" charset="0"/>
+                <a:ea typeface="微軟正黑體" panose="020B0604030504040204" pitchFamily="34" charset="-120"/>
+              </a:rPr>
+              <a:t>0/1</a:t>
+            </a:r>
+            <a:r>
+              <a:rPr lang="zh-TW" altLang="en-US" dirty="0">
+                <a:latin typeface="Consolas" panose="020B0609020204030204" pitchFamily="49" charset="0"/>
+                <a:ea typeface="微軟正黑體" panose="020B0604030504040204" pitchFamily="34" charset="-120"/>
+              </a:rPr>
+              <a:t> </a:t>
+            </a:r>
+            <a:r>
+              <a:rPr lang="en-US" altLang="zh-TW" dirty="0">
+                <a:latin typeface="Consolas" panose="020B0609020204030204" pitchFamily="49" charset="0"/>
+                <a:ea typeface="微軟正黑體" panose="020B0604030504040204" pitchFamily="34" charset="-120"/>
+              </a:rPr>
+              <a:t>knapsack</a:t>
+            </a:r>
+            <a:endParaRPr lang="zh-TW" altLang="en-US" dirty="0">
+              <a:latin typeface="Consolas" panose="020B0609020204030204" pitchFamily="49" charset="0"/>
+              <a:ea typeface="微軟正黑體" panose="020B0604030504040204" pitchFamily="34" charset="-120"/>
+            </a:endParaRPr>
+          </a:p>
+        </p:txBody>
+      </p:sp>
+      <p:sp>
+        <p:nvSpPr>
+          <p:cNvPr id="3" name="內容版面配置區 2">
+            <a:extLst>
+              <a:ext uri="{FF2B5EF4-FFF2-40B4-BE49-F238E27FC236}">
+                <a16:creationId xmlns:a16="http://schemas.microsoft.com/office/drawing/2014/main" id="{2C210A96-EC86-72DC-D13A-F5E67288B66C}"/>
+              </a:ext>
+            </a:extLst>
+          </p:cNvPr>
+          <p:cNvSpPr>
+            <a:spLocks noGrp="1"/>
+          </p:cNvSpPr>
+          <p:nvPr>
+            <p:ph idx="1"/>
+          </p:nvPr>
+        </p:nvSpPr>
+        <p:spPr/>
+        <p:txBody>
+          <a:bodyPr/>
+          <a:lstStyle/>
+          <a:p>
+            <a:pPr marL="514350" indent="-514350">
+              <a:buFont typeface="+mj-lt"/>
+              <a:buAutoNum type="arabicPeriod"/>
+            </a:pPr>
+            <a:r>
+              <a:rPr lang="en-US" altLang="zh-TW" dirty="0">
+                <a:latin typeface="Consolas" panose="020B0609020204030204" pitchFamily="49" charset="0"/>
+                <a:ea typeface="微軟正黑體" panose="020B0604030504040204" pitchFamily="34" charset="-120"/>
+              </a:rPr>
+              <a:t>L = random [Min,1000]</a:t>
+            </a:r>
+          </a:p>
+          <a:p>
+            <a:pPr marL="514350" indent="-514350">
+              <a:buFont typeface="+mj-lt"/>
+              <a:buAutoNum type="arabicPeriod"/>
+            </a:pPr>
+            <a:r>
+              <a:rPr lang="en-US" altLang="zh-TW" dirty="0">
+                <a:latin typeface="Consolas" panose="020B0609020204030204" pitchFamily="49" charset="0"/>
+                <a:ea typeface="微軟正黑體" panose="020B0604030504040204" pitchFamily="34" charset="-120"/>
+              </a:rPr>
+              <a:t>gene = {“0”, “1”}*</a:t>
+            </a:r>
+          </a:p>
+          <a:p>
+            <a:pPr marL="514350" indent="-514350">
+              <a:buFont typeface="+mj-lt"/>
+              <a:buAutoNum type="arabicPeriod"/>
+            </a:pPr>
+            <a:r>
+              <a:rPr lang="en-US" altLang="zh-TW" dirty="0">
+                <a:latin typeface="Consolas" panose="020B0609020204030204" pitchFamily="49" charset="0"/>
+                <a:ea typeface="微軟正黑體" panose="020B0604030504040204" pitchFamily="34" charset="-120"/>
+              </a:rPr>
+              <a:t>HP = 100Evaluate(gene)</a:t>
+            </a:r>
+          </a:p>
+          <a:p>
+            <a:pPr marL="514350" indent="-514350">
+              <a:buFont typeface="+mj-lt"/>
+              <a:buAutoNum type="arabicPeriod"/>
+            </a:pPr>
+            <a:r>
+              <a:rPr lang="en-US" altLang="zh-TW" dirty="0">
+                <a:latin typeface="Consolas" panose="020B0609020204030204" pitchFamily="49" charset="0"/>
+                <a:ea typeface="微軟正黑體" panose="020B0604030504040204" pitchFamily="34" charset="-120"/>
+              </a:rPr>
+              <a:t>ATK = 2Evaluate(gene)</a:t>
+            </a:r>
+          </a:p>
+          <a:p>
+            <a:pPr marL="514350" indent="-514350">
+              <a:buFont typeface="+mj-lt"/>
+              <a:buAutoNum type="arabicPeriod"/>
+            </a:pPr>
+            <a:r>
+              <a:rPr lang="en-US" altLang="zh-TW" dirty="0">
+                <a:latin typeface="Consolas" panose="020B0609020204030204" pitchFamily="49" charset="0"/>
+                <a:ea typeface="微軟正黑體" panose="020B0604030504040204" pitchFamily="34" charset="-120"/>
+              </a:rPr>
+              <a:t>DEF = Evaluate(gene)</a:t>
+            </a:r>
+          </a:p>
+          <a:p>
+            <a:pPr marL="514350" indent="-514350">
+              <a:buFont typeface="+mj-lt"/>
+              <a:buAutoNum type="arabicPeriod"/>
+            </a:pPr>
+            <a:r>
+              <a:rPr lang="zh-TW" altLang="en-US" dirty="0">
+                <a:latin typeface="Consolas" panose="020B0609020204030204" pitchFamily="49" charset="0"/>
+                <a:ea typeface="微軟正黑體" panose="020B0604030504040204" pitchFamily="34" charset="-120"/>
+              </a:rPr>
+              <a:t>被殺死分裂兩個</a:t>
+            </a:r>
+            <a:endParaRPr lang="en-US" altLang="zh-TW" dirty="0">
+              <a:latin typeface="Consolas" panose="020B0609020204030204" pitchFamily="49" charset="0"/>
+              <a:ea typeface="微軟正黑體" panose="020B0604030504040204" pitchFamily="34" charset="-120"/>
+            </a:endParaRPr>
+          </a:p>
+          <a:p>
+            <a:endParaRPr lang="en-US" altLang="zh-TW" dirty="0">
+              <a:latin typeface="Consolas" panose="020B0609020204030204" pitchFamily="49" charset="0"/>
+              <a:ea typeface="微軟正黑體" panose="020B0604030504040204" pitchFamily="34" charset="-120"/>
+            </a:endParaRPr>
+          </a:p>
+        </p:txBody>
+      </p:sp>
+      <p:sp>
+        <p:nvSpPr>
+          <p:cNvPr id="5" name="文字方塊 4">
+            <a:extLst>
+              <a:ext uri="{FF2B5EF4-FFF2-40B4-BE49-F238E27FC236}">
+                <a16:creationId xmlns:a16="http://schemas.microsoft.com/office/drawing/2014/main" id="{7577DB7D-8ECB-5DCC-5876-8CFDAFEAE0A4}"/>
+              </a:ext>
+            </a:extLst>
+          </p:cNvPr>
+          <p:cNvSpPr txBox="1"/>
+          <p:nvPr/>
+        </p:nvSpPr>
+        <p:spPr>
+          <a:xfrm>
+            <a:off x="838200" y="5911790"/>
+            <a:ext cx="8229600" cy="400110"/>
+          </a:xfrm>
+          <a:prstGeom prst="rect">
+            <a:avLst/>
+          </a:prstGeom>
+          <a:noFill/>
+        </p:spPr>
+        <p:txBody>
+          <a:bodyPr wrap="square" rtlCol="0">
+            <a:spAutoFit/>
+          </a:bodyPr>
+          <a:lstStyle/>
+          <a:p>
+            <a:r>
+              <a:rPr lang="en-US" altLang="zh-TW" sz="2000" dirty="0">
+                <a:latin typeface="Consolas" panose="020B0609020204030204" pitchFamily="49" charset="0"/>
+                <a:ea typeface="微軟正黑體" panose="020B0604030504040204" pitchFamily="34" charset="-120"/>
+              </a:rPr>
+              <a:t>Evaluate(gene) = </a:t>
+            </a:r>
+            <a:r>
+              <a:rPr lang="zh-TW" altLang="en-US" sz="2000" dirty="0">
+                <a:latin typeface="Consolas" panose="020B0609020204030204" pitchFamily="49" charset="0"/>
+                <a:ea typeface="微軟正黑體" panose="020B0604030504040204" pitchFamily="34" charset="-120"/>
+              </a:rPr>
+              <a:t>選取物品的價值</a:t>
+            </a:r>
+            <a:r>
+              <a:rPr lang="en-US" altLang="zh-TW" sz="2000" dirty="0">
+                <a:latin typeface="Consolas" panose="020B0609020204030204" pitchFamily="49" charset="0"/>
+                <a:ea typeface="微軟正黑體" panose="020B0604030504040204" pitchFamily="34" charset="-120"/>
+              </a:rPr>
+              <a:t>-</a:t>
+            </a:r>
+            <a:r>
+              <a:rPr lang="zh-TW" altLang="en-US" sz="2000" dirty="0">
+                <a:latin typeface="Consolas" panose="020B0609020204030204" pitchFamily="49" charset="0"/>
+                <a:ea typeface="微軟正黑體" panose="020B0604030504040204" pitchFamily="34" charset="-120"/>
+              </a:rPr>
+              <a:t>超過的重量</a:t>
+            </a:r>
+          </a:p>
+        </p:txBody>
+      </p:sp>
+    </p:spTree>
+    <p:extLst>
+      <p:ext uri="{BB962C8B-B14F-4D97-AF65-F5344CB8AC3E}">
+        <p14:creationId xmlns:p14="http://schemas.microsoft.com/office/powerpoint/2010/main" val="3922956730"/>
+      </p:ext>
+    </p:extLst>
+  </p:cSld>
+  <p:clrMapOvr>
+    <a:masterClrMapping/>
+  </p:clrMapOvr>
+</p:sld>
+</file>
+
+<file path=ppt/slides/slide5.xml><?xml version="1.0" encoding="utf-8"?>
+<p:sld xmlns:a="http://schemas.openxmlformats.org/drawingml/2006/main" xmlns:r="http://schemas.openxmlformats.org/officeDocument/2006/relationships" xmlns:p="http://schemas.openxmlformats.org/presentationml/2006/main">
+  <p:cSld>
+    <p:spTree>
+      <p:nvGrpSpPr>
+        <p:cNvPr id="1" name=""/>
+        <p:cNvGrpSpPr/>
+        <p:nvPr/>
+      </p:nvGrpSpPr>
+      <p:grpSpPr>
+        <a:xfrm>
+          <a:off x="0" y="0"/>
+          <a:ext cx="0" cy="0"/>
+          <a:chOff x="0" y="0"/>
+          <a:chExt cx="0" cy="0"/>
+        </a:xfrm>
+      </p:grpSpPr>
+      <p:sp>
+        <p:nvSpPr>
+          <p:cNvPr id="2" name="標題 1">
+            <a:extLst>
+              <a:ext uri="{FF2B5EF4-FFF2-40B4-BE49-F238E27FC236}">
+                <a16:creationId xmlns:a16="http://schemas.microsoft.com/office/drawing/2014/main" id="{B34D58BC-D44A-98ED-2561-BBB54A60864E}"/>
+              </a:ext>
+            </a:extLst>
+          </p:cNvPr>
+          <p:cNvSpPr>
+            <a:spLocks noGrp="1"/>
+          </p:cNvSpPr>
+          <p:nvPr>
+            <p:ph type="title"/>
+          </p:nvPr>
+        </p:nvSpPr>
+        <p:spPr/>
+        <p:txBody>
+          <a:bodyPr/>
+          <a:lstStyle/>
+          <a:p>
+            <a:r>
+              <a:rPr lang="zh-TW" altLang="en-US" dirty="0">
+                <a:latin typeface="微軟正黑體" panose="020B0604030504040204" pitchFamily="34" charset="-120"/>
+                <a:ea typeface="微軟正黑體" panose="020B0604030504040204" pitchFamily="34" charset="-120"/>
+              </a:rPr>
+              <a:t>規則</a:t>
+            </a:r>
+          </a:p>
+        </p:txBody>
+      </p:sp>
+      <p:sp>
+        <p:nvSpPr>
+          <p:cNvPr id="3" name="內容版面配置區 2">
+            <a:extLst>
+              <a:ext uri="{FF2B5EF4-FFF2-40B4-BE49-F238E27FC236}">
+                <a16:creationId xmlns:a16="http://schemas.microsoft.com/office/drawing/2014/main" id="{2C210A96-EC86-72DC-D13A-F5E67288B66C}"/>
+              </a:ext>
+            </a:extLst>
+          </p:cNvPr>
+          <p:cNvSpPr>
+            <a:spLocks noGrp="1"/>
+          </p:cNvSpPr>
+          <p:nvPr>
+            <p:ph idx="1"/>
+          </p:nvPr>
+        </p:nvSpPr>
+        <p:spPr/>
+        <p:txBody>
+          <a:bodyPr/>
+          <a:lstStyle/>
+          <a:p>
+            <a:r>
+              <a:rPr lang="en-US" altLang="zh-TW" dirty="0">
+                <a:latin typeface="Consolas" panose="020B0609020204030204" pitchFamily="49" charset="0"/>
+                <a:ea typeface="微軟正黑體" panose="020B0604030504040204" pitchFamily="34" charset="-120"/>
+              </a:rPr>
+              <a:t>Slime</a:t>
+            </a:r>
+            <a:r>
+              <a:rPr lang="zh-TW" altLang="en-US" dirty="0">
+                <a:latin typeface="Consolas" panose="020B0609020204030204" pitchFamily="49" charset="0"/>
+                <a:ea typeface="微軟正黑體" panose="020B0604030504040204" pitchFamily="34" charset="-120"/>
+              </a:rPr>
+              <a:t>有以下行為</a:t>
+            </a:r>
+            <a:r>
+              <a:rPr lang="en-US" altLang="zh-TW" dirty="0">
+                <a:latin typeface="Consolas" panose="020B0609020204030204" pitchFamily="49" charset="0"/>
+                <a:ea typeface="微軟正黑體" panose="020B0604030504040204" pitchFamily="34" charset="-120"/>
+              </a:rPr>
+              <a:t>:</a:t>
+            </a:r>
+          </a:p>
+          <a:p>
+            <a:pPr marL="514350" indent="-514350">
+              <a:buFont typeface="+mj-lt"/>
+              <a:buAutoNum type="arabicPeriod"/>
+            </a:pPr>
+            <a:r>
+              <a:rPr lang="zh-TW" altLang="en-US" dirty="0">
+                <a:latin typeface="Consolas" panose="020B0609020204030204" pitchFamily="49" charset="0"/>
+                <a:ea typeface="微軟正黑體" panose="020B0604030504040204" pitchFamily="34" charset="-120"/>
+              </a:rPr>
+              <a:t>攻擊</a:t>
+            </a:r>
+            <a:endParaRPr lang="en-US" altLang="zh-TW" dirty="0">
+              <a:latin typeface="Consolas" panose="020B0609020204030204" pitchFamily="49" charset="0"/>
+              <a:ea typeface="微軟正黑體" panose="020B0604030504040204" pitchFamily="34" charset="-120"/>
+            </a:endParaRPr>
+          </a:p>
+          <a:p>
+            <a:pPr marL="457200" lvl="1" indent="0">
+              <a:buNone/>
+            </a:pPr>
+            <a:r>
+              <a:rPr lang="zh-TW" altLang="en-US" dirty="0">
+                <a:latin typeface="Consolas" panose="020B0609020204030204" pitchFamily="49" charset="0"/>
+                <a:ea typeface="微軟正黑體" panose="020B0604030504040204" pitchFamily="34" charset="-120"/>
+              </a:rPr>
+              <a:t>隨機攻擊周圍</a:t>
+            </a:r>
+            <a:r>
+              <a:rPr lang="en-US" altLang="zh-TW" dirty="0">
+                <a:latin typeface="Consolas" panose="020B0609020204030204" pitchFamily="49" charset="0"/>
+                <a:ea typeface="微軟正黑體" panose="020B0604030504040204" pitchFamily="34" charset="-120"/>
+              </a:rPr>
+              <a:t>Slimes</a:t>
+            </a:r>
+            <a:r>
+              <a:rPr lang="zh-TW" altLang="en-US" dirty="0">
+                <a:latin typeface="Consolas" panose="020B0609020204030204" pitchFamily="49" charset="0"/>
+                <a:ea typeface="微軟正黑體" panose="020B0604030504040204" pitchFamily="34" charset="-120"/>
+              </a:rPr>
+              <a:t>。</a:t>
+            </a:r>
+            <a:endParaRPr lang="en-US" altLang="zh-TW" dirty="0">
+              <a:latin typeface="Consolas" panose="020B0609020204030204" pitchFamily="49" charset="0"/>
+              <a:ea typeface="微軟正黑體" panose="020B0604030504040204" pitchFamily="34" charset="-120"/>
+            </a:endParaRPr>
+          </a:p>
+          <a:p>
+            <a:pPr marL="457200" lvl="1" indent="0">
+              <a:buNone/>
+            </a:pPr>
+            <a:r>
+              <a:rPr lang="zh-TW" altLang="en-US" dirty="0">
+                <a:latin typeface="Consolas" panose="020B0609020204030204" pitchFamily="49" charset="0"/>
+                <a:ea typeface="微軟正黑體" panose="020B0604030504040204" pitchFamily="34" charset="-120"/>
+              </a:rPr>
+              <a:t>攻擊造成的傷害為</a:t>
+            </a:r>
+            <a:r>
+              <a:rPr lang="en-US" altLang="zh-TW" dirty="0">
+                <a:latin typeface="Consolas" panose="020B0609020204030204" pitchFamily="49" charset="0"/>
+                <a:ea typeface="微軟正黑體" panose="020B0604030504040204" pitchFamily="34" charset="-120"/>
+              </a:rPr>
+              <a:t>:</a:t>
+            </a:r>
+            <a:r>
+              <a:rPr lang="zh-TW" altLang="en-US" dirty="0">
+                <a:latin typeface="Consolas" panose="020B0609020204030204" pitchFamily="49" charset="0"/>
+                <a:ea typeface="微軟正黑體" panose="020B0604030504040204" pitchFamily="34" charset="-120"/>
+              </a:rPr>
+              <a:t> </a:t>
+            </a:r>
+            <a:endParaRPr lang="en-US" altLang="zh-TW" dirty="0">
+              <a:latin typeface="Consolas" panose="020B0609020204030204" pitchFamily="49" charset="0"/>
+              <a:ea typeface="微軟正黑體" panose="020B0604030504040204" pitchFamily="34" charset="-120"/>
+            </a:endParaRPr>
+          </a:p>
+          <a:p>
+            <a:pPr marL="457200" lvl="1" indent="0">
+              <a:buNone/>
+            </a:pPr>
+            <a:r>
+              <a:rPr lang="en-US" altLang="zh-TW" sz="2400" b="0" dirty="0" err="1">
+                <a:solidFill>
+                  <a:srgbClr val="DCDCCC"/>
+                </a:solidFill>
+                <a:latin typeface="Consolas" panose="020B0609020204030204" pitchFamily="49" charset="0"/>
+              </a:rPr>
+              <a:t>self</a:t>
+            </a:r>
+            <a:r>
+              <a:rPr lang="en-US" altLang="zh-TW" sz="2400" b="1" dirty="0" err="1">
+                <a:solidFill>
+                  <a:srgbClr val="9F9D6D"/>
+                </a:solidFill>
+                <a:latin typeface="Consolas" panose="020B0609020204030204" pitchFamily="49" charset="0"/>
+              </a:rPr>
+              <a:t>.</a:t>
+            </a:r>
+            <a:r>
+              <a:rPr lang="en-US" altLang="zh-TW" sz="2400" b="0" dirty="0" err="1">
+                <a:solidFill>
+                  <a:srgbClr val="DCDCCC"/>
+                </a:solidFill>
+                <a:latin typeface="Consolas" panose="020B0609020204030204" pitchFamily="49" charset="0"/>
+              </a:rPr>
+              <a:t>atk</a:t>
+            </a:r>
+            <a:r>
+              <a:rPr lang="en-US" altLang="zh-TW" sz="2400" b="0" dirty="0">
+                <a:solidFill>
+                  <a:srgbClr val="DCDCCC"/>
+                </a:solidFill>
+                <a:latin typeface="Consolas" panose="020B0609020204030204" pitchFamily="49" charset="0"/>
+              </a:rPr>
+              <a:t> </a:t>
+            </a:r>
+            <a:r>
+              <a:rPr lang="en-US" altLang="zh-TW" sz="2400" b="1" dirty="0">
+                <a:solidFill>
+                  <a:srgbClr val="9F9D6D"/>
+                </a:solidFill>
+                <a:latin typeface="Consolas" panose="020B0609020204030204" pitchFamily="49" charset="0"/>
+              </a:rPr>
+              <a:t>*</a:t>
+            </a:r>
+            <a:r>
+              <a:rPr lang="en-US" altLang="zh-TW" sz="2400" b="0" dirty="0">
+                <a:solidFill>
+                  <a:srgbClr val="DCDCCC"/>
+                </a:solidFill>
+                <a:latin typeface="Consolas" panose="020B0609020204030204" pitchFamily="49" charset="0"/>
+              </a:rPr>
+              <a:t> </a:t>
+            </a:r>
+            <a:r>
+              <a:rPr lang="en-US" altLang="zh-TW" sz="2400" b="1" dirty="0">
+                <a:solidFill>
+                  <a:srgbClr val="9F9D6D"/>
+                </a:solidFill>
+                <a:latin typeface="Consolas" panose="020B0609020204030204" pitchFamily="49" charset="0"/>
+              </a:rPr>
+              <a:t>(</a:t>
+            </a:r>
+            <a:r>
+              <a:rPr lang="en-US" altLang="zh-TW" sz="2400" b="0" dirty="0" err="1">
+                <a:solidFill>
+                  <a:srgbClr val="DCDCCC"/>
+                </a:solidFill>
+                <a:latin typeface="Consolas" panose="020B0609020204030204" pitchFamily="49" charset="0"/>
+              </a:rPr>
+              <a:t>other</a:t>
+            </a:r>
+            <a:r>
+              <a:rPr lang="en-US" altLang="zh-TW" sz="2400" b="1" dirty="0" err="1">
+                <a:solidFill>
+                  <a:srgbClr val="9F9D6D"/>
+                </a:solidFill>
+                <a:latin typeface="Consolas" panose="020B0609020204030204" pitchFamily="49" charset="0"/>
+              </a:rPr>
+              <a:t>.</a:t>
+            </a:r>
+            <a:r>
+              <a:rPr lang="en-US" altLang="zh-TW" sz="2400" b="0" dirty="0" err="1">
+                <a:solidFill>
+                  <a:srgbClr val="DCDCCC"/>
+                </a:solidFill>
+                <a:latin typeface="Consolas" panose="020B0609020204030204" pitchFamily="49" charset="0"/>
+              </a:rPr>
+              <a:t>defen</a:t>
+            </a:r>
+            <a:r>
+              <a:rPr lang="en-US" altLang="zh-TW" sz="2400" b="0" dirty="0">
+                <a:solidFill>
+                  <a:srgbClr val="DCDCCC"/>
+                </a:solidFill>
+                <a:latin typeface="Consolas" panose="020B0609020204030204" pitchFamily="49" charset="0"/>
+              </a:rPr>
+              <a:t> </a:t>
+            </a:r>
+            <a:r>
+              <a:rPr lang="en-US" altLang="zh-TW" sz="2400" b="1" dirty="0">
+                <a:solidFill>
+                  <a:srgbClr val="9F9D6D"/>
+                </a:solidFill>
+                <a:latin typeface="Consolas" panose="020B0609020204030204" pitchFamily="49" charset="0"/>
+              </a:rPr>
+              <a:t>/</a:t>
+            </a:r>
+            <a:r>
+              <a:rPr lang="en-US" altLang="zh-TW" sz="2400" b="0" dirty="0">
+                <a:solidFill>
+                  <a:srgbClr val="DCDCCC"/>
+                </a:solidFill>
+                <a:latin typeface="Consolas" panose="020B0609020204030204" pitchFamily="49" charset="0"/>
+              </a:rPr>
+              <a:t> </a:t>
+            </a:r>
+            <a:r>
+              <a:rPr lang="en-US" altLang="zh-TW" sz="2400" b="1" dirty="0">
+                <a:solidFill>
+                  <a:srgbClr val="9F9D6D"/>
+                </a:solidFill>
+                <a:latin typeface="Consolas" panose="020B0609020204030204" pitchFamily="49" charset="0"/>
+              </a:rPr>
+              <a:t>(</a:t>
+            </a:r>
+            <a:r>
+              <a:rPr lang="en-US" altLang="zh-TW" sz="2400" b="0" dirty="0">
+                <a:solidFill>
+                  <a:srgbClr val="DCDCCC"/>
+                </a:solidFill>
+                <a:latin typeface="Consolas" panose="020B0609020204030204" pitchFamily="49" charset="0"/>
+              </a:rPr>
+              <a:t>other</a:t>
+            </a:r>
+            <a:r>
+              <a:rPr lang="en-US" altLang="zh-TW" sz="2400" b="1" dirty="0">
+                <a:solidFill>
+                  <a:srgbClr val="9F9D6D"/>
+                </a:solidFill>
+                <a:latin typeface="Consolas" panose="020B0609020204030204" pitchFamily="49" charset="0"/>
+              </a:rPr>
+              <a:t>.</a:t>
+            </a:r>
+            <a:r>
+              <a:rPr lang="en-US" altLang="zh-TW" sz="2400" b="0" dirty="0">
+                <a:solidFill>
+                  <a:srgbClr val="DCDCCC"/>
+                </a:solidFill>
+                <a:latin typeface="Consolas" panose="020B0609020204030204" pitchFamily="49" charset="0"/>
+              </a:rPr>
+              <a:t>defen</a:t>
+            </a:r>
+            <a:r>
+              <a:rPr lang="en-US" altLang="zh-TW" sz="2400" b="1" dirty="0">
+                <a:solidFill>
+                  <a:srgbClr val="9F9D6D"/>
+                </a:solidFill>
+                <a:latin typeface="Consolas" panose="020B0609020204030204" pitchFamily="49" charset="0"/>
+              </a:rPr>
+              <a:t>+</a:t>
+            </a:r>
+            <a:r>
+              <a:rPr lang="en-US" altLang="zh-TW" sz="2400" b="0" dirty="0">
+                <a:solidFill>
+                  <a:srgbClr val="8CD0D3"/>
+                </a:solidFill>
+                <a:latin typeface="Consolas" panose="020B0609020204030204" pitchFamily="49" charset="0"/>
+              </a:rPr>
+              <a:t>100</a:t>
+            </a:r>
+            <a:r>
+              <a:rPr lang="en-US" altLang="zh-TW" sz="2400" b="1" dirty="0">
+                <a:solidFill>
+                  <a:srgbClr val="9F9D6D"/>
+                </a:solidFill>
+                <a:latin typeface="Consolas" panose="020B0609020204030204" pitchFamily="49" charset="0"/>
+              </a:rPr>
+              <a:t>))</a:t>
+            </a:r>
+            <a:endParaRPr lang="en-US" altLang="zh-TW" dirty="0">
+              <a:latin typeface="Consolas" panose="020B0609020204030204" pitchFamily="49" charset="0"/>
+              <a:ea typeface="微軟正黑體" panose="020B0604030504040204" pitchFamily="34" charset="-120"/>
+            </a:endParaRPr>
+          </a:p>
+          <a:p>
+            <a:pPr marL="514350" indent="-514350">
+              <a:buFont typeface="+mj-lt"/>
+              <a:buAutoNum type="arabicPeriod"/>
+            </a:pPr>
+            <a:r>
+              <a:rPr lang="zh-TW" altLang="en-US" dirty="0">
+                <a:latin typeface="Consolas" panose="020B0609020204030204" pitchFamily="49" charset="0"/>
+                <a:ea typeface="微軟正黑體" panose="020B0604030504040204" pitchFamily="34" charset="-120"/>
+              </a:rPr>
+              <a:t>合併</a:t>
+            </a:r>
+            <a:endParaRPr lang="en-US" altLang="zh-TW" dirty="0">
+              <a:latin typeface="Consolas" panose="020B0609020204030204" pitchFamily="49" charset="0"/>
+              <a:ea typeface="微軟正黑體" panose="020B0604030504040204" pitchFamily="34" charset="-120"/>
+            </a:endParaRPr>
+          </a:p>
+          <a:p>
+            <a:pPr marL="514350" indent="-514350">
+              <a:buFont typeface="+mj-lt"/>
+              <a:buAutoNum type="arabicPeriod"/>
+            </a:pPr>
+            <a:r>
+              <a:rPr lang="zh-TW" altLang="en-US" dirty="0">
+                <a:latin typeface="Consolas" panose="020B0609020204030204" pitchFamily="49" charset="0"/>
+                <a:ea typeface="微軟正黑體" panose="020B0604030504040204" pitchFamily="34" charset="-120"/>
+              </a:rPr>
+              <a:t>分裂</a:t>
+            </a:r>
+            <a:endParaRPr lang="en-US" altLang="zh-TW" dirty="0">
+              <a:latin typeface="Consolas" panose="020B0609020204030204" pitchFamily="49" charset="0"/>
+              <a:ea typeface="微軟正黑體" panose="020B0604030504040204" pitchFamily="34" charset="-120"/>
+            </a:endParaRPr>
+          </a:p>
+          <a:p>
+            <a:pPr marL="514350" indent="-514350">
+              <a:buFont typeface="+mj-lt"/>
+              <a:buAutoNum type="arabicPeriod"/>
+            </a:pPr>
+            <a:r>
+              <a:rPr lang="zh-TW" altLang="en-US" dirty="0">
+                <a:latin typeface="Consolas" panose="020B0609020204030204" pitchFamily="49" charset="0"/>
+                <a:ea typeface="微軟正黑體" panose="020B0604030504040204" pitchFamily="34" charset="-120"/>
+              </a:rPr>
+              <a:t>複製</a:t>
+            </a:r>
+            <a:endParaRPr lang="en-US" altLang="zh-TW" dirty="0">
+              <a:latin typeface="Consolas" panose="020B0609020204030204" pitchFamily="49" charset="0"/>
+              <a:ea typeface="微軟正黑體" panose="020B0604030504040204" pitchFamily="34" charset="-120"/>
+            </a:endParaRPr>
+          </a:p>
+        </p:txBody>
+      </p:sp>
+    </p:spTree>
+    <p:extLst>
+      <p:ext uri="{BB962C8B-B14F-4D97-AF65-F5344CB8AC3E}">
+        <p14:creationId xmlns:p14="http://schemas.microsoft.com/office/powerpoint/2010/main" val="1122865229"/>
+      </p:ext>
+    </p:extLst>
+  </p:cSld>
+  <p:clrMapOvr>
+    <a:masterClrMapping/>
+  </p:clrMapOvr>
+</p:sld>
+</file>
+
+<file path=ppt/slides/slide50.xml><?xml version="1.0" encoding="utf-8"?>
+<p:sld xmlns:a="http://schemas.openxmlformats.org/drawingml/2006/main" xmlns:r="http://schemas.openxmlformats.org/officeDocument/2006/relationships" xmlns:p="http://schemas.openxmlformats.org/presentationml/2006/main">
+  <p:cSld>
+    <p:spTree>
+      <p:nvGrpSpPr>
+        <p:cNvPr id="1" name=""/>
+        <p:cNvGrpSpPr/>
+        <p:nvPr/>
+      </p:nvGrpSpPr>
+      <p:grpSpPr>
+        <a:xfrm>
+          <a:off x="0" y="0"/>
+          <a:ext cx="0" cy="0"/>
+          <a:chOff x="0" y="0"/>
+          <a:chExt cx="0" cy="0"/>
+        </a:xfrm>
+      </p:grpSpPr>
+      <p:sp>
+        <p:nvSpPr>
+          <p:cNvPr id="2" name="標題 1">
+            <a:extLst>
+              <a:ext uri="{FF2B5EF4-FFF2-40B4-BE49-F238E27FC236}">
+                <a16:creationId xmlns:a16="http://schemas.microsoft.com/office/drawing/2014/main" id="{B34D58BC-D44A-98ED-2561-BBB54A60864E}"/>
+              </a:ext>
+            </a:extLst>
+          </p:cNvPr>
+          <p:cNvSpPr>
+            <a:spLocks noGrp="1"/>
+          </p:cNvSpPr>
+          <p:nvPr>
+            <p:ph type="title"/>
+          </p:nvPr>
+        </p:nvSpPr>
+        <p:spPr/>
+        <p:txBody>
+          <a:bodyPr/>
+          <a:lstStyle/>
+          <a:p>
+            <a:r>
               <a:rPr lang="en-US" altLang="zh-TW" dirty="0">
                 <a:latin typeface="Consolas" panose="020B0609020204030204" pitchFamily="49" charset="0"/>
                 <a:ea typeface="微軟正黑體" panose="020B0604030504040204" pitchFamily="34" charset="-120"/>
@@ -13579,7 +15642,7 @@
 </p:sld>
 </file>
 
-<file path=ppt/slides/slide43.xml><?xml version="1.0" encoding="utf-8"?>
+<file path=ppt/slides/slide51.xml><?xml version="1.0" encoding="utf-8"?>
 <p:sld xmlns:a="http://schemas.openxmlformats.org/drawingml/2006/main" xmlns:r="http://schemas.openxmlformats.org/officeDocument/2006/relationships" xmlns:p="http://schemas.openxmlformats.org/presentationml/2006/main">
   <p:cSld>
     <p:spTree>
@@ -13694,7 +15757,7 @@
 </p:sld>
 </file>
 
-<file path=ppt/slides/slide44.xml><?xml version="1.0" encoding="utf-8"?>
+<file path=ppt/slides/slide52.xml><?xml version="1.0" encoding="utf-8"?>
 <p:sld xmlns:a="http://schemas.openxmlformats.org/drawingml/2006/main" xmlns:r="http://schemas.openxmlformats.org/officeDocument/2006/relationships" xmlns:p="http://schemas.openxmlformats.org/presentationml/2006/main">
   <p:cSld>
     <p:spTree>
@@ -13826,7 +15889,7 @@
 </p:sld>
 </file>
 
-<file path=ppt/slides/slide45.xml><?xml version="1.0" encoding="utf-8"?>
+<file path=ppt/slides/slide53.xml><?xml version="1.0" encoding="utf-8"?>
 <p:sld xmlns:a="http://schemas.openxmlformats.org/drawingml/2006/main" xmlns:r="http://schemas.openxmlformats.org/officeDocument/2006/relationships" xmlns:p="http://schemas.openxmlformats.org/presentationml/2006/main">
   <p:cSld>
     <p:spTree>
@@ -13941,7 +16004,7 @@
 </p:sld>
 </file>
 
-<file path=ppt/slides/slide46.xml><?xml version="1.0" encoding="utf-8"?>
+<file path=ppt/slides/slide54.xml><?xml version="1.0" encoding="utf-8"?>
 <p:sld xmlns:a="http://schemas.openxmlformats.org/drawingml/2006/main" xmlns:r="http://schemas.openxmlformats.org/officeDocument/2006/relationships" xmlns:p="http://schemas.openxmlformats.org/presentationml/2006/main">
   <p:cSld>
     <p:spTree>
@@ -14078,7 +16141,7 @@
 </p:sld>
 </file>
 
-<file path=ppt/slides/slide47.xml><?xml version="1.0" encoding="utf-8"?>
+<file path=ppt/slides/slide55.xml><?xml version="1.0" encoding="utf-8"?>
 <p:sld xmlns:a="http://schemas.openxmlformats.org/drawingml/2006/main" xmlns:r="http://schemas.openxmlformats.org/officeDocument/2006/relationships" xmlns:p="http://schemas.openxmlformats.org/presentationml/2006/main">
   <p:cSld>
     <p:spTree>
@@ -14193,7 +16256,7 @@
 </p:sld>
 </file>
 
-<file path=ppt/slides/slide48.xml><?xml version="1.0" encoding="utf-8"?>
+<file path=ppt/slides/slide56.xml><?xml version="1.0" encoding="utf-8"?>
 <p:sld xmlns:a="http://schemas.openxmlformats.org/drawingml/2006/main" xmlns:r="http://schemas.openxmlformats.org/officeDocument/2006/relationships" xmlns:p="http://schemas.openxmlformats.org/presentationml/2006/main">
   <p:cSld>
     <p:spTree>
@@ -14330,7 +16393,7 @@
 </p:sld>
 </file>
 
-<file path=ppt/slides/slide49.xml><?xml version="1.0" encoding="utf-8"?>
+<file path=ppt/slides/slide57.xml><?xml version="1.0" encoding="utf-8"?>
 <p:sld xmlns:a="http://schemas.openxmlformats.org/drawingml/2006/main" xmlns:r="http://schemas.openxmlformats.org/officeDocument/2006/relationships" xmlns:p="http://schemas.openxmlformats.org/presentationml/2006/main">
   <p:cSld>
     <p:spTree>
@@ -14445,430 +16508,7 @@
 </p:sld>
 </file>
 
-<file path=ppt/slides/slide5.xml><?xml version="1.0" encoding="utf-8"?>
-<p:sld xmlns:a="http://schemas.openxmlformats.org/drawingml/2006/main" xmlns:r="http://schemas.openxmlformats.org/officeDocument/2006/relationships" xmlns:p="http://schemas.openxmlformats.org/presentationml/2006/main">
-  <p:cSld>
-    <p:spTree>
-      <p:nvGrpSpPr>
-        <p:cNvPr id="1" name=""/>
-        <p:cNvGrpSpPr/>
-        <p:nvPr/>
-      </p:nvGrpSpPr>
-      <p:grpSpPr>
-        <a:xfrm>
-          <a:off x="0" y="0"/>
-          <a:ext cx="0" cy="0"/>
-          <a:chOff x="0" y="0"/>
-          <a:chExt cx="0" cy="0"/>
-        </a:xfrm>
-      </p:grpSpPr>
-      <p:sp>
-        <p:nvSpPr>
-          <p:cNvPr id="2" name="標題 1">
-            <a:extLst>
-              <a:ext uri="{FF2B5EF4-FFF2-40B4-BE49-F238E27FC236}">
-                <a16:creationId xmlns:a16="http://schemas.microsoft.com/office/drawing/2014/main" id="{B34D58BC-D44A-98ED-2561-BBB54A60864E}"/>
-              </a:ext>
-            </a:extLst>
-          </p:cNvPr>
-          <p:cNvSpPr>
-            <a:spLocks noGrp="1"/>
-          </p:cNvSpPr>
-          <p:nvPr>
-            <p:ph type="title"/>
-          </p:nvPr>
-        </p:nvSpPr>
-        <p:spPr/>
-        <p:txBody>
-          <a:bodyPr/>
-          <a:lstStyle/>
-          <a:p>
-            <a:r>
-              <a:rPr lang="zh-TW" altLang="en-US" dirty="0">
-                <a:latin typeface="微軟正黑體" panose="020B0604030504040204" pitchFamily="34" charset="-120"/>
-                <a:ea typeface="微軟正黑體" panose="020B0604030504040204" pitchFamily="34" charset="-120"/>
-              </a:rPr>
-              <a:t>規則</a:t>
-            </a:r>
-          </a:p>
-        </p:txBody>
-      </p:sp>
-      <p:sp>
-        <p:nvSpPr>
-          <p:cNvPr id="3" name="內容版面配置區 2">
-            <a:extLst>
-              <a:ext uri="{FF2B5EF4-FFF2-40B4-BE49-F238E27FC236}">
-                <a16:creationId xmlns:a16="http://schemas.microsoft.com/office/drawing/2014/main" id="{2C210A96-EC86-72DC-D13A-F5E67288B66C}"/>
-              </a:ext>
-            </a:extLst>
-          </p:cNvPr>
-          <p:cNvSpPr>
-            <a:spLocks noGrp="1"/>
-          </p:cNvSpPr>
-          <p:nvPr>
-            <p:ph idx="1"/>
-          </p:nvPr>
-        </p:nvSpPr>
-        <p:spPr/>
-        <p:txBody>
-          <a:bodyPr/>
-          <a:lstStyle/>
-          <a:p>
-            <a:r>
-              <a:rPr lang="en-US" altLang="zh-TW" dirty="0">
-                <a:latin typeface="Consolas" panose="020B0609020204030204" pitchFamily="49" charset="0"/>
-                <a:ea typeface="微軟正黑體" panose="020B0604030504040204" pitchFamily="34" charset="-120"/>
-              </a:rPr>
-              <a:t>Slime</a:t>
-            </a:r>
-            <a:r>
-              <a:rPr lang="zh-TW" altLang="en-US" dirty="0">
-                <a:latin typeface="Consolas" panose="020B0609020204030204" pitchFamily="49" charset="0"/>
-                <a:ea typeface="微軟正黑體" panose="020B0604030504040204" pitchFamily="34" charset="-120"/>
-              </a:rPr>
-              <a:t>有以下行為</a:t>
-            </a:r>
-            <a:r>
-              <a:rPr lang="en-US" altLang="zh-TW" dirty="0">
-                <a:latin typeface="Consolas" panose="020B0609020204030204" pitchFamily="49" charset="0"/>
-                <a:ea typeface="微軟正黑體" panose="020B0604030504040204" pitchFamily="34" charset="-120"/>
-              </a:rPr>
-              <a:t>:</a:t>
-            </a:r>
-          </a:p>
-          <a:p>
-            <a:pPr marL="514350" indent="-514350">
-              <a:buFont typeface="+mj-lt"/>
-              <a:buAutoNum type="arabicPeriod"/>
-            </a:pPr>
-            <a:r>
-              <a:rPr lang="zh-TW" altLang="en-US" dirty="0">
-                <a:latin typeface="Consolas" panose="020B0609020204030204" pitchFamily="49" charset="0"/>
-                <a:ea typeface="微軟正黑體" panose="020B0604030504040204" pitchFamily="34" charset="-120"/>
-              </a:rPr>
-              <a:t>攻擊</a:t>
-            </a:r>
-            <a:endParaRPr lang="en-US" altLang="zh-TW" dirty="0">
-              <a:latin typeface="Consolas" panose="020B0609020204030204" pitchFamily="49" charset="0"/>
-              <a:ea typeface="微軟正黑體" panose="020B0604030504040204" pitchFamily="34" charset="-120"/>
-            </a:endParaRPr>
-          </a:p>
-          <a:p>
-            <a:pPr marL="457200" lvl="1" indent="0">
-              <a:buNone/>
-            </a:pPr>
-            <a:r>
-              <a:rPr lang="zh-TW" altLang="en-US" dirty="0">
-                <a:latin typeface="Consolas" panose="020B0609020204030204" pitchFamily="49" charset="0"/>
-                <a:ea typeface="微軟正黑體" panose="020B0604030504040204" pitchFamily="34" charset="-120"/>
-              </a:rPr>
-              <a:t>隨機攻擊周圍</a:t>
-            </a:r>
-            <a:r>
-              <a:rPr lang="en-US" altLang="zh-TW" dirty="0">
-                <a:latin typeface="Consolas" panose="020B0609020204030204" pitchFamily="49" charset="0"/>
-                <a:ea typeface="微軟正黑體" panose="020B0604030504040204" pitchFamily="34" charset="-120"/>
-              </a:rPr>
-              <a:t>Slimes</a:t>
-            </a:r>
-            <a:r>
-              <a:rPr lang="zh-TW" altLang="en-US" dirty="0">
-                <a:latin typeface="Consolas" panose="020B0609020204030204" pitchFamily="49" charset="0"/>
-                <a:ea typeface="微軟正黑體" panose="020B0604030504040204" pitchFamily="34" charset="-120"/>
-              </a:rPr>
-              <a:t>。</a:t>
-            </a:r>
-            <a:endParaRPr lang="en-US" altLang="zh-TW" dirty="0">
-              <a:latin typeface="Consolas" panose="020B0609020204030204" pitchFamily="49" charset="0"/>
-              <a:ea typeface="微軟正黑體" panose="020B0604030504040204" pitchFamily="34" charset="-120"/>
-            </a:endParaRPr>
-          </a:p>
-          <a:p>
-            <a:pPr marL="457200" lvl="1" indent="0">
-              <a:buNone/>
-            </a:pPr>
-            <a:r>
-              <a:rPr lang="zh-TW" altLang="en-US" dirty="0">
-                <a:latin typeface="Consolas" panose="020B0609020204030204" pitchFamily="49" charset="0"/>
-                <a:ea typeface="微軟正黑體" panose="020B0604030504040204" pitchFamily="34" charset="-120"/>
-              </a:rPr>
-              <a:t>攻擊造成的傷害為</a:t>
-            </a:r>
-            <a:r>
-              <a:rPr lang="en-US" altLang="zh-TW" dirty="0">
-                <a:latin typeface="Consolas" panose="020B0609020204030204" pitchFamily="49" charset="0"/>
-                <a:ea typeface="微軟正黑體" panose="020B0604030504040204" pitchFamily="34" charset="-120"/>
-              </a:rPr>
-              <a:t>:</a:t>
-            </a:r>
-            <a:r>
-              <a:rPr lang="zh-TW" altLang="en-US" dirty="0">
-                <a:latin typeface="Consolas" panose="020B0609020204030204" pitchFamily="49" charset="0"/>
-                <a:ea typeface="微軟正黑體" panose="020B0604030504040204" pitchFamily="34" charset="-120"/>
-              </a:rPr>
-              <a:t> </a:t>
-            </a:r>
-            <a:endParaRPr lang="en-US" altLang="zh-TW" dirty="0">
-              <a:latin typeface="Consolas" panose="020B0609020204030204" pitchFamily="49" charset="0"/>
-              <a:ea typeface="微軟正黑體" panose="020B0604030504040204" pitchFamily="34" charset="-120"/>
-            </a:endParaRPr>
-          </a:p>
-          <a:p>
-            <a:pPr marL="457200" lvl="1" indent="0">
-              <a:buNone/>
-            </a:pPr>
-            <a:r>
-              <a:rPr lang="en-US" altLang="zh-TW" sz="2400" b="0" dirty="0" err="1">
-                <a:solidFill>
-                  <a:srgbClr val="DCDCCC"/>
-                </a:solidFill>
-                <a:latin typeface="Consolas" panose="020B0609020204030204" pitchFamily="49" charset="0"/>
-              </a:rPr>
-              <a:t>self</a:t>
-            </a:r>
-            <a:r>
-              <a:rPr lang="en-US" altLang="zh-TW" sz="2400" b="1" dirty="0" err="1">
-                <a:solidFill>
-                  <a:srgbClr val="9F9D6D"/>
-                </a:solidFill>
-                <a:latin typeface="Consolas" panose="020B0609020204030204" pitchFamily="49" charset="0"/>
-              </a:rPr>
-              <a:t>.</a:t>
-            </a:r>
-            <a:r>
-              <a:rPr lang="en-US" altLang="zh-TW" sz="2400" b="0" dirty="0" err="1">
-                <a:solidFill>
-                  <a:srgbClr val="DCDCCC"/>
-                </a:solidFill>
-                <a:latin typeface="Consolas" panose="020B0609020204030204" pitchFamily="49" charset="0"/>
-              </a:rPr>
-              <a:t>atk</a:t>
-            </a:r>
-            <a:r>
-              <a:rPr lang="en-US" altLang="zh-TW" sz="2400" b="0" dirty="0">
-                <a:solidFill>
-                  <a:srgbClr val="DCDCCC"/>
-                </a:solidFill>
-                <a:latin typeface="Consolas" panose="020B0609020204030204" pitchFamily="49" charset="0"/>
-              </a:rPr>
-              <a:t> </a:t>
-            </a:r>
-            <a:r>
-              <a:rPr lang="en-US" altLang="zh-TW" sz="2400" b="1" dirty="0">
-                <a:solidFill>
-                  <a:srgbClr val="9F9D6D"/>
-                </a:solidFill>
-                <a:latin typeface="Consolas" panose="020B0609020204030204" pitchFamily="49" charset="0"/>
-              </a:rPr>
-              <a:t>*</a:t>
-            </a:r>
-            <a:r>
-              <a:rPr lang="en-US" altLang="zh-TW" sz="2400" b="0" dirty="0">
-                <a:solidFill>
-                  <a:srgbClr val="DCDCCC"/>
-                </a:solidFill>
-                <a:latin typeface="Consolas" panose="020B0609020204030204" pitchFamily="49" charset="0"/>
-              </a:rPr>
-              <a:t> </a:t>
-            </a:r>
-            <a:r>
-              <a:rPr lang="en-US" altLang="zh-TW" sz="2400" b="1" dirty="0">
-                <a:solidFill>
-                  <a:srgbClr val="9F9D6D"/>
-                </a:solidFill>
-                <a:latin typeface="Consolas" panose="020B0609020204030204" pitchFamily="49" charset="0"/>
-              </a:rPr>
-              <a:t>(</a:t>
-            </a:r>
-            <a:r>
-              <a:rPr lang="en-US" altLang="zh-TW" sz="2400" b="0" dirty="0" err="1">
-                <a:solidFill>
-                  <a:srgbClr val="DCDCCC"/>
-                </a:solidFill>
-                <a:latin typeface="Consolas" panose="020B0609020204030204" pitchFamily="49" charset="0"/>
-              </a:rPr>
-              <a:t>other</a:t>
-            </a:r>
-            <a:r>
-              <a:rPr lang="en-US" altLang="zh-TW" sz="2400" b="1" dirty="0" err="1">
-                <a:solidFill>
-                  <a:srgbClr val="9F9D6D"/>
-                </a:solidFill>
-                <a:latin typeface="Consolas" panose="020B0609020204030204" pitchFamily="49" charset="0"/>
-              </a:rPr>
-              <a:t>.</a:t>
-            </a:r>
-            <a:r>
-              <a:rPr lang="en-US" altLang="zh-TW" sz="2400" b="0" dirty="0" err="1">
-                <a:solidFill>
-                  <a:srgbClr val="DCDCCC"/>
-                </a:solidFill>
-                <a:latin typeface="Consolas" panose="020B0609020204030204" pitchFamily="49" charset="0"/>
-              </a:rPr>
-              <a:t>defen</a:t>
-            </a:r>
-            <a:r>
-              <a:rPr lang="en-US" altLang="zh-TW" sz="2400" b="0" dirty="0">
-                <a:solidFill>
-                  <a:srgbClr val="DCDCCC"/>
-                </a:solidFill>
-                <a:latin typeface="Consolas" panose="020B0609020204030204" pitchFamily="49" charset="0"/>
-              </a:rPr>
-              <a:t> </a:t>
-            </a:r>
-            <a:r>
-              <a:rPr lang="en-US" altLang="zh-TW" sz="2400" b="1" dirty="0">
-                <a:solidFill>
-                  <a:srgbClr val="9F9D6D"/>
-                </a:solidFill>
-                <a:latin typeface="Consolas" panose="020B0609020204030204" pitchFamily="49" charset="0"/>
-              </a:rPr>
-              <a:t>/</a:t>
-            </a:r>
-            <a:r>
-              <a:rPr lang="en-US" altLang="zh-TW" sz="2400" b="0" dirty="0">
-                <a:solidFill>
-                  <a:srgbClr val="DCDCCC"/>
-                </a:solidFill>
-                <a:latin typeface="Consolas" panose="020B0609020204030204" pitchFamily="49" charset="0"/>
-              </a:rPr>
-              <a:t> </a:t>
-            </a:r>
-            <a:r>
-              <a:rPr lang="en-US" altLang="zh-TW" sz="2400" b="1" dirty="0">
-                <a:solidFill>
-                  <a:srgbClr val="9F9D6D"/>
-                </a:solidFill>
-                <a:latin typeface="Consolas" panose="020B0609020204030204" pitchFamily="49" charset="0"/>
-              </a:rPr>
-              <a:t>(</a:t>
-            </a:r>
-            <a:r>
-              <a:rPr lang="en-US" altLang="zh-TW" sz="2400" b="0" dirty="0">
-                <a:solidFill>
-                  <a:srgbClr val="DCDCCC"/>
-                </a:solidFill>
-                <a:latin typeface="Consolas" panose="020B0609020204030204" pitchFamily="49" charset="0"/>
-              </a:rPr>
-              <a:t>other</a:t>
-            </a:r>
-            <a:r>
-              <a:rPr lang="en-US" altLang="zh-TW" sz="2400" b="1" dirty="0">
-                <a:solidFill>
-                  <a:srgbClr val="9F9D6D"/>
-                </a:solidFill>
-                <a:latin typeface="Consolas" panose="020B0609020204030204" pitchFamily="49" charset="0"/>
-              </a:rPr>
-              <a:t>.</a:t>
-            </a:r>
-            <a:r>
-              <a:rPr lang="en-US" altLang="zh-TW" sz="2400" b="0" dirty="0">
-                <a:solidFill>
-                  <a:srgbClr val="DCDCCC"/>
-                </a:solidFill>
-                <a:latin typeface="Consolas" panose="020B0609020204030204" pitchFamily="49" charset="0"/>
-              </a:rPr>
-              <a:t>defen</a:t>
-            </a:r>
-            <a:r>
-              <a:rPr lang="en-US" altLang="zh-TW" sz="2400" b="1" dirty="0">
-                <a:solidFill>
-                  <a:srgbClr val="9F9D6D"/>
-                </a:solidFill>
-                <a:latin typeface="Consolas" panose="020B0609020204030204" pitchFamily="49" charset="0"/>
-              </a:rPr>
-              <a:t>+</a:t>
-            </a:r>
-            <a:r>
-              <a:rPr lang="en-US" altLang="zh-TW" sz="2400" b="0" dirty="0">
-                <a:solidFill>
-                  <a:srgbClr val="8CD0D3"/>
-                </a:solidFill>
-                <a:latin typeface="Consolas" panose="020B0609020204030204" pitchFamily="49" charset="0"/>
-              </a:rPr>
-              <a:t>100</a:t>
-            </a:r>
-            <a:r>
-              <a:rPr lang="en-US" altLang="zh-TW" sz="2400" b="1" dirty="0">
-                <a:solidFill>
-                  <a:srgbClr val="9F9D6D"/>
-                </a:solidFill>
-                <a:latin typeface="Consolas" panose="020B0609020204030204" pitchFamily="49" charset="0"/>
-              </a:rPr>
-              <a:t>))</a:t>
-            </a:r>
-            <a:endParaRPr lang="en-US" altLang="zh-TW" dirty="0">
-              <a:latin typeface="Consolas" panose="020B0609020204030204" pitchFamily="49" charset="0"/>
-              <a:ea typeface="微軟正黑體" panose="020B0604030504040204" pitchFamily="34" charset="-120"/>
-            </a:endParaRPr>
-          </a:p>
-          <a:p>
-            <a:pPr marL="514350" indent="-514350">
-              <a:buFont typeface="+mj-lt"/>
-              <a:buAutoNum type="arabicPeriod"/>
-            </a:pPr>
-            <a:r>
-              <a:rPr lang="zh-TW" altLang="en-US" dirty="0">
-                <a:latin typeface="Consolas" panose="020B0609020204030204" pitchFamily="49" charset="0"/>
-                <a:ea typeface="微軟正黑體" panose="020B0604030504040204" pitchFamily="34" charset="-120"/>
-              </a:rPr>
-              <a:t>合併</a:t>
-            </a:r>
-            <a:endParaRPr lang="en-US" altLang="zh-TW" dirty="0">
-              <a:latin typeface="Consolas" panose="020B0609020204030204" pitchFamily="49" charset="0"/>
-              <a:ea typeface="微軟正黑體" panose="020B0604030504040204" pitchFamily="34" charset="-120"/>
-            </a:endParaRPr>
-          </a:p>
-          <a:p>
-            <a:pPr marL="514350" indent="-514350">
-              <a:buFont typeface="+mj-lt"/>
-              <a:buAutoNum type="arabicPeriod"/>
-            </a:pPr>
-            <a:r>
-              <a:rPr lang="zh-TW" altLang="en-US" dirty="0">
-                <a:latin typeface="Consolas" panose="020B0609020204030204" pitchFamily="49" charset="0"/>
-                <a:ea typeface="微軟正黑體" panose="020B0604030504040204" pitchFamily="34" charset="-120"/>
-              </a:rPr>
-              <a:t>分裂</a:t>
-            </a:r>
-            <a:endParaRPr lang="en-US" altLang="zh-TW" dirty="0">
-              <a:latin typeface="Consolas" panose="020B0609020204030204" pitchFamily="49" charset="0"/>
-              <a:ea typeface="微軟正黑體" panose="020B0604030504040204" pitchFamily="34" charset="-120"/>
-            </a:endParaRPr>
-          </a:p>
-          <a:p>
-            <a:pPr marL="514350" indent="-514350">
-              <a:buFont typeface="+mj-lt"/>
-              <a:buAutoNum type="arabicPeriod"/>
-            </a:pPr>
-            <a:r>
-              <a:rPr lang="zh-TW" altLang="en-US" dirty="0">
-                <a:latin typeface="Consolas" panose="020B0609020204030204" pitchFamily="49" charset="0"/>
-                <a:ea typeface="微軟正黑體" panose="020B0604030504040204" pitchFamily="34" charset="-120"/>
-              </a:rPr>
-              <a:t>複製</a:t>
-            </a:r>
-            <a:endParaRPr lang="en-US" altLang="zh-TW" dirty="0">
-              <a:latin typeface="Consolas" panose="020B0609020204030204" pitchFamily="49" charset="0"/>
-              <a:ea typeface="微軟正黑體" panose="020B0604030504040204" pitchFamily="34" charset="-120"/>
-            </a:endParaRPr>
-          </a:p>
-        </p:txBody>
-      </p:sp>
-    </p:spTree>
-    <p:extLst>
-      <p:ext uri="{BB962C8B-B14F-4D97-AF65-F5344CB8AC3E}">
-        <p14:creationId xmlns:p14="http://schemas.microsoft.com/office/powerpoint/2010/main" val="1122865229"/>
-      </p:ext>
-    </p:extLst>
-  </p:cSld>
-  <p:clrMapOvr>
-    <a:masterClrMapping/>
-  </p:clrMapOvr>
-</p:sld>
-</file>
-
-<file path=ppt/slides/slide50.xml><?xml version="1.0" encoding="utf-8"?>
+<file path=ppt/slides/slide58.xml><?xml version="1.0" encoding="utf-8"?>
 <p:sld xmlns:a="http://schemas.openxmlformats.org/drawingml/2006/main" xmlns:r="http://schemas.openxmlformats.org/officeDocument/2006/relationships" xmlns:p="http://schemas.openxmlformats.org/presentationml/2006/main">
   <p:cSld>
     <p:spTree>
@@ -15012,7 +16652,7 @@
 </p:sld>
 </file>
 
-<file path=ppt/slides/slide51.xml><?xml version="1.0" encoding="utf-8"?>
+<file path=ppt/slides/slide59.xml><?xml version="1.0" encoding="utf-8"?>
 <p:sld xmlns:a="http://schemas.openxmlformats.org/drawingml/2006/main" xmlns:r="http://schemas.openxmlformats.org/officeDocument/2006/relationships" xmlns:p="http://schemas.openxmlformats.org/presentationml/2006/main">
   <p:cSld>
     <p:spTree>
@@ -15770,1026 +17410,6 @@
     <p:extLst>
       <p:ext uri="{BB962C8B-B14F-4D97-AF65-F5344CB8AC3E}">
         <p14:creationId xmlns:p14="http://schemas.microsoft.com/office/powerpoint/2010/main" val="3052308756"/>
-      </p:ext>
-    </p:extLst>
-  </p:cSld>
-  <p:clrMapOvr>
-    <a:masterClrMapping/>
-  </p:clrMapOvr>
-</p:sld>
-</file>
-
-<file path=ppt/slides/slide52.xml><?xml version="1.0" encoding="utf-8"?>
-<p:sld xmlns:a="http://schemas.openxmlformats.org/drawingml/2006/main" xmlns:r="http://schemas.openxmlformats.org/officeDocument/2006/relationships" xmlns:p="http://schemas.openxmlformats.org/presentationml/2006/main">
-  <p:cSld>
-    <p:spTree>
-      <p:nvGrpSpPr>
-        <p:cNvPr id="1" name=""/>
-        <p:cNvGrpSpPr/>
-        <p:nvPr/>
-      </p:nvGrpSpPr>
-      <p:grpSpPr>
-        <a:xfrm>
-          <a:off x="0" y="0"/>
-          <a:ext cx="0" cy="0"/>
-          <a:chOff x="0" y="0"/>
-          <a:chExt cx="0" cy="0"/>
-        </a:xfrm>
-      </p:grpSpPr>
-      <p:sp>
-        <p:nvSpPr>
-          <p:cNvPr id="2" name="標題 1">
-            <a:extLst>
-              <a:ext uri="{FF2B5EF4-FFF2-40B4-BE49-F238E27FC236}">
-                <a16:creationId xmlns:a16="http://schemas.microsoft.com/office/drawing/2014/main" id="{F7D191AA-328B-7761-E0E0-B769F5F66242}"/>
-              </a:ext>
-            </a:extLst>
-          </p:cNvPr>
-          <p:cNvSpPr>
-            <a:spLocks noGrp="1"/>
-          </p:cNvSpPr>
-          <p:nvPr>
-            <p:ph type="title"/>
-          </p:nvPr>
-        </p:nvSpPr>
-        <p:spPr/>
-        <p:txBody>
-          <a:bodyPr/>
-          <a:lstStyle/>
-          <a:p>
-            <a:r>
-              <a:rPr lang="en-US" altLang="zh-TW" dirty="0">
-                <a:latin typeface="Consolas" panose="020B0609020204030204" pitchFamily="49" charset="0"/>
-                <a:ea typeface="微軟正黑體" panose="020B0604030504040204" pitchFamily="34" charset="-120"/>
-              </a:rPr>
-              <a:t>0/1</a:t>
-            </a:r>
-            <a:r>
-              <a:rPr lang="zh-TW" altLang="en-US" dirty="0">
-                <a:latin typeface="Consolas" panose="020B0609020204030204" pitchFamily="49" charset="0"/>
-                <a:ea typeface="微軟正黑體" panose="020B0604030504040204" pitchFamily="34" charset="-120"/>
-              </a:rPr>
-              <a:t> </a:t>
-            </a:r>
-            <a:r>
-              <a:rPr lang="en-US" altLang="zh-TW" dirty="0">
-                <a:latin typeface="Consolas" panose="020B0609020204030204" pitchFamily="49" charset="0"/>
-                <a:ea typeface="微軟正黑體" panose="020B0604030504040204" pitchFamily="34" charset="-120"/>
-              </a:rPr>
-              <a:t>knapsack</a:t>
-            </a:r>
-            <a:r>
-              <a:rPr lang="zh-TW" altLang="en-US" dirty="0">
-                <a:latin typeface="Consolas" panose="020B0609020204030204" pitchFamily="49" charset="0"/>
-                <a:ea typeface="微軟正黑體" panose="020B0604030504040204" pitchFamily="34" charset="-120"/>
-              </a:rPr>
-              <a:t> </a:t>
-            </a:r>
-            <a:r>
-              <a:rPr lang="en-US" altLang="zh-TW" dirty="0">
-                <a:latin typeface="Consolas" panose="020B0609020204030204" pitchFamily="49" charset="0"/>
-                <a:ea typeface="微軟正黑體" panose="020B0604030504040204" pitchFamily="34" charset="-120"/>
-              </a:rPr>
-              <a:t>– test 1</a:t>
-            </a:r>
-            <a:endParaRPr lang="zh-TW" altLang="en-US" dirty="0"/>
-          </a:p>
-        </p:txBody>
-      </p:sp>
-      <p:sp>
-        <p:nvSpPr>
-          <p:cNvPr id="9" name="文字方塊 8">
-            <a:extLst>
-              <a:ext uri="{FF2B5EF4-FFF2-40B4-BE49-F238E27FC236}">
-                <a16:creationId xmlns:a16="http://schemas.microsoft.com/office/drawing/2014/main" id="{AB809718-8A26-937A-E048-F143B188F1C8}"/>
-              </a:ext>
-            </a:extLst>
-          </p:cNvPr>
-          <p:cNvSpPr txBox="1"/>
-          <p:nvPr/>
-        </p:nvSpPr>
-        <p:spPr>
-          <a:xfrm>
-            <a:off x="838200" y="1690688"/>
-            <a:ext cx="6096000" cy="1384995"/>
-          </a:xfrm>
-          <a:prstGeom prst="rect">
-            <a:avLst/>
-          </a:prstGeom>
-          <a:noFill/>
-        </p:spPr>
-        <p:txBody>
-          <a:bodyPr wrap="square">
-            <a:spAutoFit/>
-          </a:bodyPr>
-          <a:lstStyle/>
-          <a:p>
-            <a:r>
-              <a:rPr lang="zh-TW" altLang="en-US" sz="2800" dirty="0">
-                <a:latin typeface="Consolas" panose="020B0609020204030204" pitchFamily="49" charset="0"/>
-              </a:rPr>
-              <a:t>5 15</a:t>
-            </a:r>
-          </a:p>
-          <a:p>
-            <a:r>
-              <a:rPr lang="zh-TW" altLang="en-US" sz="2800" dirty="0">
-                <a:latin typeface="Consolas" panose="020B0609020204030204" pitchFamily="49" charset="0"/>
-              </a:rPr>
-              <a:t>5 4 7 2 6</a:t>
-            </a:r>
-          </a:p>
-          <a:p>
-            <a:r>
-              <a:rPr lang="zh-TW" altLang="en-US" sz="2800" dirty="0">
-                <a:latin typeface="Consolas" panose="020B0609020204030204" pitchFamily="49" charset="0"/>
-              </a:rPr>
-              <a:t>12 3 10 3 6</a:t>
-            </a:r>
-          </a:p>
-        </p:txBody>
-      </p:sp>
-    </p:spTree>
-    <p:extLst>
-      <p:ext uri="{BB962C8B-B14F-4D97-AF65-F5344CB8AC3E}">
-        <p14:creationId xmlns:p14="http://schemas.microsoft.com/office/powerpoint/2010/main" val="703491417"/>
-      </p:ext>
-    </p:extLst>
-  </p:cSld>
-  <p:clrMapOvr>
-    <a:masterClrMapping/>
-  </p:clrMapOvr>
-</p:sld>
-</file>
-
-<file path=ppt/slides/slide53.xml><?xml version="1.0" encoding="utf-8"?>
-<p:sld xmlns:a="http://schemas.openxmlformats.org/drawingml/2006/main" xmlns:r="http://schemas.openxmlformats.org/officeDocument/2006/relationships" xmlns:p="http://schemas.openxmlformats.org/presentationml/2006/main">
-  <p:cSld>
-    <p:spTree>
-      <p:nvGrpSpPr>
-        <p:cNvPr id="1" name=""/>
-        <p:cNvGrpSpPr/>
-        <p:nvPr/>
-      </p:nvGrpSpPr>
-      <p:grpSpPr>
-        <a:xfrm>
-          <a:off x="0" y="0"/>
-          <a:ext cx="0" cy="0"/>
-          <a:chOff x="0" y="0"/>
-          <a:chExt cx="0" cy="0"/>
-        </a:xfrm>
-      </p:grpSpPr>
-      <p:sp>
-        <p:nvSpPr>
-          <p:cNvPr id="2" name="標題 1">
-            <a:extLst>
-              <a:ext uri="{FF2B5EF4-FFF2-40B4-BE49-F238E27FC236}">
-                <a16:creationId xmlns:a16="http://schemas.microsoft.com/office/drawing/2014/main" id="{F7D191AA-328B-7761-E0E0-B769F5F66242}"/>
-              </a:ext>
-            </a:extLst>
-          </p:cNvPr>
-          <p:cNvSpPr>
-            <a:spLocks noGrp="1"/>
-          </p:cNvSpPr>
-          <p:nvPr>
-            <p:ph type="title"/>
-          </p:nvPr>
-        </p:nvSpPr>
-        <p:spPr/>
-        <p:txBody>
-          <a:bodyPr/>
-          <a:lstStyle/>
-          <a:p>
-            <a:r>
-              <a:rPr lang="en-US" altLang="zh-TW" dirty="0">
-                <a:latin typeface="Consolas" panose="020B0609020204030204" pitchFamily="49" charset="0"/>
-                <a:ea typeface="微軟正黑體" panose="020B0604030504040204" pitchFamily="34" charset="-120"/>
-              </a:rPr>
-              <a:t>0/1</a:t>
-            </a:r>
-            <a:r>
-              <a:rPr lang="zh-TW" altLang="en-US" dirty="0">
-                <a:latin typeface="Consolas" panose="020B0609020204030204" pitchFamily="49" charset="0"/>
-                <a:ea typeface="微軟正黑體" panose="020B0604030504040204" pitchFamily="34" charset="-120"/>
-              </a:rPr>
-              <a:t> </a:t>
-            </a:r>
-            <a:r>
-              <a:rPr lang="en-US" altLang="zh-TW" dirty="0">
-                <a:latin typeface="Consolas" panose="020B0609020204030204" pitchFamily="49" charset="0"/>
-                <a:ea typeface="微軟正黑體" panose="020B0604030504040204" pitchFamily="34" charset="-120"/>
-              </a:rPr>
-              <a:t>knapsack</a:t>
-            </a:r>
-            <a:r>
-              <a:rPr lang="zh-TW" altLang="en-US" dirty="0">
-                <a:latin typeface="Consolas" panose="020B0609020204030204" pitchFamily="49" charset="0"/>
-                <a:ea typeface="微軟正黑體" panose="020B0604030504040204" pitchFamily="34" charset="-120"/>
-              </a:rPr>
-              <a:t> </a:t>
-            </a:r>
-            <a:r>
-              <a:rPr lang="en-US" altLang="zh-TW" dirty="0">
-                <a:latin typeface="Consolas" panose="020B0609020204030204" pitchFamily="49" charset="0"/>
-                <a:ea typeface="微軟正黑體" panose="020B0604030504040204" pitchFamily="34" charset="-120"/>
-              </a:rPr>
-              <a:t>– test 1</a:t>
-            </a:r>
-            <a:endParaRPr lang="zh-TW" altLang="en-US" dirty="0"/>
-          </a:p>
-        </p:txBody>
-      </p:sp>
-      <p:pic>
-        <p:nvPicPr>
-          <p:cNvPr id="4" name="圖片 3">
-            <a:extLst>
-              <a:ext uri="{FF2B5EF4-FFF2-40B4-BE49-F238E27FC236}">
-                <a16:creationId xmlns:a16="http://schemas.microsoft.com/office/drawing/2014/main" id="{F715EF78-C59A-2901-4310-0D99A0B2C448}"/>
-              </a:ext>
-            </a:extLst>
-          </p:cNvPr>
-          <p:cNvPicPr>
-            <a:picLocks noChangeAspect="1"/>
-          </p:cNvPicPr>
-          <p:nvPr/>
-        </p:nvPicPr>
-        <p:blipFill>
-          <a:blip r:embed="rId2">
-            <a:extLst>
-              <a:ext uri="{28A0092B-C50C-407E-A947-70E740481C1C}">
-                <a14:useLocalDpi xmlns:a14="http://schemas.microsoft.com/office/drawing/2010/main" val="0"/>
-              </a:ext>
-            </a:extLst>
-          </a:blip>
-          <a:stretch>
-            <a:fillRect/>
-          </a:stretch>
-        </p:blipFill>
-        <p:spPr>
-          <a:xfrm>
-            <a:off x="3169914" y="1690688"/>
-            <a:ext cx="5852172" cy="4389129"/>
-          </a:xfrm>
-          <a:prstGeom prst="rect">
-            <a:avLst/>
-          </a:prstGeom>
-        </p:spPr>
-      </p:pic>
-    </p:spTree>
-    <p:extLst>
-      <p:ext uri="{BB962C8B-B14F-4D97-AF65-F5344CB8AC3E}">
-        <p14:creationId xmlns:p14="http://schemas.microsoft.com/office/powerpoint/2010/main" val="1348935730"/>
-      </p:ext>
-    </p:extLst>
-  </p:cSld>
-  <p:clrMapOvr>
-    <a:masterClrMapping/>
-  </p:clrMapOvr>
-</p:sld>
-</file>
-
-<file path=ppt/slides/slide54.xml><?xml version="1.0" encoding="utf-8"?>
-<p:sld xmlns:a="http://schemas.openxmlformats.org/drawingml/2006/main" xmlns:r="http://schemas.openxmlformats.org/officeDocument/2006/relationships" xmlns:p="http://schemas.openxmlformats.org/presentationml/2006/main">
-  <p:cSld>
-    <p:spTree>
-      <p:nvGrpSpPr>
-        <p:cNvPr id="1" name=""/>
-        <p:cNvGrpSpPr/>
-        <p:nvPr/>
-      </p:nvGrpSpPr>
-      <p:grpSpPr>
-        <a:xfrm>
-          <a:off x="0" y="0"/>
-          <a:ext cx="0" cy="0"/>
-          <a:chOff x="0" y="0"/>
-          <a:chExt cx="0" cy="0"/>
-        </a:xfrm>
-      </p:grpSpPr>
-      <p:sp>
-        <p:nvSpPr>
-          <p:cNvPr id="2" name="標題 1">
-            <a:extLst>
-              <a:ext uri="{FF2B5EF4-FFF2-40B4-BE49-F238E27FC236}">
-                <a16:creationId xmlns:a16="http://schemas.microsoft.com/office/drawing/2014/main" id="{B34D58BC-D44A-98ED-2561-BBB54A60864E}"/>
-              </a:ext>
-            </a:extLst>
-          </p:cNvPr>
-          <p:cNvSpPr>
-            <a:spLocks noGrp="1"/>
-          </p:cNvSpPr>
-          <p:nvPr>
-            <p:ph type="title"/>
-          </p:nvPr>
-        </p:nvSpPr>
-        <p:spPr/>
-        <p:txBody>
-          <a:bodyPr/>
-          <a:lstStyle/>
-          <a:p>
-            <a:r>
-              <a:rPr lang="en-US" altLang="zh-TW" dirty="0">
-                <a:latin typeface="Consolas" panose="020B0609020204030204" pitchFamily="49" charset="0"/>
-                <a:ea typeface="微軟正黑體" panose="020B0604030504040204" pitchFamily="34" charset="-120"/>
-              </a:rPr>
-              <a:t>0/1</a:t>
-            </a:r>
-            <a:r>
-              <a:rPr lang="zh-TW" altLang="en-US" dirty="0">
-                <a:latin typeface="Consolas" panose="020B0609020204030204" pitchFamily="49" charset="0"/>
-                <a:ea typeface="微軟正黑體" panose="020B0604030504040204" pitchFamily="34" charset="-120"/>
-              </a:rPr>
-              <a:t> </a:t>
-            </a:r>
-            <a:r>
-              <a:rPr lang="en-US" altLang="zh-TW" dirty="0">
-                <a:latin typeface="Consolas" panose="020B0609020204030204" pitchFamily="49" charset="0"/>
-                <a:ea typeface="微軟正黑體" panose="020B0604030504040204" pitchFamily="34" charset="-120"/>
-              </a:rPr>
-              <a:t>knapsack – test 2</a:t>
-            </a:r>
-            <a:endParaRPr lang="zh-TW" altLang="en-US" dirty="0">
-              <a:latin typeface="Consolas" panose="020B0609020204030204" pitchFamily="49" charset="0"/>
-              <a:ea typeface="微軟正黑體" panose="020B0604030504040204" pitchFamily="34" charset="-120"/>
-            </a:endParaRPr>
-          </a:p>
-        </p:txBody>
-      </p:sp>
-      <p:sp>
-        <p:nvSpPr>
-          <p:cNvPr id="6" name="文字方塊 5">
-            <a:extLst>
-              <a:ext uri="{FF2B5EF4-FFF2-40B4-BE49-F238E27FC236}">
-                <a16:creationId xmlns:a16="http://schemas.microsoft.com/office/drawing/2014/main" id="{D7C95DE0-E7DA-584D-19F5-987C8BD3100A}"/>
-              </a:ext>
-            </a:extLst>
-          </p:cNvPr>
-          <p:cNvSpPr txBox="1"/>
-          <p:nvPr/>
-        </p:nvSpPr>
-        <p:spPr>
-          <a:xfrm>
-            <a:off x="838200" y="1690688"/>
-            <a:ext cx="10972800" cy="2246769"/>
-          </a:xfrm>
-          <a:prstGeom prst="rect">
-            <a:avLst/>
-          </a:prstGeom>
-          <a:noFill/>
-        </p:spPr>
-        <p:txBody>
-          <a:bodyPr wrap="square">
-            <a:spAutoFit/>
-          </a:bodyPr>
-          <a:lstStyle/>
-          <a:p>
-            <a:r>
-              <a:rPr lang="en-US" altLang="zh-TW" sz="2800" dirty="0">
-                <a:latin typeface="Consolas" panose="020B0609020204030204" pitchFamily="49" charset="0"/>
-              </a:rPr>
-              <a:t>25 15</a:t>
-            </a:r>
-          </a:p>
-          <a:p>
-            <a:r>
-              <a:rPr lang="en-US" altLang="zh-TW" sz="2800" dirty="0">
-                <a:latin typeface="Consolas" panose="020B0609020204030204" pitchFamily="49" charset="0"/>
-              </a:rPr>
-              <a:t>5 4 6 8 9 8  9 1 6 8 77  6  2 6 9 12 89 88 1  3 6 746 21 5  4</a:t>
-            </a:r>
-          </a:p>
-          <a:p>
-            <a:r>
-              <a:rPr lang="en-US" altLang="zh-TW" sz="2800" dirty="0">
-                <a:latin typeface="Consolas" panose="020B0609020204030204" pitchFamily="49" charset="0"/>
-              </a:rPr>
-              <a:t>1 3 6 7 1 5 99 5 6 9  5 66 32 6 6 99  1  1 3 45 8 655  6 5 88</a:t>
-            </a:r>
-          </a:p>
-        </p:txBody>
-      </p:sp>
-    </p:spTree>
-    <p:extLst>
-      <p:ext uri="{BB962C8B-B14F-4D97-AF65-F5344CB8AC3E}">
-        <p14:creationId xmlns:p14="http://schemas.microsoft.com/office/powerpoint/2010/main" val="530538027"/>
-      </p:ext>
-    </p:extLst>
-  </p:cSld>
-  <p:clrMapOvr>
-    <a:masterClrMapping/>
-  </p:clrMapOvr>
-</p:sld>
-</file>
-
-<file path=ppt/slides/slide55.xml><?xml version="1.0" encoding="utf-8"?>
-<p:sld xmlns:a="http://schemas.openxmlformats.org/drawingml/2006/main" xmlns:r="http://schemas.openxmlformats.org/officeDocument/2006/relationships" xmlns:p="http://schemas.openxmlformats.org/presentationml/2006/main">
-  <p:cSld>
-    <p:spTree>
-      <p:nvGrpSpPr>
-        <p:cNvPr id="1" name=""/>
-        <p:cNvGrpSpPr/>
-        <p:nvPr/>
-      </p:nvGrpSpPr>
-      <p:grpSpPr>
-        <a:xfrm>
-          <a:off x="0" y="0"/>
-          <a:ext cx="0" cy="0"/>
-          <a:chOff x="0" y="0"/>
-          <a:chExt cx="0" cy="0"/>
-        </a:xfrm>
-      </p:grpSpPr>
-      <p:sp>
-        <p:nvSpPr>
-          <p:cNvPr id="2" name="標題 1">
-            <a:extLst>
-              <a:ext uri="{FF2B5EF4-FFF2-40B4-BE49-F238E27FC236}">
-                <a16:creationId xmlns:a16="http://schemas.microsoft.com/office/drawing/2014/main" id="{B34D58BC-D44A-98ED-2561-BBB54A60864E}"/>
-              </a:ext>
-            </a:extLst>
-          </p:cNvPr>
-          <p:cNvSpPr>
-            <a:spLocks noGrp="1"/>
-          </p:cNvSpPr>
-          <p:nvPr>
-            <p:ph type="title"/>
-          </p:nvPr>
-        </p:nvSpPr>
-        <p:spPr/>
-        <p:txBody>
-          <a:bodyPr/>
-          <a:lstStyle/>
-          <a:p>
-            <a:r>
-              <a:rPr lang="en-US" altLang="zh-TW" dirty="0">
-                <a:latin typeface="Consolas" panose="020B0609020204030204" pitchFamily="49" charset="0"/>
-                <a:ea typeface="微軟正黑體" panose="020B0604030504040204" pitchFamily="34" charset="-120"/>
-              </a:rPr>
-              <a:t>0/1</a:t>
-            </a:r>
-            <a:r>
-              <a:rPr lang="zh-TW" altLang="en-US" dirty="0">
-                <a:latin typeface="Consolas" panose="020B0609020204030204" pitchFamily="49" charset="0"/>
-                <a:ea typeface="微軟正黑體" panose="020B0604030504040204" pitchFamily="34" charset="-120"/>
-              </a:rPr>
-              <a:t> </a:t>
-            </a:r>
-            <a:r>
-              <a:rPr lang="en-US" altLang="zh-TW" dirty="0">
-                <a:latin typeface="Consolas" panose="020B0609020204030204" pitchFamily="49" charset="0"/>
-                <a:ea typeface="微軟正黑體" panose="020B0604030504040204" pitchFamily="34" charset="-120"/>
-              </a:rPr>
-              <a:t>knapsack – test 2</a:t>
-            </a:r>
-            <a:endParaRPr lang="zh-TW" altLang="en-US" dirty="0">
-              <a:latin typeface="Consolas" panose="020B0609020204030204" pitchFamily="49" charset="0"/>
-              <a:ea typeface="微軟正黑體" panose="020B0604030504040204" pitchFamily="34" charset="-120"/>
-            </a:endParaRPr>
-          </a:p>
-        </p:txBody>
-      </p:sp>
-      <p:pic>
-        <p:nvPicPr>
-          <p:cNvPr id="5" name="圖片 4">
-            <a:extLst>
-              <a:ext uri="{FF2B5EF4-FFF2-40B4-BE49-F238E27FC236}">
-                <a16:creationId xmlns:a16="http://schemas.microsoft.com/office/drawing/2014/main" id="{8B1D98E0-2F43-9E7E-64F5-BBB5D9B9D8E1}"/>
-              </a:ext>
-            </a:extLst>
-          </p:cNvPr>
-          <p:cNvPicPr>
-            <a:picLocks noChangeAspect="1"/>
-          </p:cNvPicPr>
-          <p:nvPr/>
-        </p:nvPicPr>
-        <p:blipFill>
-          <a:blip r:embed="rId2">
-            <a:extLst>
-              <a:ext uri="{28A0092B-C50C-407E-A947-70E740481C1C}">
-                <a14:useLocalDpi xmlns:a14="http://schemas.microsoft.com/office/drawing/2010/main" val="0"/>
-              </a:ext>
-            </a:extLst>
-          </a:blip>
-          <a:stretch>
-            <a:fillRect/>
-          </a:stretch>
-        </p:blipFill>
-        <p:spPr>
-          <a:xfrm>
-            <a:off x="3169914" y="1690688"/>
-            <a:ext cx="5852172" cy="4389129"/>
-          </a:xfrm>
-          <a:prstGeom prst="rect">
-            <a:avLst/>
-          </a:prstGeom>
-        </p:spPr>
-      </p:pic>
-    </p:spTree>
-    <p:extLst>
-      <p:ext uri="{BB962C8B-B14F-4D97-AF65-F5344CB8AC3E}">
-        <p14:creationId xmlns:p14="http://schemas.microsoft.com/office/powerpoint/2010/main" val="3807693266"/>
-      </p:ext>
-    </p:extLst>
-  </p:cSld>
-  <p:clrMapOvr>
-    <a:masterClrMapping/>
-  </p:clrMapOvr>
-</p:sld>
-</file>
-
-<file path=ppt/slides/slide56.xml><?xml version="1.0" encoding="utf-8"?>
-<p:sld xmlns:a="http://schemas.openxmlformats.org/drawingml/2006/main" xmlns:r="http://schemas.openxmlformats.org/officeDocument/2006/relationships" xmlns:p="http://schemas.openxmlformats.org/presentationml/2006/main">
-  <p:cSld>
-    <p:spTree>
-      <p:nvGrpSpPr>
-        <p:cNvPr id="1" name=""/>
-        <p:cNvGrpSpPr/>
-        <p:nvPr/>
-      </p:nvGrpSpPr>
-      <p:grpSpPr>
-        <a:xfrm>
-          <a:off x="0" y="0"/>
-          <a:ext cx="0" cy="0"/>
-          <a:chOff x="0" y="0"/>
-          <a:chExt cx="0" cy="0"/>
-        </a:xfrm>
-      </p:grpSpPr>
-      <p:sp>
-        <p:nvSpPr>
-          <p:cNvPr id="2" name="標題 1">
-            <a:extLst>
-              <a:ext uri="{FF2B5EF4-FFF2-40B4-BE49-F238E27FC236}">
-                <a16:creationId xmlns:a16="http://schemas.microsoft.com/office/drawing/2014/main" id="{B34D58BC-D44A-98ED-2561-BBB54A60864E}"/>
-              </a:ext>
-            </a:extLst>
-          </p:cNvPr>
-          <p:cNvSpPr>
-            <a:spLocks noGrp="1"/>
-          </p:cNvSpPr>
-          <p:nvPr>
-            <p:ph type="title"/>
-          </p:nvPr>
-        </p:nvSpPr>
-        <p:spPr/>
-        <p:txBody>
-          <a:bodyPr/>
-          <a:lstStyle/>
-          <a:p>
-            <a:r>
-              <a:rPr lang="en-US" altLang="zh-TW" dirty="0">
-                <a:latin typeface="Consolas" panose="020B0609020204030204" pitchFamily="49" charset="0"/>
-                <a:ea typeface="微軟正黑體" panose="020B0604030504040204" pitchFamily="34" charset="-120"/>
-              </a:rPr>
-              <a:t>0/1</a:t>
-            </a:r>
-            <a:r>
-              <a:rPr lang="zh-TW" altLang="en-US" dirty="0">
-                <a:latin typeface="Consolas" panose="020B0609020204030204" pitchFamily="49" charset="0"/>
-                <a:ea typeface="微軟正黑體" panose="020B0604030504040204" pitchFamily="34" charset="-120"/>
-              </a:rPr>
-              <a:t> </a:t>
-            </a:r>
-            <a:r>
-              <a:rPr lang="en-US" altLang="zh-TW" dirty="0">
-                <a:latin typeface="Consolas" panose="020B0609020204030204" pitchFamily="49" charset="0"/>
-                <a:ea typeface="微軟正黑體" panose="020B0604030504040204" pitchFamily="34" charset="-120"/>
-              </a:rPr>
-              <a:t>knapsack – test 3</a:t>
-            </a:r>
-            <a:endParaRPr lang="zh-TW" altLang="en-US" dirty="0">
-              <a:latin typeface="Consolas" panose="020B0609020204030204" pitchFamily="49" charset="0"/>
-              <a:ea typeface="微軟正黑體" panose="020B0604030504040204" pitchFamily="34" charset="-120"/>
-            </a:endParaRPr>
-          </a:p>
-        </p:txBody>
-      </p:sp>
-      <p:sp>
-        <p:nvSpPr>
-          <p:cNvPr id="6" name="文字方塊 5">
-            <a:extLst>
-              <a:ext uri="{FF2B5EF4-FFF2-40B4-BE49-F238E27FC236}">
-                <a16:creationId xmlns:a16="http://schemas.microsoft.com/office/drawing/2014/main" id="{D7C95DE0-E7DA-584D-19F5-987C8BD3100A}"/>
-              </a:ext>
-            </a:extLst>
-          </p:cNvPr>
-          <p:cNvSpPr txBox="1"/>
-          <p:nvPr/>
-        </p:nvSpPr>
-        <p:spPr>
-          <a:xfrm>
-            <a:off x="838199" y="1690688"/>
-            <a:ext cx="10940143" cy="2677656"/>
-          </a:xfrm>
-          <a:prstGeom prst="rect">
-            <a:avLst/>
-          </a:prstGeom>
-          <a:noFill/>
-        </p:spPr>
-        <p:txBody>
-          <a:bodyPr wrap="square">
-            <a:spAutoFit/>
-          </a:bodyPr>
-          <a:lstStyle/>
-          <a:p>
-            <a:r>
-              <a:rPr lang="en-US" altLang="zh-TW" sz="2800" dirty="0">
-                <a:latin typeface="Consolas" panose="020B0609020204030204" pitchFamily="49" charset="0"/>
-              </a:rPr>
-              <a:t>25 100</a:t>
-            </a:r>
-          </a:p>
-          <a:p>
-            <a:r>
-              <a:rPr lang="en-US" altLang="zh-TW" sz="2800" dirty="0">
-                <a:latin typeface="Consolas" panose="020B0609020204030204" pitchFamily="49" charset="0"/>
-              </a:rPr>
-              <a:t>5 4 6 8 9 8  9 1 6 8 77  6  2 6 9 12 89 88 1  3 6 746 21 5  4</a:t>
-            </a:r>
-          </a:p>
-          <a:p>
-            <a:r>
-              <a:rPr lang="en-US" altLang="zh-TW" sz="2800" dirty="0">
-                <a:latin typeface="Consolas" panose="020B0609020204030204" pitchFamily="49" charset="0"/>
-              </a:rPr>
-              <a:t>1 3 6 7 1 5 99 5 6 9  5 66 32 6 6 99  1  1 3 45 8 655  6 5 88</a:t>
-            </a:r>
-          </a:p>
-          <a:p>
-            <a:endParaRPr lang="zh-TW" altLang="en-US" sz="2800" dirty="0">
-              <a:latin typeface="Consolas" panose="020B0609020204030204" pitchFamily="49" charset="0"/>
-            </a:endParaRPr>
-          </a:p>
-        </p:txBody>
-      </p:sp>
-    </p:spTree>
-    <p:extLst>
-      <p:ext uri="{BB962C8B-B14F-4D97-AF65-F5344CB8AC3E}">
-        <p14:creationId xmlns:p14="http://schemas.microsoft.com/office/powerpoint/2010/main" val="3222597051"/>
-      </p:ext>
-    </p:extLst>
-  </p:cSld>
-  <p:clrMapOvr>
-    <a:masterClrMapping/>
-  </p:clrMapOvr>
-</p:sld>
-</file>
-
-<file path=ppt/slides/slide57.xml><?xml version="1.0" encoding="utf-8"?>
-<p:sld xmlns:a="http://schemas.openxmlformats.org/drawingml/2006/main" xmlns:r="http://schemas.openxmlformats.org/officeDocument/2006/relationships" xmlns:p="http://schemas.openxmlformats.org/presentationml/2006/main">
-  <p:cSld>
-    <p:spTree>
-      <p:nvGrpSpPr>
-        <p:cNvPr id="1" name=""/>
-        <p:cNvGrpSpPr/>
-        <p:nvPr/>
-      </p:nvGrpSpPr>
-      <p:grpSpPr>
-        <a:xfrm>
-          <a:off x="0" y="0"/>
-          <a:ext cx="0" cy="0"/>
-          <a:chOff x="0" y="0"/>
-          <a:chExt cx="0" cy="0"/>
-        </a:xfrm>
-      </p:grpSpPr>
-      <p:sp>
-        <p:nvSpPr>
-          <p:cNvPr id="2" name="標題 1">
-            <a:extLst>
-              <a:ext uri="{FF2B5EF4-FFF2-40B4-BE49-F238E27FC236}">
-                <a16:creationId xmlns:a16="http://schemas.microsoft.com/office/drawing/2014/main" id="{B34D58BC-D44A-98ED-2561-BBB54A60864E}"/>
-              </a:ext>
-            </a:extLst>
-          </p:cNvPr>
-          <p:cNvSpPr>
-            <a:spLocks noGrp="1"/>
-          </p:cNvSpPr>
-          <p:nvPr>
-            <p:ph type="title"/>
-          </p:nvPr>
-        </p:nvSpPr>
-        <p:spPr/>
-        <p:txBody>
-          <a:bodyPr/>
-          <a:lstStyle/>
-          <a:p>
-            <a:r>
-              <a:rPr lang="en-US" altLang="zh-TW" dirty="0">
-                <a:latin typeface="Consolas" panose="020B0609020204030204" pitchFamily="49" charset="0"/>
-                <a:ea typeface="微軟正黑體" panose="020B0604030504040204" pitchFamily="34" charset="-120"/>
-              </a:rPr>
-              <a:t>0/1</a:t>
-            </a:r>
-            <a:r>
-              <a:rPr lang="zh-TW" altLang="en-US" dirty="0">
-                <a:latin typeface="Consolas" panose="020B0609020204030204" pitchFamily="49" charset="0"/>
-                <a:ea typeface="微軟正黑體" panose="020B0604030504040204" pitchFamily="34" charset="-120"/>
-              </a:rPr>
-              <a:t> </a:t>
-            </a:r>
-            <a:r>
-              <a:rPr lang="en-US" altLang="zh-TW" dirty="0">
-                <a:latin typeface="Consolas" panose="020B0609020204030204" pitchFamily="49" charset="0"/>
-                <a:ea typeface="微軟正黑體" panose="020B0604030504040204" pitchFamily="34" charset="-120"/>
-              </a:rPr>
-              <a:t>knapsack – test 3</a:t>
-            </a:r>
-            <a:endParaRPr lang="zh-TW" altLang="en-US" dirty="0">
-              <a:latin typeface="Consolas" panose="020B0609020204030204" pitchFamily="49" charset="0"/>
-              <a:ea typeface="微軟正黑體" panose="020B0604030504040204" pitchFamily="34" charset="-120"/>
-            </a:endParaRPr>
-          </a:p>
-        </p:txBody>
-      </p:sp>
-      <p:pic>
-        <p:nvPicPr>
-          <p:cNvPr id="4" name="圖片 3">
-            <a:extLst>
-              <a:ext uri="{FF2B5EF4-FFF2-40B4-BE49-F238E27FC236}">
-                <a16:creationId xmlns:a16="http://schemas.microsoft.com/office/drawing/2014/main" id="{C20A4AB2-795E-DF6E-6A39-2FC81BF53D3A}"/>
-              </a:ext>
-            </a:extLst>
-          </p:cNvPr>
-          <p:cNvPicPr>
-            <a:picLocks noChangeAspect="1"/>
-          </p:cNvPicPr>
-          <p:nvPr/>
-        </p:nvPicPr>
-        <p:blipFill>
-          <a:blip r:embed="rId2">
-            <a:extLst>
-              <a:ext uri="{28A0092B-C50C-407E-A947-70E740481C1C}">
-                <a14:useLocalDpi xmlns:a14="http://schemas.microsoft.com/office/drawing/2010/main" val="0"/>
-              </a:ext>
-            </a:extLst>
-          </a:blip>
-          <a:stretch>
-            <a:fillRect/>
-          </a:stretch>
-        </p:blipFill>
-        <p:spPr>
-          <a:xfrm>
-            <a:off x="3169914" y="1690688"/>
-            <a:ext cx="5852172" cy="4389129"/>
-          </a:xfrm>
-          <a:prstGeom prst="rect">
-            <a:avLst/>
-          </a:prstGeom>
-        </p:spPr>
-      </p:pic>
-    </p:spTree>
-    <p:extLst>
-      <p:ext uri="{BB962C8B-B14F-4D97-AF65-F5344CB8AC3E}">
-        <p14:creationId xmlns:p14="http://schemas.microsoft.com/office/powerpoint/2010/main" val="1709208070"/>
-      </p:ext>
-    </p:extLst>
-  </p:cSld>
-  <p:clrMapOvr>
-    <a:masterClrMapping/>
-  </p:clrMapOvr>
-</p:sld>
-</file>
-
-<file path=ppt/slides/slide58.xml><?xml version="1.0" encoding="utf-8"?>
-<p:sld xmlns:a="http://schemas.openxmlformats.org/drawingml/2006/main" xmlns:r="http://schemas.openxmlformats.org/officeDocument/2006/relationships" xmlns:p="http://schemas.openxmlformats.org/presentationml/2006/main">
-  <p:cSld>
-    <p:spTree>
-      <p:nvGrpSpPr>
-        <p:cNvPr id="1" name=""/>
-        <p:cNvGrpSpPr/>
-        <p:nvPr/>
-      </p:nvGrpSpPr>
-      <p:grpSpPr>
-        <a:xfrm>
-          <a:off x="0" y="0"/>
-          <a:ext cx="0" cy="0"/>
-          <a:chOff x="0" y="0"/>
-          <a:chExt cx="0" cy="0"/>
-        </a:xfrm>
-      </p:grpSpPr>
-      <p:sp>
-        <p:nvSpPr>
-          <p:cNvPr id="2" name="標題 1">
-            <a:extLst>
-              <a:ext uri="{FF2B5EF4-FFF2-40B4-BE49-F238E27FC236}">
-                <a16:creationId xmlns:a16="http://schemas.microsoft.com/office/drawing/2014/main" id="{B34D58BC-D44A-98ED-2561-BBB54A60864E}"/>
-              </a:ext>
-            </a:extLst>
-          </p:cNvPr>
-          <p:cNvSpPr>
-            <a:spLocks noGrp="1"/>
-          </p:cNvSpPr>
-          <p:nvPr>
-            <p:ph type="title"/>
-          </p:nvPr>
-        </p:nvSpPr>
-        <p:spPr/>
-        <p:txBody>
-          <a:bodyPr/>
-          <a:lstStyle/>
-          <a:p>
-            <a:r>
-              <a:rPr lang="en-US" altLang="zh-TW" dirty="0">
-                <a:latin typeface="Consolas" panose="020B0609020204030204" pitchFamily="49" charset="0"/>
-                <a:ea typeface="微軟正黑體" panose="020B0604030504040204" pitchFamily="34" charset="-120"/>
-              </a:rPr>
-              <a:t>0/1</a:t>
-            </a:r>
-            <a:r>
-              <a:rPr lang="zh-TW" altLang="en-US" dirty="0">
-                <a:latin typeface="Consolas" panose="020B0609020204030204" pitchFamily="49" charset="0"/>
-                <a:ea typeface="微軟正黑體" panose="020B0604030504040204" pitchFamily="34" charset="-120"/>
-              </a:rPr>
-              <a:t> </a:t>
-            </a:r>
-            <a:r>
-              <a:rPr lang="en-US" altLang="zh-TW" dirty="0">
-                <a:latin typeface="Consolas" panose="020B0609020204030204" pitchFamily="49" charset="0"/>
-                <a:ea typeface="微軟正黑體" panose="020B0604030504040204" pitchFamily="34" charset="-120"/>
-              </a:rPr>
-              <a:t>knapsack – test 4</a:t>
-            </a:r>
-            <a:endParaRPr lang="zh-TW" altLang="en-US" dirty="0">
-              <a:latin typeface="Consolas" panose="020B0609020204030204" pitchFamily="49" charset="0"/>
-              <a:ea typeface="微軟正黑體" panose="020B0604030504040204" pitchFamily="34" charset="-120"/>
-            </a:endParaRPr>
-          </a:p>
-        </p:txBody>
-      </p:sp>
-      <p:sp>
-        <p:nvSpPr>
-          <p:cNvPr id="6" name="文字方塊 5">
-            <a:extLst>
-              <a:ext uri="{FF2B5EF4-FFF2-40B4-BE49-F238E27FC236}">
-                <a16:creationId xmlns:a16="http://schemas.microsoft.com/office/drawing/2014/main" id="{D7C95DE0-E7DA-584D-19F5-987C8BD3100A}"/>
-              </a:ext>
-            </a:extLst>
-          </p:cNvPr>
-          <p:cNvSpPr txBox="1"/>
-          <p:nvPr/>
-        </p:nvSpPr>
-        <p:spPr>
-          <a:xfrm>
-            <a:off x="838199" y="1690688"/>
-            <a:ext cx="10940143" cy="2677656"/>
-          </a:xfrm>
-          <a:prstGeom prst="rect">
-            <a:avLst/>
-          </a:prstGeom>
-          <a:noFill/>
-        </p:spPr>
-        <p:txBody>
-          <a:bodyPr wrap="square">
-            <a:spAutoFit/>
-          </a:bodyPr>
-          <a:lstStyle/>
-          <a:p>
-            <a:r>
-              <a:rPr lang="en-US" altLang="zh-TW" sz="2800" dirty="0">
-                <a:latin typeface="Consolas" panose="020B0609020204030204" pitchFamily="49" charset="0"/>
-              </a:rPr>
-              <a:t>26 150</a:t>
-            </a:r>
-          </a:p>
-          <a:p>
-            <a:r>
-              <a:rPr lang="en-US" altLang="zh-TW" sz="2800" dirty="0">
-                <a:latin typeface="Consolas" panose="020B0609020204030204" pitchFamily="49" charset="0"/>
-              </a:rPr>
-              <a:t>5 4 6 8 9 8  9 1 6 8 77  6  2 6 9 12 89 88 1  3 6 746 21 5  4 100</a:t>
-            </a:r>
-          </a:p>
-          <a:p>
-            <a:r>
-              <a:rPr lang="en-US" altLang="zh-TW" sz="2800" dirty="0">
-                <a:latin typeface="Consolas" panose="020B0609020204030204" pitchFamily="49" charset="0"/>
-              </a:rPr>
-              <a:t>1 3 6 7 1 5 99 5 6 9  5 66 32 6 6 99  1  1 3 45 8 655  6 5 88 100</a:t>
-            </a:r>
-          </a:p>
-          <a:p>
-            <a:endParaRPr lang="zh-TW" altLang="en-US" sz="2800" dirty="0">
-              <a:latin typeface="Consolas" panose="020B0609020204030204" pitchFamily="49" charset="0"/>
-            </a:endParaRPr>
-          </a:p>
-        </p:txBody>
-      </p:sp>
-    </p:spTree>
-    <p:extLst>
-      <p:ext uri="{BB962C8B-B14F-4D97-AF65-F5344CB8AC3E}">
-        <p14:creationId xmlns:p14="http://schemas.microsoft.com/office/powerpoint/2010/main" val="3556008610"/>
-      </p:ext>
-    </p:extLst>
-  </p:cSld>
-  <p:clrMapOvr>
-    <a:masterClrMapping/>
-  </p:clrMapOvr>
-</p:sld>
-</file>
-
-<file path=ppt/slides/slide59.xml><?xml version="1.0" encoding="utf-8"?>
-<p:sld xmlns:a="http://schemas.openxmlformats.org/drawingml/2006/main" xmlns:r="http://schemas.openxmlformats.org/officeDocument/2006/relationships" xmlns:p="http://schemas.openxmlformats.org/presentationml/2006/main">
-  <p:cSld>
-    <p:spTree>
-      <p:nvGrpSpPr>
-        <p:cNvPr id="1" name=""/>
-        <p:cNvGrpSpPr/>
-        <p:nvPr/>
-      </p:nvGrpSpPr>
-      <p:grpSpPr>
-        <a:xfrm>
-          <a:off x="0" y="0"/>
-          <a:ext cx="0" cy="0"/>
-          <a:chOff x="0" y="0"/>
-          <a:chExt cx="0" cy="0"/>
-        </a:xfrm>
-      </p:grpSpPr>
-      <p:sp>
-        <p:nvSpPr>
-          <p:cNvPr id="2" name="標題 1">
-            <a:extLst>
-              <a:ext uri="{FF2B5EF4-FFF2-40B4-BE49-F238E27FC236}">
-                <a16:creationId xmlns:a16="http://schemas.microsoft.com/office/drawing/2014/main" id="{B34D58BC-D44A-98ED-2561-BBB54A60864E}"/>
-              </a:ext>
-            </a:extLst>
-          </p:cNvPr>
-          <p:cNvSpPr>
-            <a:spLocks noGrp="1"/>
-          </p:cNvSpPr>
-          <p:nvPr>
-            <p:ph type="title"/>
-          </p:nvPr>
-        </p:nvSpPr>
-        <p:spPr/>
-        <p:txBody>
-          <a:bodyPr/>
-          <a:lstStyle/>
-          <a:p>
-            <a:r>
-              <a:rPr lang="en-US" altLang="zh-TW" dirty="0">
-                <a:latin typeface="Consolas" panose="020B0609020204030204" pitchFamily="49" charset="0"/>
-                <a:ea typeface="微軟正黑體" panose="020B0604030504040204" pitchFamily="34" charset="-120"/>
-              </a:rPr>
-              <a:t>0/1</a:t>
-            </a:r>
-            <a:r>
-              <a:rPr lang="zh-TW" altLang="en-US" dirty="0">
-                <a:latin typeface="Consolas" panose="020B0609020204030204" pitchFamily="49" charset="0"/>
-                <a:ea typeface="微軟正黑體" panose="020B0604030504040204" pitchFamily="34" charset="-120"/>
-              </a:rPr>
-              <a:t> </a:t>
-            </a:r>
-            <a:r>
-              <a:rPr lang="en-US" altLang="zh-TW" dirty="0">
-                <a:latin typeface="Consolas" panose="020B0609020204030204" pitchFamily="49" charset="0"/>
-                <a:ea typeface="微軟正黑體" panose="020B0604030504040204" pitchFamily="34" charset="-120"/>
-              </a:rPr>
-              <a:t>knapsack – test 4</a:t>
-            </a:r>
-            <a:endParaRPr lang="zh-TW" altLang="en-US" dirty="0">
-              <a:latin typeface="Consolas" panose="020B0609020204030204" pitchFamily="49" charset="0"/>
-              <a:ea typeface="微軟正黑體" panose="020B0604030504040204" pitchFamily="34" charset="-120"/>
-            </a:endParaRPr>
-          </a:p>
-        </p:txBody>
-      </p:sp>
-      <p:pic>
-        <p:nvPicPr>
-          <p:cNvPr id="4" name="圖片 3">
-            <a:extLst>
-              <a:ext uri="{FF2B5EF4-FFF2-40B4-BE49-F238E27FC236}">
-                <a16:creationId xmlns:a16="http://schemas.microsoft.com/office/drawing/2014/main" id="{48A9FC85-AA0C-78DB-5500-4AFCD5FE98A7}"/>
-              </a:ext>
-            </a:extLst>
-          </p:cNvPr>
-          <p:cNvPicPr>
-            <a:picLocks noChangeAspect="1"/>
-          </p:cNvPicPr>
-          <p:nvPr/>
-        </p:nvPicPr>
-        <p:blipFill>
-          <a:blip r:embed="rId2">
-            <a:extLst>
-              <a:ext uri="{28A0092B-C50C-407E-A947-70E740481C1C}">
-                <a14:useLocalDpi xmlns:a14="http://schemas.microsoft.com/office/drawing/2010/main" val="0"/>
-              </a:ext>
-            </a:extLst>
-          </a:blip>
-          <a:stretch>
-            <a:fillRect/>
-          </a:stretch>
-        </p:blipFill>
-        <p:spPr>
-          <a:xfrm>
-            <a:off x="3169914" y="1690688"/>
-            <a:ext cx="5852172" cy="4389129"/>
-          </a:xfrm>
-          <a:prstGeom prst="rect">
-            <a:avLst/>
-          </a:prstGeom>
-        </p:spPr>
-      </p:pic>
-    </p:spTree>
-    <p:extLst>
-      <p:ext uri="{BB962C8B-B14F-4D97-AF65-F5344CB8AC3E}">
-        <p14:creationId xmlns:p14="http://schemas.microsoft.com/office/powerpoint/2010/main" val="3175674171"/>
       </p:ext>
     </p:extLst>
   </p:cSld>
@@ -17065,6 +17685,1026 @@
           <a:lstStyle/>
           <a:p>
             <a:r>
+              <a:rPr lang="en-US" altLang="zh-TW" dirty="0">
+                <a:latin typeface="Consolas" panose="020B0609020204030204" pitchFamily="49" charset="0"/>
+                <a:ea typeface="微軟正黑體" panose="020B0604030504040204" pitchFamily="34" charset="-120"/>
+              </a:rPr>
+              <a:t>0/1</a:t>
+            </a:r>
+            <a:r>
+              <a:rPr lang="zh-TW" altLang="en-US" dirty="0">
+                <a:latin typeface="Consolas" panose="020B0609020204030204" pitchFamily="49" charset="0"/>
+                <a:ea typeface="微軟正黑體" panose="020B0604030504040204" pitchFamily="34" charset="-120"/>
+              </a:rPr>
+              <a:t> </a:t>
+            </a:r>
+            <a:r>
+              <a:rPr lang="en-US" altLang="zh-TW" dirty="0">
+                <a:latin typeface="Consolas" panose="020B0609020204030204" pitchFamily="49" charset="0"/>
+                <a:ea typeface="微軟正黑體" panose="020B0604030504040204" pitchFamily="34" charset="-120"/>
+              </a:rPr>
+              <a:t>knapsack</a:t>
+            </a:r>
+            <a:r>
+              <a:rPr lang="zh-TW" altLang="en-US" dirty="0">
+                <a:latin typeface="Consolas" panose="020B0609020204030204" pitchFamily="49" charset="0"/>
+                <a:ea typeface="微軟正黑體" panose="020B0604030504040204" pitchFamily="34" charset="-120"/>
+              </a:rPr>
+              <a:t> </a:t>
+            </a:r>
+            <a:r>
+              <a:rPr lang="en-US" altLang="zh-TW" dirty="0">
+                <a:latin typeface="Consolas" panose="020B0609020204030204" pitchFamily="49" charset="0"/>
+                <a:ea typeface="微軟正黑體" panose="020B0604030504040204" pitchFamily="34" charset="-120"/>
+              </a:rPr>
+              <a:t>– test 1</a:t>
+            </a:r>
+            <a:endParaRPr lang="zh-TW" altLang="en-US" dirty="0"/>
+          </a:p>
+        </p:txBody>
+      </p:sp>
+      <p:sp>
+        <p:nvSpPr>
+          <p:cNvPr id="9" name="文字方塊 8">
+            <a:extLst>
+              <a:ext uri="{FF2B5EF4-FFF2-40B4-BE49-F238E27FC236}">
+                <a16:creationId xmlns:a16="http://schemas.microsoft.com/office/drawing/2014/main" id="{AB809718-8A26-937A-E048-F143B188F1C8}"/>
+              </a:ext>
+            </a:extLst>
+          </p:cNvPr>
+          <p:cNvSpPr txBox="1"/>
+          <p:nvPr/>
+        </p:nvSpPr>
+        <p:spPr>
+          <a:xfrm>
+            <a:off x="838200" y="1690688"/>
+            <a:ext cx="6096000" cy="1384995"/>
+          </a:xfrm>
+          <a:prstGeom prst="rect">
+            <a:avLst/>
+          </a:prstGeom>
+          <a:noFill/>
+        </p:spPr>
+        <p:txBody>
+          <a:bodyPr wrap="square">
+            <a:spAutoFit/>
+          </a:bodyPr>
+          <a:lstStyle/>
+          <a:p>
+            <a:r>
+              <a:rPr lang="zh-TW" altLang="en-US" sz="2800" dirty="0">
+                <a:latin typeface="Consolas" panose="020B0609020204030204" pitchFamily="49" charset="0"/>
+              </a:rPr>
+              <a:t>5 15</a:t>
+            </a:r>
+          </a:p>
+          <a:p>
+            <a:r>
+              <a:rPr lang="zh-TW" altLang="en-US" sz="2800" dirty="0">
+                <a:latin typeface="Consolas" panose="020B0609020204030204" pitchFamily="49" charset="0"/>
+              </a:rPr>
+              <a:t>5 4 7 2 6</a:t>
+            </a:r>
+          </a:p>
+          <a:p>
+            <a:r>
+              <a:rPr lang="zh-TW" altLang="en-US" sz="2800" dirty="0">
+                <a:latin typeface="Consolas" panose="020B0609020204030204" pitchFamily="49" charset="0"/>
+              </a:rPr>
+              <a:t>12 3 10 3 6</a:t>
+            </a:r>
+          </a:p>
+        </p:txBody>
+      </p:sp>
+    </p:spTree>
+    <p:extLst>
+      <p:ext uri="{BB962C8B-B14F-4D97-AF65-F5344CB8AC3E}">
+        <p14:creationId xmlns:p14="http://schemas.microsoft.com/office/powerpoint/2010/main" val="703491417"/>
+      </p:ext>
+    </p:extLst>
+  </p:cSld>
+  <p:clrMapOvr>
+    <a:masterClrMapping/>
+  </p:clrMapOvr>
+</p:sld>
+</file>
+
+<file path=ppt/slides/slide61.xml><?xml version="1.0" encoding="utf-8"?>
+<p:sld xmlns:a="http://schemas.openxmlformats.org/drawingml/2006/main" xmlns:r="http://schemas.openxmlformats.org/officeDocument/2006/relationships" xmlns:p="http://schemas.openxmlformats.org/presentationml/2006/main">
+  <p:cSld>
+    <p:spTree>
+      <p:nvGrpSpPr>
+        <p:cNvPr id="1" name=""/>
+        <p:cNvGrpSpPr/>
+        <p:nvPr/>
+      </p:nvGrpSpPr>
+      <p:grpSpPr>
+        <a:xfrm>
+          <a:off x="0" y="0"/>
+          <a:ext cx="0" cy="0"/>
+          <a:chOff x="0" y="0"/>
+          <a:chExt cx="0" cy="0"/>
+        </a:xfrm>
+      </p:grpSpPr>
+      <p:sp>
+        <p:nvSpPr>
+          <p:cNvPr id="2" name="標題 1">
+            <a:extLst>
+              <a:ext uri="{FF2B5EF4-FFF2-40B4-BE49-F238E27FC236}">
+                <a16:creationId xmlns:a16="http://schemas.microsoft.com/office/drawing/2014/main" id="{F7D191AA-328B-7761-E0E0-B769F5F66242}"/>
+              </a:ext>
+            </a:extLst>
+          </p:cNvPr>
+          <p:cNvSpPr>
+            <a:spLocks noGrp="1"/>
+          </p:cNvSpPr>
+          <p:nvPr>
+            <p:ph type="title"/>
+          </p:nvPr>
+        </p:nvSpPr>
+        <p:spPr/>
+        <p:txBody>
+          <a:bodyPr/>
+          <a:lstStyle/>
+          <a:p>
+            <a:r>
+              <a:rPr lang="en-US" altLang="zh-TW" dirty="0">
+                <a:latin typeface="Consolas" panose="020B0609020204030204" pitchFamily="49" charset="0"/>
+                <a:ea typeface="微軟正黑體" panose="020B0604030504040204" pitchFamily="34" charset="-120"/>
+              </a:rPr>
+              <a:t>0/1</a:t>
+            </a:r>
+            <a:r>
+              <a:rPr lang="zh-TW" altLang="en-US" dirty="0">
+                <a:latin typeface="Consolas" panose="020B0609020204030204" pitchFamily="49" charset="0"/>
+                <a:ea typeface="微軟正黑體" panose="020B0604030504040204" pitchFamily="34" charset="-120"/>
+              </a:rPr>
+              <a:t> </a:t>
+            </a:r>
+            <a:r>
+              <a:rPr lang="en-US" altLang="zh-TW" dirty="0">
+                <a:latin typeface="Consolas" panose="020B0609020204030204" pitchFamily="49" charset="0"/>
+                <a:ea typeface="微軟正黑體" panose="020B0604030504040204" pitchFamily="34" charset="-120"/>
+              </a:rPr>
+              <a:t>knapsack</a:t>
+            </a:r>
+            <a:r>
+              <a:rPr lang="zh-TW" altLang="en-US" dirty="0">
+                <a:latin typeface="Consolas" panose="020B0609020204030204" pitchFamily="49" charset="0"/>
+                <a:ea typeface="微軟正黑體" panose="020B0604030504040204" pitchFamily="34" charset="-120"/>
+              </a:rPr>
+              <a:t> </a:t>
+            </a:r>
+            <a:r>
+              <a:rPr lang="en-US" altLang="zh-TW" dirty="0">
+                <a:latin typeface="Consolas" panose="020B0609020204030204" pitchFamily="49" charset="0"/>
+                <a:ea typeface="微軟正黑體" panose="020B0604030504040204" pitchFamily="34" charset="-120"/>
+              </a:rPr>
+              <a:t>– test 1</a:t>
+            </a:r>
+            <a:endParaRPr lang="zh-TW" altLang="en-US" dirty="0"/>
+          </a:p>
+        </p:txBody>
+      </p:sp>
+      <p:pic>
+        <p:nvPicPr>
+          <p:cNvPr id="4" name="圖片 3">
+            <a:extLst>
+              <a:ext uri="{FF2B5EF4-FFF2-40B4-BE49-F238E27FC236}">
+                <a16:creationId xmlns:a16="http://schemas.microsoft.com/office/drawing/2014/main" id="{F715EF78-C59A-2901-4310-0D99A0B2C448}"/>
+              </a:ext>
+            </a:extLst>
+          </p:cNvPr>
+          <p:cNvPicPr>
+            <a:picLocks noChangeAspect="1"/>
+          </p:cNvPicPr>
+          <p:nvPr/>
+        </p:nvPicPr>
+        <p:blipFill>
+          <a:blip r:embed="rId2">
+            <a:extLst>
+              <a:ext uri="{28A0092B-C50C-407E-A947-70E740481C1C}">
+                <a14:useLocalDpi xmlns:a14="http://schemas.microsoft.com/office/drawing/2010/main" val="0"/>
+              </a:ext>
+            </a:extLst>
+          </a:blip>
+          <a:stretch>
+            <a:fillRect/>
+          </a:stretch>
+        </p:blipFill>
+        <p:spPr>
+          <a:xfrm>
+            <a:off x="3169914" y="1690688"/>
+            <a:ext cx="5852172" cy="4389129"/>
+          </a:xfrm>
+          <a:prstGeom prst="rect">
+            <a:avLst/>
+          </a:prstGeom>
+        </p:spPr>
+      </p:pic>
+    </p:spTree>
+    <p:extLst>
+      <p:ext uri="{BB962C8B-B14F-4D97-AF65-F5344CB8AC3E}">
+        <p14:creationId xmlns:p14="http://schemas.microsoft.com/office/powerpoint/2010/main" val="1348935730"/>
+      </p:ext>
+    </p:extLst>
+  </p:cSld>
+  <p:clrMapOvr>
+    <a:masterClrMapping/>
+  </p:clrMapOvr>
+</p:sld>
+</file>
+
+<file path=ppt/slides/slide62.xml><?xml version="1.0" encoding="utf-8"?>
+<p:sld xmlns:a="http://schemas.openxmlformats.org/drawingml/2006/main" xmlns:r="http://schemas.openxmlformats.org/officeDocument/2006/relationships" xmlns:p="http://schemas.openxmlformats.org/presentationml/2006/main">
+  <p:cSld>
+    <p:spTree>
+      <p:nvGrpSpPr>
+        <p:cNvPr id="1" name=""/>
+        <p:cNvGrpSpPr/>
+        <p:nvPr/>
+      </p:nvGrpSpPr>
+      <p:grpSpPr>
+        <a:xfrm>
+          <a:off x="0" y="0"/>
+          <a:ext cx="0" cy="0"/>
+          <a:chOff x="0" y="0"/>
+          <a:chExt cx="0" cy="0"/>
+        </a:xfrm>
+      </p:grpSpPr>
+      <p:sp>
+        <p:nvSpPr>
+          <p:cNvPr id="2" name="標題 1">
+            <a:extLst>
+              <a:ext uri="{FF2B5EF4-FFF2-40B4-BE49-F238E27FC236}">
+                <a16:creationId xmlns:a16="http://schemas.microsoft.com/office/drawing/2014/main" id="{B34D58BC-D44A-98ED-2561-BBB54A60864E}"/>
+              </a:ext>
+            </a:extLst>
+          </p:cNvPr>
+          <p:cNvSpPr>
+            <a:spLocks noGrp="1"/>
+          </p:cNvSpPr>
+          <p:nvPr>
+            <p:ph type="title"/>
+          </p:nvPr>
+        </p:nvSpPr>
+        <p:spPr/>
+        <p:txBody>
+          <a:bodyPr/>
+          <a:lstStyle/>
+          <a:p>
+            <a:r>
+              <a:rPr lang="en-US" altLang="zh-TW" dirty="0">
+                <a:latin typeface="Consolas" panose="020B0609020204030204" pitchFamily="49" charset="0"/>
+                <a:ea typeface="微軟正黑體" panose="020B0604030504040204" pitchFamily="34" charset="-120"/>
+              </a:rPr>
+              <a:t>0/1</a:t>
+            </a:r>
+            <a:r>
+              <a:rPr lang="zh-TW" altLang="en-US" dirty="0">
+                <a:latin typeface="Consolas" panose="020B0609020204030204" pitchFamily="49" charset="0"/>
+                <a:ea typeface="微軟正黑體" panose="020B0604030504040204" pitchFamily="34" charset="-120"/>
+              </a:rPr>
+              <a:t> </a:t>
+            </a:r>
+            <a:r>
+              <a:rPr lang="en-US" altLang="zh-TW" dirty="0">
+                <a:latin typeface="Consolas" panose="020B0609020204030204" pitchFamily="49" charset="0"/>
+                <a:ea typeface="微軟正黑體" panose="020B0604030504040204" pitchFamily="34" charset="-120"/>
+              </a:rPr>
+              <a:t>knapsack – test 2</a:t>
+            </a:r>
+            <a:endParaRPr lang="zh-TW" altLang="en-US" dirty="0">
+              <a:latin typeface="Consolas" panose="020B0609020204030204" pitchFamily="49" charset="0"/>
+              <a:ea typeface="微軟正黑體" panose="020B0604030504040204" pitchFamily="34" charset="-120"/>
+            </a:endParaRPr>
+          </a:p>
+        </p:txBody>
+      </p:sp>
+      <p:sp>
+        <p:nvSpPr>
+          <p:cNvPr id="6" name="文字方塊 5">
+            <a:extLst>
+              <a:ext uri="{FF2B5EF4-FFF2-40B4-BE49-F238E27FC236}">
+                <a16:creationId xmlns:a16="http://schemas.microsoft.com/office/drawing/2014/main" id="{D7C95DE0-E7DA-584D-19F5-987C8BD3100A}"/>
+              </a:ext>
+            </a:extLst>
+          </p:cNvPr>
+          <p:cNvSpPr txBox="1"/>
+          <p:nvPr/>
+        </p:nvSpPr>
+        <p:spPr>
+          <a:xfrm>
+            <a:off x="838200" y="1690688"/>
+            <a:ext cx="10972800" cy="2246769"/>
+          </a:xfrm>
+          <a:prstGeom prst="rect">
+            <a:avLst/>
+          </a:prstGeom>
+          <a:noFill/>
+        </p:spPr>
+        <p:txBody>
+          <a:bodyPr wrap="square">
+            <a:spAutoFit/>
+          </a:bodyPr>
+          <a:lstStyle/>
+          <a:p>
+            <a:r>
+              <a:rPr lang="en-US" altLang="zh-TW" sz="2800" dirty="0">
+                <a:latin typeface="Consolas" panose="020B0609020204030204" pitchFamily="49" charset="0"/>
+              </a:rPr>
+              <a:t>25 15</a:t>
+            </a:r>
+          </a:p>
+          <a:p>
+            <a:r>
+              <a:rPr lang="en-US" altLang="zh-TW" sz="2800" dirty="0">
+                <a:latin typeface="Consolas" panose="020B0609020204030204" pitchFamily="49" charset="0"/>
+              </a:rPr>
+              <a:t>5 4 6 8 9 8  9 1 6 8 77  6  2 6 9 12 89 88 1  3 6 746 21 5  4</a:t>
+            </a:r>
+          </a:p>
+          <a:p>
+            <a:r>
+              <a:rPr lang="en-US" altLang="zh-TW" sz="2800" dirty="0">
+                <a:latin typeface="Consolas" panose="020B0609020204030204" pitchFamily="49" charset="0"/>
+              </a:rPr>
+              <a:t>1 3 6 7 1 5 99 5 6 9  5 66 32 6 6 99  1  1 3 45 8 655  6 5 88</a:t>
+            </a:r>
+          </a:p>
+        </p:txBody>
+      </p:sp>
+    </p:spTree>
+    <p:extLst>
+      <p:ext uri="{BB962C8B-B14F-4D97-AF65-F5344CB8AC3E}">
+        <p14:creationId xmlns:p14="http://schemas.microsoft.com/office/powerpoint/2010/main" val="530538027"/>
+      </p:ext>
+    </p:extLst>
+  </p:cSld>
+  <p:clrMapOvr>
+    <a:masterClrMapping/>
+  </p:clrMapOvr>
+</p:sld>
+</file>
+
+<file path=ppt/slides/slide63.xml><?xml version="1.0" encoding="utf-8"?>
+<p:sld xmlns:a="http://schemas.openxmlformats.org/drawingml/2006/main" xmlns:r="http://schemas.openxmlformats.org/officeDocument/2006/relationships" xmlns:p="http://schemas.openxmlformats.org/presentationml/2006/main">
+  <p:cSld>
+    <p:spTree>
+      <p:nvGrpSpPr>
+        <p:cNvPr id="1" name=""/>
+        <p:cNvGrpSpPr/>
+        <p:nvPr/>
+      </p:nvGrpSpPr>
+      <p:grpSpPr>
+        <a:xfrm>
+          <a:off x="0" y="0"/>
+          <a:ext cx="0" cy="0"/>
+          <a:chOff x="0" y="0"/>
+          <a:chExt cx="0" cy="0"/>
+        </a:xfrm>
+      </p:grpSpPr>
+      <p:sp>
+        <p:nvSpPr>
+          <p:cNvPr id="2" name="標題 1">
+            <a:extLst>
+              <a:ext uri="{FF2B5EF4-FFF2-40B4-BE49-F238E27FC236}">
+                <a16:creationId xmlns:a16="http://schemas.microsoft.com/office/drawing/2014/main" id="{B34D58BC-D44A-98ED-2561-BBB54A60864E}"/>
+              </a:ext>
+            </a:extLst>
+          </p:cNvPr>
+          <p:cNvSpPr>
+            <a:spLocks noGrp="1"/>
+          </p:cNvSpPr>
+          <p:nvPr>
+            <p:ph type="title"/>
+          </p:nvPr>
+        </p:nvSpPr>
+        <p:spPr/>
+        <p:txBody>
+          <a:bodyPr/>
+          <a:lstStyle/>
+          <a:p>
+            <a:r>
+              <a:rPr lang="en-US" altLang="zh-TW" dirty="0">
+                <a:latin typeface="Consolas" panose="020B0609020204030204" pitchFamily="49" charset="0"/>
+                <a:ea typeface="微軟正黑體" panose="020B0604030504040204" pitchFamily="34" charset="-120"/>
+              </a:rPr>
+              <a:t>0/1</a:t>
+            </a:r>
+            <a:r>
+              <a:rPr lang="zh-TW" altLang="en-US" dirty="0">
+                <a:latin typeface="Consolas" panose="020B0609020204030204" pitchFamily="49" charset="0"/>
+                <a:ea typeface="微軟正黑體" panose="020B0604030504040204" pitchFamily="34" charset="-120"/>
+              </a:rPr>
+              <a:t> </a:t>
+            </a:r>
+            <a:r>
+              <a:rPr lang="en-US" altLang="zh-TW" dirty="0">
+                <a:latin typeface="Consolas" panose="020B0609020204030204" pitchFamily="49" charset="0"/>
+                <a:ea typeface="微軟正黑體" panose="020B0604030504040204" pitchFamily="34" charset="-120"/>
+              </a:rPr>
+              <a:t>knapsack – test 2</a:t>
+            </a:r>
+            <a:endParaRPr lang="zh-TW" altLang="en-US" dirty="0">
+              <a:latin typeface="Consolas" panose="020B0609020204030204" pitchFamily="49" charset="0"/>
+              <a:ea typeface="微軟正黑體" panose="020B0604030504040204" pitchFamily="34" charset="-120"/>
+            </a:endParaRPr>
+          </a:p>
+        </p:txBody>
+      </p:sp>
+      <p:pic>
+        <p:nvPicPr>
+          <p:cNvPr id="5" name="圖片 4">
+            <a:extLst>
+              <a:ext uri="{FF2B5EF4-FFF2-40B4-BE49-F238E27FC236}">
+                <a16:creationId xmlns:a16="http://schemas.microsoft.com/office/drawing/2014/main" id="{8B1D98E0-2F43-9E7E-64F5-BBB5D9B9D8E1}"/>
+              </a:ext>
+            </a:extLst>
+          </p:cNvPr>
+          <p:cNvPicPr>
+            <a:picLocks noChangeAspect="1"/>
+          </p:cNvPicPr>
+          <p:nvPr/>
+        </p:nvPicPr>
+        <p:blipFill>
+          <a:blip r:embed="rId2">
+            <a:extLst>
+              <a:ext uri="{28A0092B-C50C-407E-A947-70E740481C1C}">
+                <a14:useLocalDpi xmlns:a14="http://schemas.microsoft.com/office/drawing/2010/main" val="0"/>
+              </a:ext>
+            </a:extLst>
+          </a:blip>
+          <a:stretch>
+            <a:fillRect/>
+          </a:stretch>
+        </p:blipFill>
+        <p:spPr>
+          <a:xfrm>
+            <a:off x="3169914" y="1690688"/>
+            <a:ext cx="5852172" cy="4389129"/>
+          </a:xfrm>
+          <a:prstGeom prst="rect">
+            <a:avLst/>
+          </a:prstGeom>
+        </p:spPr>
+      </p:pic>
+    </p:spTree>
+    <p:extLst>
+      <p:ext uri="{BB962C8B-B14F-4D97-AF65-F5344CB8AC3E}">
+        <p14:creationId xmlns:p14="http://schemas.microsoft.com/office/powerpoint/2010/main" val="3807693266"/>
+      </p:ext>
+    </p:extLst>
+  </p:cSld>
+  <p:clrMapOvr>
+    <a:masterClrMapping/>
+  </p:clrMapOvr>
+</p:sld>
+</file>
+
+<file path=ppt/slides/slide64.xml><?xml version="1.0" encoding="utf-8"?>
+<p:sld xmlns:a="http://schemas.openxmlformats.org/drawingml/2006/main" xmlns:r="http://schemas.openxmlformats.org/officeDocument/2006/relationships" xmlns:p="http://schemas.openxmlformats.org/presentationml/2006/main">
+  <p:cSld>
+    <p:spTree>
+      <p:nvGrpSpPr>
+        <p:cNvPr id="1" name=""/>
+        <p:cNvGrpSpPr/>
+        <p:nvPr/>
+      </p:nvGrpSpPr>
+      <p:grpSpPr>
+        <a:xfrm>
+          <a:off x="0" y="0"/>
+          <a:ext cx="0" cy="0"/>
+          <a:chOff x="0" y="0"/>
+          <a:chExt cx="0" cy="0"/>
+        </a:xfrm>
+      </p:grpSpPr>
+      <p:sp>
+        <p:nvSpPr>
+          <p:cNvPr id="2" name="標題 1">
+            <a:extLst>
+              <a:ext uri="{FF2B5EF4-FFF2-40B4-BE49-F238E27FC236}">
+                <a16:creationId xmlns:a16="http://schemas.microsoft.com/office/drawing/2014/main" id="{B34D58BC-D44A-98ED-2561-BBB54A60864E}"/>
+              </a:ext>
+            </a:extLst>
+          </p:cNvPr>
+          <p:cNvSpPr>
+            <a:spLocks noGrp="1"/>
+          </p:cNvSpPr>
+          <p:nvPr>
+            <p:ph type="title"/>
+          </p:nvPr>
+        </p:nvSpPr>
+        <p:spPr/>
+        <p:txBody>
+          <a:bodyPr/>
+          <a:lstStyle/>
+          <a:p>
+            <a:r>
+              <a:rPr lang="en-US" altLang="zh-TW" dirty="0">
+                <a:latin typeface="Consolas" panose="020B0609020204030204" pitchFamily="49" charset="0"/>
+                <a:ea typeface="微軟正黑體" panose="020B0604030504040204" pitchFamily="34" charset="-120"/>
+              </a:rPr>
+              <a:t>0/1</a:t>
+            </a:r>
+            <a:r>
+              <a:rPr lang="zh-TW" altLang="en-US" dirty="0">
+                <a:latin typeface="Consolas" panose="020B0609020204030204" pitchFamily="49" charset="0"/>
+                <a:ea typeface="微軟正黑體" panose="020B0604030504040204" pitchFamily="34" charset="-120"/>
+              </a:rPr>
+              <a:t> </a:t>
+            </a:r>
+            <a:r>
+              <a:rPr lang="en-US" altLang="zh-TW" dirty="0">
+                <a:latin typeface="Consolas" panose="020B0609020204030204" pitchFamily="49" charset="0"/>
+                <a:ea typeface="微軟正黑體" panose="020B0604030504040204" pitchFamily="34" charset="-120"/>
+              </a:rPr>
+              <a:t>knapsack – test 3</a:t>
+            </a:r>
+            <a:endParaRPr lang="zh-TW" altLang="en-US" dirty="0">
+              <a:latin typeface="Consolas" panose="020B0609020204030204" pitchFamily="49" charset="0"/>
+              <a:ea typeface="微軟正黑體" panose="020B0604030504040204" pitchFamily="34" charset="-120"/>
+            </a:endParaRPr>
+          </a:p>
+        </p:txBody>
+      </p:sp>
+      <p:sp>
+        <p:nvSpPr>
+          <p:cNvPr id="6" name="文字方塊 5">
+            <a:extLst>
+              <a:ext uri="{FF2B5EF4-FFF2-40B4-BE49-F238E27FC236}">
+                <a16:creationId xmlns:a16="http://schemas.microsoft.com/office/drawing/2014/main" id="{D7C95DE0-E7DA-584D-19F5-987C8BD3100A}"/>
+              </a:ext>
+            </a:extLst>
+          </p:cNvPr>
+          <p:cNvSpPr txBox="1"/>
+          <p:nvPr/>
+        </p:nvSpPr>
+        <p:spPr>
+          <a:xfrm>
+            <a:off x="838199" y="1690688"/>
+            <a:ext cx="10940143" cy="2677656"/>
+          </a:xfrm>
+          <a:prstGeom prst="rect">
+            <a:avLst/>
+          </a:prstGeom>
+          <a:noFill/>
+        </p:spPr>
+        <p:txBody>
+          <a:bodyPr wrap="square">
+            <a:spAutoFit/>
+          </a:bodyPr>
+          <a:lstStyle/>
+          <a:p>
+            <a:r>
+              <a:rPr lang="en-US" altLang="zh-TW" sz="2800" dirty="0">
+                <a:latin typeface="Consolas" panose="020B0609020204030204" pitchFamily="49" charset="0"/>
+              </a:rPr>
+              <a:t>25 100</a:t>
+            </a:r>
+          </a:p>
+          <a:p>
+            <a:r>
+              <a:rPr lang="en-US" altLang="zh-TW" sz="2800" dirty="0">
+                <a:latin typeface="Consolas" panose="020B0609020204030204" pitchFamily="49" charset="0"/>
+              </a:rPr>
+              <a:t>5 4 6 8 9 8  9 1 6 8 77  6  2 6 9 12 89 88 1  3 6 746 21 5  4</a:t>
+            </a:r>
+          </a:p>
+          <a:p>
+            <a:r>
+              <a:rPr lang="en-US" altLang="zh-TW" sz="2800" dirty="0">
+                <a:latin typeface="Consolas" panose="020B0609020204030204" pitchFamily="49" charset="0"/>
+              </a:rPr>
+              <a:t>1 3 6 7 1 5 99 5 6 9  5 66 32 6 6 99  1  1 3 45 8 655  6 5 88</a:t>
+            </a:r>
+          </a:p>
+          <a:p>
+            <a:endParaRPr lang="zh-TW" altLang="en-US" sz="2800" dirty="0">
+              <a:latin typeface="Consolas" panose="020B0609020204030204" pitchFamily="49" charset="0"/>
+            </a:endParaRPr>
+          </a:p>
+        </p:txBody>
+      </p:sp>
+    </p:spTree>
+    <p:extLst>
+      <p:ext uri="{BB962C8B-B14F-4D97-AF65-F5344CB8AC3E}">
+        <p14:creationId xmlns:p14="http://schemas.microsoft.com/office/powerpoint/2010/main" val="3222597051"/>
+      </p:ext>
+    </p:extLst>
+  </p:cSld>
+  <p:clrMapOvr>
+    <a:masterClrMapping/>
+  </p:clrMapOvr>
+</p:sld>
+</file>
+
+<file path=ppt/slides/slide65.xml><?xml version="1.0" encoding="utf-8"?>
+<p:sld xmlns:a="http://schemas.openxmlformats.org/drawingml/2006/main" xmlns:r="http://schemas.openxmlformats.org/officeDocument/2006/relationships" xmlns:p="http://schemas.openxmlformats.org/presentationml/2006/main">
+  <p:cSld>
+    <p:spTree>
+      <p:nvGrpSpPr>
+        <p:cNvPr id="1" name=""/>
+        <p:cNvGrpSpPr/>
+        <p:nvPr/>
+      </p:nvGrpSpPr>
+      <p:grpSpPr>
+        <a:xfrm>
+          <a:off x="0" y="0"/>
+          <a:ext cx="0" cy="0"/>
+          <a:chOff x="0" y="0"/>
+          <a:chExt cx="0" cy="0"/>
+        </a:xfrm>
+      </p:grpSpPr>
+      <p:sp>
+        <p:nvSpPr>
+          <p:cNvPr id="2" name="標題 1">
+            <a:extLst>
+              <a:ext uri="{FF2B5EF4-FFF2-40B4-BE49-F238E27FC236}">
+                <a16:creationId xmlns:a16="http://schemas.microsoft.com/office/drawing/2014/main" id="{B34D58BC-D44A-98ED-2561-BBB54A60864E}"/>
+              </a:ext>
+            </a:extLst>
+          </p:cNvPr>
+          <p:cNvSpPr>
+            <a:spLocks noGrp="1"/>
+          </p:cNvSpPr>
+          <p:nvPr>
+            <p:ph type="title"/>
+          </p:nvPr>
+        </p:nvSpPr>
+        <p:spPr/>
+        <p:txBody>
+          <a:bodyPr/>
+          <a:lstStyle/>
+          <a:p>
+            <a:r>
+              <a:rPr lang="en-US" altLang="zh-TW" dirty="0">
+                <a:latin typeface="Consolas" panose="020B0609020204030204" pitchFamily="49" charset="0"/>
+                <a:ea typeface="微軟正黑體" panose="020B0604030504040204" pitchFamily="34" charset="-120"/>
+              </a:rPr>
+              <a:t>0/1</a:t>
+            </a:r>
+            <a:r>
+              <a:rPr lang="zh-TW" altLang="en-US" dirty="0">
+                <a:latin typeface="Consolas" panose="020B0609020204030204" pitchFamily="49" charset="0"/>
+                <a:ea typeface="微軟正黑體" panose="020B0604030504040204" pitchFamily="34" charset="-120"/>
+              </a:rPr>
+              <a:t> </a:t>
+            </a:r>
+            <a:r>
+              <a:rPr lang="en-US" altLang="zh-TW" dirty="0">
+                <a:latin typeface="Consolas" panose="020B0609020204030204" pitchFamily="49" charset="0"/>
+                <a:ea typeface="微軟正黑體" panose="020B0604030504040204" pitchFamily="34" charset="-120"/>
+              </a:rPr>
+              <a:t>knapsack – test 3</a:t>
+            </a:r>
+            <a:endParaRPr lang="zh-TW" altLang="en-US" dirty="0">
+              <a:latin typeface="Consolas" panose="020B0609020204030204" pitchFamily="49" charset="0"/>
+              <a:ea typeface="微軟正黑體" panose="020B0604030504040204" pitchFamily="34" charset="-120"/>
+            </a:endParaRPr>
+          </a:p>
+        </p:txBody>
+      </p:sp>
+      <p:pic>
+        <p:nvPicPr>
+          <p:cNvPr id="4" name="圖片 3">
+            <a:extLst>
+              <a:ext uri="{FF2B5EF4-FFF2-40B4-BE49-F238E27FC236}">
+                <a16:creationId xmlns:a16="http://schemas.microsoft.com/office/drawing/2014/main" id="{C20A4AB2-795E-DF6E-6A39-2FC81BF53D3A}"/>
+              </a:ext>
+            </a:extLst>
+          </p:cNvPr>
+          <p:cNvPicPr>
+            <a:picLocks noChangeAspect="1"/>
+          </p:cNvPicPr>
+          <p:nvPr/>
+        </p:nvPicPr>
+        <p:blipFill>
+          <a:blip r:embed="rId2">
+            <a:extLst>
+              <a:ext uri="{28A0092B-C50C-407E-A947-70E740481C1C}">
+                <a14:useLocalDpi xmlns:a14="http://schemas.microsoft.com/office/drawing/2010/main" val="0"/>
+              </a:ext>
+            </a:extLst>
+          </a:blip>
+          <a:stretch>
+            <a:fillRect/>
+          </a:stretch>
+        </p:blipFill>
+        <p:spPr>
+          <a:xfrm>
+            <a:off x="3169914" y="1690688"/>
+            <a:ext cx="5852172" cy="4389129"/>
+          </a:xfrm>
+          <a:prstGeom prst="rect">
+            <a:avLst/>
+          </a:prstGeom>
+        </p:spPr>
+      </p:pic>
+    </p:spTree>
+    <p:extLst>
+      <p:ext uri="{BB962C8B-B14F-4D97-AF65-F5344CB8AC3E}">
+        <p14:creationId xmlns:p14="http://schemas.microsoft.com/office/powerpoint/2010/main" val="1709208070"/>
+      </p:ext>
+    </p:extLst>
+  </p:cSld>
+  <p:clrMapOvr>
+    <a:masterClrMapping/>
+  </p:clrMapOvr>
+</p:sld>
+</file>
+
+<file path=ppt/slides/slide66.xml><?xml version="1.0" encoding="utf-8"?>
+<p:sld xmlns:a="http://schemas.openxmlformats.org/drawingml/2006/main" xmlns:r="http://schemas.openxmlformats.org/officeDocument/2006/relationships" xmlns:p="http://schemas.openxmlformats.org/presentationml/2006/main">
+  <p:cSld>
+    <p:spTree>
+      <p:nvGrpSpPr>
+        <p:cNvPr id="1" name=""/>
+        <p:cNvGrpSpPr/>
+        <p:nvPr/>
+      </p:nvGrpSpPr>
+      <p:grpSpPr>
+        <a:xfrm>
+          <a:off x="0" y="0"/>
+          <a:ext cx="0" cy="0"/>
+          <a:chOff x="0" y="0"/>
+          <a:chExt cx="0" cy="0"/>
+        </a:xfrm>
+      </p:grpSpPr>
+      <p:sp>
+        <p:nvSpPr>
+          <p:cNvPr id="2" name="標題 1">
+            <a:extLst>
+              <a:ext uri="{FF2B5EF4-FFF2-40B4-BE49-F238E27FC236}">
+                <a16:creationId xmlns:a16="http://schemas.microsoft.com/office/drawing/2014/main" id="{B34D58BC-D44A-98ED-2561-BBB54A60864E}"/>
+              </a:ext>
+            </a:extLst>
+          </p:cNvPr>
+          <p:cNvSpPr>
+            <a:spLocks noGrp="1"/>
+          </p:cNvSpPr>
+          <p:nvPr>
+            <p:ph type="title"/>
+          </p:nvPr>
+        </p:nvSpPr>
+        <p:spPr/>
+        <p:txBody>
+          <a:bodyPr/>
+          <a:lstStyle/>
+          <a:p>
+            <a:r>
+              <a:rPr lang="en-US" altLang="zh-TW" dirty="0">
+                <a:latin typeface="Consolas" panose="020B0609020204030204" pitchFamily="49" charset="0"/>
+                <a:ea typeface="微軟正黑體" panose="020B0604030504040204" pitchFamily="34" charset="-120"/>
+              </a:rPr>
+              <a:t>0/1</a:t>
+            </a:r>
+            <a:r>
+              <a:rPr lang="zh-TW" altLang="en-US" dirty="0">
+                <a:latin typeface="Consolas" panose="020B0609020204030204" pitchFamily="49" charset="0"/>
+                <a:ea typeface="微軟正黑體" panose="020B0604030504040204" pitchFamily="34" charset="-120"/>
+              </a:rPr>
+              <a:t> </a:t>
+            </a:r>
+            <a:r>
+              <a:rPr lang="en-US" altLang="zh-TW" dirty="0">
+                <a:latin typeface="Consolas" panose="020B0609020204030204" pitchFamily="49" charset="0"/>
+                <a:ea typeface="微軟正黑體" panose="020B0604030504040204" pitchFamily="34" charset="-120"/>
+              </a:rPr>
+              <a:t>knapsack – test 4</a:t>
+            </a:r>
+            <a:endParaRPr lang="zh-TW" altLang="en-US" dirty="0">
+              <a:latin typeface="Consolas" panose="020B0609020204030204" pitchFamily="49" charset="0"/>
+              <a:ea typeface="微軟正黑體" panose="020B0604030504040204" pitchFamily="34" charset="-120"/>
+            </a:endParaRPr>
+          </a:p>
+        </p:txBody>
+      </p:sp>
+      <p:sp>
+        <p:nvSpPr>
+          <p:cNvPr id="6" name="文字方塊 5">
+            <a:extLst>
+              <a:ext uri="{FF2B5EF4-FFF2-40B4-BE49-F238E27FC236}">
+                <a16:creationId xmlns:a16="http://schemas.microsoft.com/office/drawing/2014/main" id="{D7C95DE0-E7DA-584D-19F5-987C8BD3100A}"/>
+              </a:ext>
+            </a:extLst>
+          </p:cNvPr>
+          <p:cNvSpPr txBox="1"/>
+          <p:nvPr/>
+        </p:nvSpPr>
+        <p:spPr>
+          <a:xfrm>
+            <a:off x="838199" y="1690688"/>
+            <a:ext cx="10940143" cy="2677656"/>
+          </a:xfrm>
+          <a:prstGeom prst="rect">
+            <a:avLst/>
+          </a:prstGeom>
+          <a:noFill/>
+        </p:spPr>
+        <p:txBody>
+          <a:bodyPr wrap="square">
+            <a:spAutoFit/>
+          </a:bodyPr>
+          <a:lstStyle/>
+          <a:p>
+            <a:r>
+              <a:rPr lang="en-US" altLang="zh-TW" sz="2800" dirty="0">
+                <a:latin typeface="Consolas" panose="020B0609020204030204" pitchFamily="49" charset="0"/>
+              </a:rPr>
+              <a:t>26 150</a:t>
+            </a:r>
+          </a:p>
+          <a:p>
+            <a:r>
+              <a:rPr lang="en-US" altLang="zh-TW" sz="2800" dirty="0">
+                <a:latin typeface="Consolas" panose="020B0609020204030204" pitchFamily="49" charset="0"/>
+              </a:rPr>
+              <a:t>5 4 6 8 9 8  9 1 6 8 77  6  2 6 9 12 89 88 1  3 6 746 21 5  4 100</a:t>
+            </a:r>
+          </a:p>
+          <a:p>
+            <a:r>
+              <a:rPr lang="en-US" altLang="zh-TW" sz="2800" dirty="0">
+                <a:latin typeface="Consolas" panose="020B0609020204030204" pitchFamily="49" charset="0"/>
+              </a:rPr>
+              <a:t>1 3 6 7 1 5 99 5 6 9  5 66 32 6 6 99  1  1 3 45 8 655  6 5 88 100</a:t>
+            </a:r>
+          </a:p>
+          <a:p>
+            <a:endParaRPr lang="zh-TW" altLang="en-US" sz="2800" dirty="0">
+              <a:latin typeface="Consolas" panose="020B0609020204030204" pitchFamily="49" charset="0"/>
+            </a:endParaRPr>
+          </a:p>
+        </p:txBody>
+      </p:sp>
+    </p:spTree>
+    <p:extLst>
+      <p:ext uri="{BB962C8B-B14F-4D97-AF65-F5344CB8AC3E}">
+        <p14:creationId xmlns:p14="http://schemas.microsoft.com/office/powerpoint/2010/main" val="3556008610"/>
+      </p:ext>
+    </p:extLst>
+  </p:cSld>
+  <p:clrMapOvr>
+    <a:masterClrMapping/>
+  </p:clrMapOvr>
+</p:sld>
+</file>
+
+<file path=ppt/slides/slide67.xml><?xml version="1.0" encoding="utf-8"?>
+<p:sld xmlns:a="http://schemas.openxmlformats.org/drawingml/2006/main" xmlns:r="http://schemas.openxmlformats.org/officeDocument/2006/relationships" xmlns:p="http://schemas.openxmlformats.org/presentationml/2006/main">
+  <p:cSld>
+    <p:spTree>
+      <p:nvGrpSpPr>
+        <p:cNvPr id="1" name=""/>
+        <p:cNvGrpSpPr/>
+        <p:nvPr/>
+      </p:nvGrpSpPr>
+      <p:grpSpPr>
+        <a:xfrm>
+          <a:off x="0" y="0"/>
+          <a:ext cx="0" cy="0"/>
+          <a:chOff x="0" y="0"/>
+          <a:chExt cx="0" cy="0"/>
+        </a:xfrm>
+      </p:grpSpPr>
+      <p:sp>
+        <p:nvSpPr>
+          <p:cNvPr id="2" name="標題 1">
+            <a:extLst>
+              <a:ext uri="{FF2B5EF4-FFF2-40B4-BE49-F238E27FC236}">
+                <a16:creationId xmlns:a16="http://schemas.microsoft.com/office/drawing/2014/main" id="{B34D58BC-D44A-98ED-2561-BBB54A60864E}"/>
+              </a:ext>
+            </a:extLst>
+          </p:cNvPr>
+          <p:cNvSpPr>
+            <a:spLocks noGrp="1"/>
+          </p:cNvSpPr>
+          <p:nvPr>
+            <p:ph type="title"/>
+          </p:nvPr>
+        </p:nvSpPr>
+        <p:spPr/>
+        <p:txBody>
+          <a:bodyPr/>
+          <a:lstStyle/>
+          <a:p>
+            <a:r>
+              <a:rPr lang="en-US" altLang="zh-TW" dirty="0">
+                <a:latin typeface="Consolas" panose="020B0609020204030204" pitchFamily="49" charset="0"/>
+                <a:ea typeface="微軟正黑體" panose="020B0604030504040204" pitchFamily="34" charset="-120"/>
+              </a:rPr>
+              <a:t>0/1</a:t>
+            </a:r>
+            <a:r>
+              <a:rPr lang="zh-TW" altLang="en-US" dirty="0">
+                <a:latin typeface="Consolas" panose="020B0609020204030204" pitchFamily="49" charset="0"/>
+                <a:ea typeface="微軟正黑體" panose="020B0604030504040204" pitchFamily="34" charset="-120"/>
+              </a:rPr>
+              <a:t> </a:t>
+            </a:r>
+            <a:r>
+              <a:rPr lang="en-US" altLang="zh-TW" dirty="0">
+                <a:latin typeface="Consolas" panose="020B0609020204030204" pitchFamily="49" charset="0"/>
+                <a:ea typeface="微軟正黑體" panose="020B0604030504040204" pitchFamily="34" charset="-120"/>
+              </a:rPr>
+              <a:t>knapsack – test 4</a:t>
+            </a:r>
+            <a:endParaRPr lang="zh-TW" altLang="en-US" dirty="0">
+              <a:latin typeface="Consolas" panose="020B0609020204030204" pitchFamily="49" charset="0"/>
+              <a:ea typeface="微軟正黑體" panose="020B0604030504040204" pitchFamily="34" charset="-120"/>
+            </a:endParaRPr>
+          </a:p>
+        </p:txBody>
+      </p:sp>
+      <p:pic>
+        <p:nvPicPr>
+          <p:cNvPr id="4" name="圖片 3">
+            <a:extLst>
+              <a:ext uri="{FF2B5EF4-FFF2-40B4-BE49-F238E27FC236}">
+                <a16:creationId xmlns:a16="http://schemas.microsoft.com/office/drawing/2014/main" id="{48A9FC85-AA0C-78DB-5500-4AFCD5FE98A7}"/>
+              </a:ext>
+            </a:extLst>
+          </p:cNvPr>
+          <p:cNvPicPr>
+            <a:picLocks noChangeAspect="1"/>
+          </p:cNvPicPr>
+          <p:nvPr/>
+        </p:nvPicPr>
+        <p:blipFill>
+          <a:blip r:embed="rId2">
+            <a:extLst>
+              <a:ext uri="{28A0092B-C50C-407E-A947-70E740481C1C}">
+                <a14:useLocalDpi xmlns:a14="http://schemas.microsoft.com/office/drawing/2010/main" val="0"/>
+              </a:ext>
+            </a:extLst>
+          </a:blip>
+          <a:stretch>
+            <a:fillRect/>
+          </a:stretch>
+        </p:blipFill>
+        <p:spPr>
+          <a:xfrm>
+            <a:off x="3169914" y="1690688"/>
+            <a:ext cx="5852172" cy="4389129"/>
+          </a:xfrm>
+          <a:prstGeom prst="rect">
+            <a:avLst/>
+          </a:prstGeom>
+        </p:spPr>
+      </p:pic>
+    </p:spTree>
+    <p:extLst>
+      <p:ext uri="{BB962C8B-B14F-4D97-AF65-F5344CB8AC3E}">
+        <p14:creationId xmlns:p14="http://schemas.microsoft.com/office/powerpoint/2010/main" val="3175674171"/>
+      </p:ext>
+    </p:extLst>
+  </p:cSld>
+  <p:clrMapOvr>
+    <a:masterClrMapping/>
+  </p:clrMapOvr>
+</p:sld>
+</file>
+
+<file path=ppt/slides/slide68.xml><?xml version="1.0" encoding="utf-8"?>
+<p:sld xmlns:a="http://schemas.openxmlformats.org/drawingml/2006/main" xmlns:r="http://schemas.openxmlformats.org/officeDocument/2006/relationships" xmlns:p="http://schemas.openxmlformats.org/presentationml/2006/main">
+  <p:cSld>
+    <p:spTree>
+      <p:nvGrpSpPr>
+        <p:cNvPr id="1" name=""/>
+        <p:cNvGrpSpPr/>
+        <p:nvPr/>
+      </p:nvGrpSpPr>
+      <p:grpSpPr>
+        <a:xfrm>
+          <a:off x="0" y="0"/>
+          <a:ext cx="0" cy="0"/>
+          <a:chOff x="0" y="0"/>
+          <a:chExt cx="0" cy="0"/>
+        </a:xfrm>
+      </p:grpSpPr>
+      <p:sp>
+        <p:nvSpPr>
+          <p:cNvPr id="2" name="標題 1">
+            <a:extLst>
+              <a:ext uri="{FF2B5EF4-FFF2-40B4-BE49-F238E27FC236}">
+                <a16:creationId xmlns:a16="http://schemas.microsoft.com/office/drawing/2014/main" id="{F7D191AA-328B-7761-E0E0-B769F5F66242}"/>
+              </a:ext>
+            </a:extLst>
+          </p:cNvPr>
+          <p:cNvSpPr>
+            <a:spLocks noGrp="1"/>
+          </p:cNvSpPr>
+          <p:nvPr>
+            <p:ph type="title"/>
+          </p:nvPr>
+        </p:nvSpPr>
+        <p:spPr/>
+        <p:txBody>
+          <a:bodyPr/>
+          <a:lstStyle/>
+          <a:p>
+            <a:r>
               <a:rPr lang="zh-TW" altLang="en-US" dirty="0">
                 <a:latin typeface="微軟正黑體" panose="020B0604030504040204" pitchFamily="34" charset="-120"/>
                 <a:ea typeface="微軟正黑體" panose="020B0604030504040204" pitchFamily="34" charset="-120"/>
@@ -17212,7 +18852,7 @@
 </p:sld>
 </file>
 
-<file path=ppt/slides/slide61.xml><?xml version="1.0" encoding="utf-8"?>
+<file path=ppt/slides/slide69.xml><?xml version="1.0" encoding="utf-8"?>
 <p:sld xmlns:a="http://schemas.openxmlformats.org/drawingml/2006/main" xmlns:r="http://schemas.openxmlformats.org/officeDocument/2006/relationships" xmlns:p="http://schemas.openxmlformats.org/presentationml/2006/main">
   <p:cSld>
     <p:spTree>
@@ -17736,7 +19376,7 @@
                 <a:latin typeface="Consolas" panose="020B0609020204030204" pitchFamily="49" charset="0"/>
                 <a:ea typeface="微軟正黑體" panose="020B0604030504040204" pitchFamily="34" charset="-120"/>
               </a:rPr>
-              <a:t>可以複製出一個與自己相同的</a:t>
+              <a:t>會複製出一個與自己相同的</a:t>
             </a:r>
             <a:r>
               <a:rPr lang="en-US" altLang="zh-TW" dirty="0">

--- a/人工智慧導論期末報告 B103040012 謝承翰.pptx
+++ b/人工智慧導論期末報告 B103040012 謝承翰.pptx
@@ -311,7 +311,7 @@
           <a:p>
             <a:fld id="{A17A7391-0049-46A4-9693-2287C2394398}" type="datetimeFigureOut">
               <a:rPr lang="zh-TW" altLang="en-US" smtClean="0"/>
-              <a:t>2022/12/12</a:t>
+              <a:t>2022/12/13</a:t>
             </a:fld>
             <a:endParaRPr lang="zh-TW" altLang="en-US"/>
           </a:p>
@@ -481,7 +481,7 @@
           <a:p>
             <a:fld id="{A17A7391-0049-46A4-9693-2287C2394398}" type="datetimeFigureOut">
               <a:rPr lang="zh-TW" altLang="en-US" smtClean="0"/>
-              <a:t>2022/12/12</a:t>
+              <a:t>2022/12/13</a:t>
             </a:fld>
             <a:endParaRPr lang="zh-TW" altLang="en-US"/>
           </a:p>
@@ -661,7 +661,7 @@
           <a:p>
             <a:fld id="{A17A7391-0049-46A4-9693-2287C2394398}" type="datetimeFigureOut">
               <a:rPr lang="zh-TW" altLang="en-US" smtClean="0"/>
-              <a:t>2022/12/12</a:t>
+              <a:t>2022/12/13</a:t>
             </a:fld>
             <a:endParaRPr lang="zh-TW" altLang="en-US"/>
           </a:p>
@@ -831,7 +831,7 @@
           <a:p>
             <a:fld id="{A17A7391-0049-46A4-9693-2287C2394398}" type="datetimeFigureOut">
               <a:rPr lang="zh-TW" altLang="en-US" smtClean="0"/>
-              <a:t>2022/12/12</a:t>
+              <a:t>2022/12/13</a:t>
             </a:fld>
             <a:endParaRPr lang="zh-TW" altLang="en-US"/>
           </a:p>
@@ -1077,7 +1077,7 @@
           <a:p>
             <a:fld id="{A17A7391-0049-46A4-9693-2287C2394398}" type="datetimeFigureOut">
               <a:rPr lang="zh-TW" altLang="en-US" smtClean="0"/>
-              <a:t>2022/12/12</a:t>
+              <a:t>2022/12/13</a:t>
             </a:fld>
             <a:endParaRPr lang="zh-TW" altLang="en-US"/>
           </a:p>
@@ -1309,7 +1309,7 @@
           <a:p>
             <a:fld id="{A17A7391-0049-46A4-9693-2287C2394398}" type="datetimeFigureOut">
               <a:rPr lang="zh-TW" altLang="en-US" smtClean="0"/>
-              <a:t>2022/12/12</a:t>
+              <a:t>2022/12/13</a:t>
             </a:fld>
             <a:endParaRPr lang="zh-TW" altLang="en-US"/>
           </a:p>
@@ -1676,7 +1676,7 @@
           <a:p>
             <a:fld id="{A17A7391-0049-46A4-9693-2287C2394398}" type="datetimeFigureOut">
               <a:rPr lang="zh-TW" altLang="en-US" smtClean="0"/>
-              <a:t>2022/12/12</a:t>
+              <a:t>2022/12/13</a:t>
             </a:fld>
             <a:endParaRPr lang="zh-TW" altLang="en-US"/>
           </a:p>
@@ -1794,7 +1794,7 @@
           <a:p>
             <a:fld id="{A17A7391-0049-46A4-9693-2287C2394398}" type="datetimeFigureOut">
               <a:rPr lang="zh-TW" altLang="en-US" smtClean="0"/>
-              <a:t>2022/12/12</a:t>
+              <a:t>2022/12/13</a:t>
             </a:fld>
             <a:endParaRPr lang="zh-TW" altLang="en-US"/>
           </a:p>
@@ -1889,7 +1889,7 @@
           <a:p>
             <a:fld id="{A17A7391-0049-46A4-9693-2287C2394398}" type="datetimeFigureOut">
               <a:rPr lang="zh-TW" altLang="en-US" smtClean="0"/>
-              <a:t>2022/12/12</a:t>
+              <a:t>2022/12/13</a:t>
             </a:fld>
             <a:endParaRPr lang="zh-TW" altLang="en-US"/>
           </a:p>
@@ -2166,7 +2166,7 @@
           <a:p>
             <a:fld id="{A17A7391-0049-46A4-9693-2287C2394398}" type="datetimeFigureOut">
               <a:rPr lang="zh-TW" altLang="en-US" smtClean="0"/>
-              <a:t>2022/12/12</a:t>
+              <a:t>2022/12/13</a:t>
             </a:fld>
             <a:endParaRPr lang="zh-TW" altLang="en-US"/>
           </a:p>
@@ -2423,7 +2423,7 @@
           <a:p>
             <a:fld id="{A17A7391-0049-46A4-9693-2287C2394398}" type="datetimeFigureOut">
               <a:rPr lang="zh-TW" altLang="en-US" smtClean="0"/>
-              <a:t>2022/12/12</a:t>
+              <a:t>2022/12/13</a:t>
             </a:fld>
             <a:endParaRPr lang="zh-TW" altLang="en-US"/>
           </a:p>
@@ -2636,7 +2636,7 @@
           <a:p>
             <a:fld id="{A17A7391-0049-46A4-9693-2287C2394398}" type="datetimeFigureOut">
               <a:rPr lang="zh-TW" altLang="en-US" smtClean="0"/>
-              <a:t>2022/12/12</a:t>
+              <a:t>2022/12/13</a:t>
             </a:fld>
             <a:endParaRPr lang="zh-TW" altLang="en-US"/>
           </a:p>
@@ -3069,6 +3069,13 @@
               </a:rPr>
               <a:t>Slime</a:t>
             </a:r>
+            <a:r>
+              <a:rPr lang="zh-TW" altLang="en-US" dirty="0">
+                <a:latin typeface="Consolas" panose="020B0609020204030204" pitchFamily="49" charset="0"/>
+                <a:ea typeface="微軟正黑體" panose="020B0604030504040204" pitchFamily="34" charset="-120"/>
+              </a:rPr>
+              <a:t>系統</a:t>
+            </a:r>
             <a:endParaRPr lang="zh-TW" altLang="en-US" dirty="0">
               <a:latin typeface="微軟正黑體" panose="020B0604030504040204" pitchFamily="34" charset="-120"/>
               <a:ea typeface="微軟正黑體" panose="020B0604030504040204" pitchFamily="34" charset="-120"/>

--- a/人工智慧導論期末報告 B103040012 謝承翰.pptx
+++ b/人工智慧導論期末報告 B103040012 謝承翰.pptx
@@ -311,7 +311,7 @@
           <a:p>
             <a:fld id="{A17A7391-0049-46A4-9693-2287C2394398}" type="datetimeFigureOut">
               <a:rPr lang="zh-TW" altLang="en-US" smtClean="0"/>
-              <a:t>2022/12/13</a:t>
+              <a:t>2022/12/14</a:t>
             </a:fld>
             <a:endParaRPr lang="zh-TW" altLang="en-US"/>
           </a:p>
@@ -481,7 +481,7 @@
           <a:p>
             <a:fld id="{A17A7391-0049-46A4-9693-2287C2394398}" type="datetimeFigureOut">
               <a:rPr lang="zh-TW" altLang="en-US" smtClean="0"/>
-              <a:t>2022/12/13</a:t>
+              <a:t>2022/12/14</a:t>
             </a:fld>
             <a:endParaRPr lang="zh-TW" altLang="en-US"/>
           </a:p>
@@ -661,7 +661,7 @@
           <a:p>
             <a:fld id="{A17A7391-0049-46A4-9693-2287C2394398}" type="datetimeFigureOut">
               <a:rPr lang="zh-TW" altLang="en-US" smtClean="0"/>
-              <a:t>2022/12/13</a:t>
+              <a:t>2022/12/14</a:t>
             </a:fld>
             <a:endParaRPr lang="zh-TW" altLang="en-US"/>
           </a:p>
@@ -831,7 +831,7 @@
           <a:p>
             <a:fld id="{A17A7391-0049-46A4-9693-2287C2394398}" type="datetimeFigureOut">
               <a:rPr lang="zh-TW" altLang="en-US" smtClean="0"/>
-              <a:t>2022/12/13</a:t>
+              <a:t>2022/12/14</a:t>
             </a:fld>
             <a:endParaRPr lang="zh-TW" altLang="en-US"/>
           </a:p>
@@ -1077,7 +1077,7 @@
           <a:p>
             <a:fld id="{A17A7391-0049-46A4-9693-2287C2394398}" type="datetimeFigureOut">
               <a:rPr lang="zh-TW" altLang="en-US" smtClean="0"/>
-              <a:t>2022/12/13</a:t>
+              <a:t>2022/12/14</a:t>
             </a:fld>
             <a:endParaRPr lang="zh-TW" altLang="en-US"/>
           </a:p>
@@ -1309,7 +1309,7 @@
           <a:p>
             <a:fld id="{A17A7391-0049-46A4-9693-2287C2394398}" type="datetimeFigureOut">
               <a:rPr lang="zh-TW" altLang="en-US" smtClean="0"/>
-              <a:t>2022/12/13</a:t>
+              <a:t>2022/12/14</a:t>
             </a:fld>
             <a:endParaRPr lang="zh-TW" altLang="en-US"/>
           </a:p>
@@ -1676,7 +1676,7 @@
           <a:p>
             <a:fld id="{A17A7391-0049-46A4-9693-2287C2394398}" type="datetimeFigureOut">
               <a:rPr lang="zh-TW" altLang="en-US" smtClean="0"/>
-              <a:t>2022/12/13</a:t>
+              <a:t>2022/12/14</a:t>
             </a:fld>
             <a:endParaRPr lang="zh-TW" altLang="en-US"/>
           </a:p>
@@ -1794,7 +1794,7 @@
           <a:p>
             <a:fld id="{A17A7391-0049-46A4-9693-2287C2394398}" type="datetimeFigureOut">
               <a:rPr lang="zh-TW" altLang="en-US" smtClean="0"/>
-              <a:t>2022/12/13</a:t>
+              <a:t>2022/12/14</a:t>
             </a:fld>
             <a:endParaRPr lang="zh-TW" altLang="en-US"/>
           </a:p>
@@ -1889,7 +1889,7 @@
           <a:p>
             <a:fld id="{A17A7391-0049-46A4-9693-2287C2394398}" type="datetimeFigureOut">
               <a:rPr lang="zh-TW" altLang="en-US" smtClean="0"/>
-              <a:t>2022/12/13</a:t>
+              <a:t>2022/12/14</a:t>
             </a:fld>
             <a:endParaRPr lang="zh-TW" altLang="en-US"/>
           </a:p>
@@ -2166,7 +2166,7 @@
           <a:p>
             <a:fld id="{A17A7391-0049-46A4-9693-2287C2394398}" type="datetimeFigureOut">
               <a:rPr lang="zh-TW" altLang="en-US" smtClean="0"/>
-              <a:t>2022/12/13</a:t>
+              <a:t>2022/12/14</a:t>
             </a:fld>
             <a:endParaRPr lang="zh-TW" altLang="en-US"/>
           </a:p>
@@ -2423,7 +2423,7 @@
           <a:p>
             <a:fld id="{A17A7391-0049-46A4-9693-2287C2394398}" type="datetimeFigureOut">
               <a:rPr lang="zh-TW" altLang="en-US" smtClean="0"/>
-              <a:t>2022/12/13</a:t>
+              <a:t>2022/12/14</a:t>
             </a:fld>
             <a:endParaRPr lang="zh-TW" altLang="en-US"/>
           </a:p>
@@ -2636,7 +2636,7 @@
           <a:p>
             <a:fld id="{A17A7391-0049-46A4-9693-2287C2394398}" type="datetimeFigureOut">
               <a:rPr lang="zh-TW" altLang="en-US" smtClean="0"/>
-              <a:t>2022/12/13</a:t>
+              <a:t>2022/12/14</a:t>
             </a:fld>
             <a:endParaRPr lang="zh-TW" altLang="en-US"/>
           </a:p>
@@ -18837,7 +18837,7 @@
                 <a:latin typeface="Consolas" panose="020B0609020204030204" pitchFamily="49" charset="0"/>
                 <a:ea typeface="微軟正黑體" panose="020B0604030504040204" pitchFamily="34" charset="-120"/>
               </a:rPr>
-              <a:t>。</a:t>
+              <a:t>、數據擬合。</a:t>
             </a:r>
             <a:endParaRPr lang="en-US" altLang="zh-TW" dirty="0">
               <a:latin typeface="Consolas" panose="020B0609020204030204" pitchFamily="49" charset="0"/>
